--- a/PPTs/Aza - Dua Tawassul.pptx
+++ b/PPTs/Aza - Dua Tawassul.pptx
@@ -6,8 +6,8 @@
   </p:sldMasterIdLst>
   <p:sldIdLst>
     <p:sldId id="5595" r:id="rId2"/>
-    <p:sldId id="5441" r:id="rId3"/>
-    <p:sldId id="5042" r:id="rId4"/>
+    <p:sldId id="5597" r:id="rId3"/>
+    <p:sldId id="1090" r:id="rId4"/>
     <p:sldId id="3394" r:id="rId5"/>
     <p:sldId id="3395" r:id="rId6"/>
     <p:sldId id="3396" r:id="rId7"/>
@@ -129,7 +129,7 @@
     <p:sldId id="3486" r:id="rId123"/>
     <p:sldId id="3487" r:id="rId124"/>
     <p:sldId id="3488" r:id="rId125"/>
-    <p:sldId id="5596" r:id="rId126"/>
+    <p:sldId id="5598" r:id="rId126"/>
     <p:sldId id="5440" r:id="rId127"/>
   </p:sldIdLst>
   <p:sldSz cx="12192000" cy="6858000"/>
@@ -367,9 +367,18 @@
   <p:clrMapOvr>
     <a:masterClrMapping/>
   </p:clrMapOvr>
-  <p:transition>
-    <p:fade/>
-  </p:transition>
+  <mc:AlternateContent xmlns:mc="http://schemas.openxmlformats.org/markup-compatibility/2006">
+    <mc:Choice xmlns:p14="http://schemas.microsoft.com/office/powerpoint/2010/main" Requires="p14">
+      <p:transition p14:dur="300">
+        <p:fade/>
+      </p:transition>
+    </mc:Choice>
+    <mc:Fallback>
+      <p:transition>
+        <p:fade/>
+      </p:transition>
+    </mc:Fallback>
+  </mc:AlternateContent>
   <p:extLst>
     <p:ext uri="{DCECCB84-F9BA-43D5-87BE-67443E8EF086}">
       <p15:sldGuideLst xmlns:p15="http://schemas.microsoft.com/office/powerpoint/2012/main">
@@ -465,9 +474,18 @@
   <p:clrMapOvr>
     <a:masterClrMapping/>
   </p:clrMapOvr>
-  <p:transition>
-    <p:fade/>
-  </p:transition>
+  <mc:AlternateContent xmlns:mc="http://schemas.openxmlformats.org/markup-compatibility/2006">
+    <mc:Choice xmlns:p14="http://schemas.microsoft.com/office/powerpoint/2010/main" Requires="p14">
+      <p:transition p14:dur="300">
+        <p:fade/>
+      </p:transition>
+    </mc:Choice>
+    <mc:Fallback>
+      <p:transition>
+        <p:fade/>
+      </p:transition>
+    </mc:Fallback>
+  </mc:AlternateContent>
 </p:sldLayout>
 </file>
 
@@ -634,9 +652,18 @@
   <p:clrMapOvr>
     <a:masterClrMapping/>
   </p:clrMapOvr>
-  <p:transition>
-    <p:fade/>
-  </p:transition>
+  <mc:AlternateContent xmlns:mc="http://schemas.openxmlformats.org/markup-compatibility/2006">
+    <mc:Choice xmlns:p14="http://schemas.microsoft.com/office/powerpoint/2010/main" Requires="p14">
+      <p:transition p14:dur="300">
+        <p:fade/>
+      </p:transition>
+    </mc:Choice>
+    <mc:Fallback>
+      <p:transition>
+        <p:fade/>
+      </p:transition>
+    </mc:Fallback>
+  </mc:AlternateContent>
 </p:sldLayout>
 </file>
 
@@ -886,9 +913,18 @@
     <p:sldLayoutId id="2147483688" r:id="rId2"/>
     <p:sldLayoutId id="2147483689" r:id="rId3"/>
   </p:sldLayoutIdLst>
-  <p:transition>
-    <p:fade/>
-  </p:transition>
+  <mc:AlternateContent xmlns:mc="http://schemas.openxmlformats.org/markup-compatibility/2006">
+    <mc:Choice xmlns:p14="http://schemas.microsoft.com/office/powerpoint/2010/main" Requires="p14">
+      <p:transition p14:dur="300">
+        <p:fade/>
+      </p:transition>
+    </mc:Choice>
+    <mc:Fallback>
+      <p:transition>
+        <p:fade/>
+      </p:transition>
+    </mc:Fallback>
+  </mc:AlternateContent>
   <p:txStyles>
     <p:titleStyle>
       <a:lvl1pPr algn="ctr" rtl="0" eaLnBrk="1" fontAlgn="base" hangingPunct="1">
@@ -1826,9 +1862,18 @@
   <p:clrMapOvr>
     <a:masterClrMapping/>
   </p:clrMapOvr>
-  <p:transition>
-    <p:fade/>
-  </p:transition>
+  <mc:AlternateContent xmlns:mc="http://schemas.openxmlformats.org/markup-compatibility/2006">
+    <mc:Choice xmlns:p14="http://schemas.microsoft.com/office/powerpoint/2010/main" Requires="p14">
+      <p:transition p14:dur="300">
+        <p:fade/>
+      </p:transition>
+    </mc:Choice>
+    <mc:Fallback>
+      <p:transition>
+        <p:fade/>
+      </p:transition>
+    </mc:Fallback>
+  </mc:AlternateContent>
 </p:sld>
 </file>
 
@@ -1941,9 +1986,18 @@
   <p:clrMapOvr>
     <a:masterClrMapping/>
   </p:clrMapOvr>
-  <p:transition>
-    <p:fade/>
-  </p:transition>
+  <mc:AlternateContent xmlns:mc="http://schemas.openxmlformats.org/markup-compatibility/2006">
+    <mc:Choice xmlns:p14="http://schemas.microsoft.com/office/powerpoint/2010/main" Requires="p14">
+      <p:transition p14:dur="300">
+        <p:fade/>
+      </p:transition>
+    </mc:Choice>
+    <mc:Fallback>
+      <p:transition>
+        <p:fade/>
+      </p:transition>
+    </mc:Fallback>
+  </mc:AlternateContent>
 </p:sld>
 </file>
 
@@ -2080,9 +2134,18 @@
   <p:clrMapOvr>
     <a:masterClrMapping/>
   </p:clrMapOvr>
-  <p:transition>
-    <p:fade/>
-  </p:transition>
+  <mc:AlternateContent xmlns:mc="http://schemas.openxmlformats.org/markup-compatibility/2006">
+    <mc:Choice xmlns:p14="http://schemas.microsoft.com/office/powerpoint/2010/main" Requires="p14">
+      <p:transition p14:dur="300">
+        <p:fade/>
+      </p:transition>
+    </mc:Choice>
+    <mc:Fallback>
+      <p:transition>
+        <p:fade/>
+      </p:transition>
+    </mc:Fallback>
+  </mc:AlternateContent>
 </p:sld>
 </file>
 
@@ -2202,9 +2265,18 @@
   <p:clrMapOvr>
     <a:masterClrMapping/>
   </p:clrMapOvr>
-  <p:transition>
-    <p:fade/>
-  </p:transition>
+  <mc:AlternateContent xmlns:mc="http://schemas.openxmlformats.org/markup-compatibility/2006">
+    <mc:Choice xmlns:p14="http://schemas.microsoft.com/office/powerpoint/2010/main" Requires="p14">
+      <p:transition p14:dur="300">
+        <p:fade/>
+      </p:transition>
+    </mc:Choice>
+    <mc:Fallback>
+      <p:transition>
+        <p:fade/>
+      </p:transition>
+    </mc:Fallback>
+  </mc:AlternateContent>
 </p:sld>
 </file>
 
@@ -2316,9 +2388,18 @@
   <p:clrMapOvr>
     <a:masterClrMapping/>
   </p:clrMapOvr>
-  <p:transition>
-    <p:fade/>
-  </p:transition>
+  <mc:AlternateContent xmlns:mc="http://schemas.openxmlformats.org/markup-compatibility/2006">
+    <mc:Choice xmlns:p14="http://schemas.microsoft.com/office/powerpoint/2010/main" Requires="p14">
+      <p:transition p14:dur="300">
+        <p:fade/>
+      </p:transition>
+    </mc:Choice>
+    <mc:Fallback>
+      <p:transition>
+        <p:fade/>
+      </p:transition>
+    </mc:Fallback>
+  </mc:AlternateContent>
 </p:sld>
 </file>
 
@@ -2431,9 +2512,18 @@
   <p:clrMapOvr>
     <a:masterClrMapping/>
   </p:clrMapOvr>
-  <p:transition>
-    <p:fade/>
-  </p:transition>
+  <mc:AlternateContent xmlns:mc="http://schemas.openxmlformats.org/markup-compatibility/2006">
+    <mc:Choice xmlns:p14="http://schemas.microsoft.com/office/powerpoint/2010/main" Requires="p14">
+      <p:transition p14:dur="300">
+        <p:fade/>
+      </p:transition>
+    </mc:Choice>
+    <mc:Fallback>
+      <p:transition>
+        <p:fade/>
+      </p:transition>
+    </mc:Fallback>
+  </mc:AlternateContent>
 </p:sld>
 </file>
 
@@ -2546,9 +2636,18 @@
   <p:clrMapOvr>
     <a:masterClrMapping/>
   </p:clrMapOvr>
-  <p:transition>
-    <p:fade/>
-  </p:transition>
+  <mc:AlternateContent xmlns:mc="http://schemas.openxmlformats.org/markup-compatibility/2006">
+    <mc:Choice xmlns:p14="http://schemas.microsoft.com/office/powerpoint/2010/main" Requires="p14">
+      <p:transition p14:dur="300">
+        <p:fade/>
+      </p:transition>
+    </mc:Choice>
+    <mc:Fallback>
+      <p:transition>
+        <p:fade/>
+      </p:transition>
+    </mc:Fallback>
+  </mc:AlternateContent>
 </p:sld>
 </file>
 
@@ -2661,9 +2760,18 @@
   <p:clrMapOvr>
     <a:masterClrMapping/>
   </p:clrMapOvr>
-  <p:transition>
-    <p:fade/>
-  </p:transition>
+  <mc:AlternateContent xmlns:mc="http://schemas.openxmlformats.org/markup-compatibility/2006">
+    <mc:Choice xmlns:p14="http://schemas.microsoft.com/office/powerpoint/2010/main" Requires="p14">
+      <p:transition p14:dur="300">
+        <p:fade/>
+      </p:transition>
+    </mc:Choice>
+    <mc:Fallback>
+      <p:transition>
+        <p:fade/>
+      </p:transition>
+    </mc:Fallback>
+  </mc:AlternateContent>
 </p:sld>
 </file>
 
@@ -2797,9 +2905,18 @@
   <p:clrMapOvr>
     <a:masterClrMapping/>
   </p:clrMapOvr>
-  <p:transition>
-    <p:fade/>
-  </p:transition>
+  <mc:AlternateContent xmlns:mc="http://schemas.openxmlformats.org/markup-compatibility/2006">
+    <mc:Choice xmlns:p14="http://schemas.microsoft.com/office/powerpoint/2010/main" Requires="p14">
+      <p:transition p14:dur="300">
+        <p:fade/>
+      </p:transition>
+    </mc:Choice>
+    <mc:Fallback>
+      <p:transition>
+        <p:fade/>
+      </p:transition>
+    </mc:Fallback>
+  </mc:AlternateContent>
 </p:sld>
 </file>
 
@@ -2945,9 +3062,18 @@
   <p:clrMapOvr>
     <a:masterClrMapping/>
   </p:clrMapOvr>
-  <p:transition>
-    <p:fade/>
-  </p:transition>
+  <mc:AlternateContent xmlns:mc="http://schemas.openxmlformats.org/markup-compatibility/2006">
+    <mc:Choice xmlns:p14="http://schemas.microsoft.com/office/powerpoint/2010/main" Requires="p14">
+      <p:transition p14:dur="300">
+        <p:fade/>
+      </p:transition>
+    </mc:Choice>
+    <mc:Fallback>
+      <p:transition>
+        <p:fade/>
+      </p:transition>
+    </mc:Fallback>
+  </mc:AlternateContent>
 </p:sld>
 </file>
 
@@ -3084,9 +3210,18 @@
   <p:clrMapOvr>
     <a:masterClrMapping/>
   </p:clrMapOvr>
-  <p:transition>
-    <p:fade/>
-  </p:transition>
+  <mc:AlternateContent xmlns:mc="http://schemas.openxmlformats.org/markup-compatibility/2006">
+    <mc:Choice xmlns:p14="http://schemas.microsoft.com/office/powerpoint/2010/main" Requires="p14">
+      <p:transition p14:dur="300">
+        <p:fade/>
+      </p:transition>
+    </mc:Choice>
+    <mc:Fallback>
+      <p:transition>
+        <p:fade/>
+      </p:transition>
+    </mc:Fallback>
+  </mc:AlternateContent>
 </p:sld>
 </file>
 
@@ -3206,9 +3341,18 @@
   <p:clrMapOvr>
     <a:masterClrMapping/>
   </p:clrMapOvr>
-  <p:transition>
-    <p:fade/>
-  </p:transition>
+  <mc:AlternateContent xmlns:mc="http://schemas.openxmlformats.org/markup-compatibility/2006">
+    <mc:Choice xmlns:p14="http://schemas.microsoft.com/office/powerpoint/2010/main" Requires="p14">
+      <p:transition p14:dur="300">
+        <p:fade/>
+      </p:transition>
+    </mc:Choice>
+    <mc:Fallback>
+      <p:transition>
+        <p:fade/>
+      </p:transition>
+    </mc:Fallback>
+  </mc:AlternateContent>
 </p:sld>
 </file>
 
@@ -3321,9 +3465,18 @@
   <p:clrMapOvr>
     <a:masterClrMapping/>
   </p:clrMapOvr>
-  <p:transition>
-    <p:fade/>
-  </p:transition>
+  <mc:AlternateContent xmlns:mc="http://schemas.openxmlformats.org/markup-compatibility/2006">
+    <mc:Choice xmlns:p14="http://schemas.microsoft.com/office/powerpoint/2010/main" Requires="p14">
+      <p:transition p14:dur="300">
+        <p:fade/>
+      </p:transition>
+    </mc:Choice>
+    <mc:Fallback>
+      <p:transition>
+        <p:fade/>
+      </p:transition>
+    </mc:Fallback>
+  </mc:AlternateContent>
 </p:sld>
 </file>
 
@@ -3435,9 +3588,18 @@
   <p:clrMapOvr>
     <a:masterClrMapping/>
   </p:clrMapOvr>
-  <p:transition>
-    <p:fade/>
-  </p:transition>
+  <mc:AlternateContent xmlns:mc="http://schemas.openxmlformats.org/markup-compatibility/2006">
+    <mc:Choice xmlns:p14="http://schemas.microsoft.com/office/powerpoint/2010/main" Requires="p14">
+      <p:transition p14:dur="300">
+        <p:fade/>
+      </p:transition>
+    </mc:Choice>
+    <mc:Fallback>
+      <p:transition>
+        <p:fade/>
+      </p:transition>
+    </mc:Fallback>
+  </mc:AlternateContent>
 </p:sld>
 </file>
 
@@ -3550,9 +3712,18 @@
   <p:clrMapOvr>
     <a:masterClrMapping/>
   </p:clrMapOvr>
-  <p:transition>
-    <p:fade/>
-  </p:transition>
+  <mc:AlternateContent xmlns:mc="http://schemas.openxmlformats.org/markup-compatibility/2006">
+    <mc:Choice xmlns:p14="http://schemas.microsoft.com/office/powerpoint/2010/main" Requires="p14">
+      <p:transition p14:dur="300">
+        <p:fade/>
+      </p:transition>
+    </mc:Choice>
+    <mc:Fallback>
+      <p:transition>
+        <p:fade/>
+      </p:transition>
+    </mc:Fallback>
+  </mc:AlternateContent>
 </p:sld>
 </file>
 
@@ -3665,9 +3836,18 @@
   <p:clrMapOvr>
     <a:masterClrMapping/>
   </p:clrMapOvr>
-  <p:transition>
-    <p:fade/>
-  </p:transition>
+  <mc:AlternateContent xmlns:mc="http://schemas.openxmlformats.org/markup-compatibility/2006">
+    <mc:Choice xmlns:p14="http://schemas.microsoft.com/office/powerpoint/2010/main" Requires="p14">
+      <p:transition p14:dur="300">
+        <p:fade/>
+      </p:transition>
+    </mc:Choice>
+    <mc:Fallback>
+      <p:transition>
+        <p:fade/>
+      </p:transition>
+    </mc:Fallback>
+  </mc:AlternateContent>
 </p:sld>
 </file>
 
@@ -3780,9 +3960,18 @@
   <p:clrMapOvr>
     <a:masterClrMapping/>
   </p:clrMapOvr>
-  <p:transition>
-    <p:fade/>
-  </p:transition>
+  <mc:AlternateContent xmlns:mc="http://schemas.openxmlformats.org/markup-compatibility/2006">
+    <mc:Choice xmlns:p14="http://schemas.microsoft.com/office/powerpoint/2010/main" Requires="p14">
+      <p:transition p14:dur="300">
+        <p:fade/>
+      </p:transition>
+    </mc:Choice>
+    <mc:Fallback>
+      <p:transition>
+        <p:fade/>
+      </p:transition>
+    </mc:Fallback>
+  </mc:AlternateContent>
 </p:sld>
 </file>
 
@@ -3916,9 +4105,18 @@
   <p:clrMapOvr>
     <a:masterClrMapping/>
   </p:clrMapOvr>
-  <p:transition>
-    <p:fade/>
-  </p:transition>
+  <mc:AlternateContent xmlns:mc="http://schemas.openxmlformats.org/markup-compatibility/2006">
+    <mc:Choice xmlns:p14="http://schemas.microsoft.com/office/powerpoint/2010/main" Requires="p14">
+      <p:transition p14:dur="300">
+        <p:fade/>
+      </p:transition>
+    </mc:Choice>
+    <mc:Fallback>
+      <p:transition>
+        <p:fade/>
+      </p:transition>
+    </mc:Fallback>
+  </mc:AlternateContent>
 </p:sld>
 </file>
 
@@ -3944,7 +4142,7 @@
           <p:cNvPr id="5" name="Title 4">
             <a:extLst>
               <a:ext uri="{FF2B5EF4-FFF2-40B4-BE49-F238E27FC236}">
-                <a16:creationId xmlns:a16="http://schemas.microsoft.com/office/drawing/2014/main" id="{E7398197-3DDB-6675-DAF2-BC604CA4124D}"/>
+                <a16:creationId xmlns:a16="http://schemas.microsoft.com/office/drawing/2014/main" id="{6FAE3F82-7D8B-3B6C-A4A9-B97D96522A9B}"/>
               </a:ext>
             </a:extLst>
           </p:cNvPr>
@@ -3982,8 +4180,8 @@
         </p:nvSpPr>
         <p:spPr>
           <a:xfrm>
-            <a:off x="2171700" y="1807462"/>
-            <a:ext cx="7848600" cy="3238500"/>
+            <a:off x="2171700" y="4495801"/>
+            <a:ext cx="7848600" cy="1905000"/>
           </a:xfrm>
         </p:spPr>
         <p:txBody>
@@ -3991,10 +4189,10 @@
           <a:lstStyle/>
           <a:p>
             <a:r>
-              <a:rPr lang="en-US" sz="4800" dirty="0"/>
+              <a:rPr lang="en-US" dirty="0"/>
               <a:t>You may now beseech Almighty Allah to grant your needs, and they will be settled, if Allah permits.</a:t>
             </a:r>
-            <a:endParaRPr lang="en-CA" sz="4800" dirty="0"/>
+            <a:endParaRPr lang="en-CA" dirty="0"/>
           </a:p>
         </p:txBody>
       </p:sp>
@@ -4008,9 +4206,18 @@
   <p:clrMapOvr>
     <a:masterClrMapping/>
   </p:clrMapOvr>
-  <p:transition>
-    <p:fade/>
-  </p:transition>
+  <mc:AlternateContent xmlns:mc="http://schemas.openxmlformats.org/markup-compatibility/2006">
+    <mc:Choice xmlns:p14="http://schemas.microsoft.com/office/powerpoint/2010/main" Requires="p14">
+      <p:transition p14:dur="300">
+        <p:fade/>
+      </p:transition>
+    </mc:Choice>
+    <mc:Fallback>
+      <p:transition>
+        <p:fade/>
+      </p:transition>
+    </mc:Fallback>
+  </mc:AlternateContent>
 </p:sld>
 </file>
 
@@ -4136,9 +4343,18 @@
   <p:clrMapOvr>
     <a:masterClrMapping/>
   </p:clrMapOvr>
-  <p:transition>
-    <p:fade/>
-  </p:transition>
+  <mc:AlternateContent xmlns:mc="http://schemas.openxmlformats.org/markup-compatibility/2006">
+    <mc:Choice xmlns:p14="http://schemas.microsoft.com/office/powerpoint/2010/main" Requires="p14">
+      <p:transition p14:dur="300">
+        <p:fade/>
+      </p:transition>
+    </mc:Choice>
+    <mc:Fallback>
+      <p:transition>
+        <p:fade/>
+      </p:transition>
+    </mc:Fallback>
+  </mc:AlternateContent>
 </p:sld>
 </file>
 
@@ -4278,9 +4494,18 @@
   <p:clrMapOvr>
     <a:masterClrMapping/>
   </p:clrMapOvr>
-  <p:transition>
-    <p:fade/>
-  </p:transition>
+  <mc:AlternateContent xmlns:mc="http://schemas.openxmlformats.org/markup-compatibility/2006">
+    <mc:Choice xmlns:p14="http://schemas.microsoft.com/office/powerpoint/2010/main" Requires="p14">
+      <p:transition p14:dur="300">
+        <p:fade/>
+      </p:transition>
+    </mc:Choice>
+    <mc:Fallback>
+      <p:transition>
+        <p:fade/>
+      </p:transition>
+    </mc:Fallback>
+  </mc:AlternateContent>
 </p:sld>
 </file>
 
@@ -4413,9 +4638,18 @@
   <p:clrMapOvr>
     <a:masterClrMapping/>
   </p:clrMapOvr>
-  <p:transition>
-    <p:fade/>
-  </p:transition>
+  <mc:AlternateContent xmlns:mc="http://schemas.openxmlformats.org/markup-compatibility/2006">
+    <mc:Choice xmlns:p14="http://schemas.microsoft.com/office/powerpoint/2010/main" Requires="p14">
+      <p:transition p14:dur="300">
+        <p:fade/>
+      </p:transition>
+    </mc:Choice>
+    <mc:Fallback>
+      <p:transition>
+        <p:fade/>
+      </p:transition>
+    </mc:Fallback>
+  </mc:AlternateContent>
 </p:sld>
 </file>
 
@@ -4548,9 +4782,18 @@
   <p:clrMapOvr>
     <a:masterClrMapping/>
   </p:clrMapOvr>
-  <p:transition>
-    <p:fade/>
-  </p:transition>
+  <mc:AlternateContent xmlns:mc="http://schemas.openxmlformats.org/markup-compatibility/2006">
+    <mc:Choice xmlns:p14="http://schemas.microsoft.com/office/powerpoint/2010/main" Requires="p14">
+      <p:transition p14:dur="300">
+        <p:fade/>
+      </p:transition>
+    </mc:Choice>
+    <mc:Fallback>
+      <p:transition>
+        <p:fade/>
+      </p:transition>
+    </mc:Fallback>
+  </mc:AlternateContent>
 </p:sld>
 </file>
 
@@ -4684,9 +4927,18 @@
   <p:clrMapOvr>
     <a:masterClrMapping/>
   </p:clrMapOvr>
-  <p:transition>
-    <p:fade/>
-  </p:transition>
+  <mc:AlternateContent xmlns:mc="http://schemas.openxmlformats.org/markup-compatibility/2006">
+    <mc:Choice xmlns:p14="http://schemas.microsoft.com/office/powerpoint/2010/main" Requires="p14">
+      <p:transition p14:dur="300">
+        <p:fade/>
+      </p:transition>
+    </mc:Choice>
+    <mc:Fallback>
+      <p:transition>
+        <p:fade/>
+      </p:transition>
+    </mc:Fallback>
+  </mc:AlternateContent>
 </p:sld>
 </file>
 
@@ -4809,9 +5061,18 @@
   <p:clrMapOvr>
     <a:masterClrMapping/>
   </p:clrMapOvr>
-  <p:transition>
-    <p:fade/>
-  </p:transition>
+  <mc:AlternateContent xmlns:mc="http://schemas.openxmlformats.org/markup-compatibility/2006">
+    <mc:Choice xmlns:p14="http://schemas.microsoft.com/office/powerpoint/2010/main" Requires="p14">
+      <p:transition p14:dur="300">
+        <p:fade/>
+      </p:transition>
+    </mc:Choice>
+    <mc:Fallback>
+      <p:transition>
+        <p:fade/>
+      </p:transition>
+    </mc:Fallback>
+  </mc:AlternateContent>
 </p:sld>
 </file>
 
@@ -4944,9 +5205,18 @@
   <p:clrMapOvr>
     <a:masterClrMapping/>
   </p:clrMapOvr>
-  <p:transition>
-    <p:fade/>
-  </p:transition>
+  <mc:AlternateContent xmlns:mc="http://schemas.openxmlformats.org/markup-compatibility/2006">
+    <mc:Choice xmlns:p14="http://schemas.microsoft.com/office/powerpoint/2010/main" Requires="p14">
+      <p:transition p14:dur="300">
+        <p:fade/>
+      </p:transition>
+    </mc:Choice>
+    <mc:Fallback>
+      <p:transition>
+        <p:fade/>
+      </p:transition>
+    </mc:Fallback>
+  </mc:AlternateContent>
 </p:sld>
 </file>
 
@@ -5058,9 +5328,18 @@
   <p:clrMapOvr>
     <a:masterClrMapping/>
   </p:clrMapOvr>
-  <p:transition>
-    <p:fade/>
-  </p:transition>
+  <mc:AlternateContent xmlns:mc="http://schemas.openxmlformats.org/markup-compatibility/2006">
+    <mc:Choice xmlns:p14="http://schemas.microsoft.com/office/powerpoint/2010/main" Requires="p14">
+      <p:transition p14:dur="300">
+        <p:fade/>
+      </p:transition>
+    </mc:Choice>
+    <mc:Fallback>
+      <p:transition>
+        <p:fade/>
+      </p:transition>
+    </mc:Fallback>
+  </mc:AlternateContent>
 </p:sld>
 </file>
 
@@ -5207,9 +5486,18 @@
   <p:clrMapOvr>
     <a:masterClrMapping/>
   </p:clrMapOvr>
-  <p:transition>
-    <p:fade/>
-  </p:transition>
+  <mc:AlternateContent xmlns:mc="http://schemas.openxmlformats.org/markup-compatibility/2006">
+    <mc:Choice xmlns:p14="http://schemas.microsoft.com/office/powerpoint/2010/main" Requires="p14">
+      <p:transition p14:dur="300">
+        <p:fade/>
+      </p:transition>
+    </mc:Choice>
+    <mc:Fallback>
+      <p:transition>
+        <p:fade/>
+      </p:transition>
+    </mc:Fallback>
+  </mc:AlternateContent>
 </p:sld>
 </file>
 
@@ -5321,9 +5609,18 @@
   <p:clrMapOvr>
     <a:masterClrMapping/>
   </p:clrMapOvr>
-  <p:transition>
-    <p:fade/>
-  </p:transition>
+  <mc:AlternateContent xmlns:mc="http://schemas.openxmlformats.org/markup-compatibility/2006">
+    <mc:Choice xmlns:p14="http://schemas.microsoft.com/office/powerpoint/2010/main" Requires="p14">
+      <p:transition p14:dur="300">
+        <p:fade/>
+      </p:transition>
+    </mc:Choice>
+    <mc:Fallback>
+      <p:transition>
+        <p:fade/>
+      </p:transition>
+    </mc:Fallback>
+  </mc:AlternateContent>
 </p:sld>
 </file>
 
@@ -5346,9 +5643,15 @@
       </p:grpSpPr>
       <p:sp>
         <p:nvSpPr>
-          <p:cNvPr id="71682" name="Rectangle 2"/>
-          <p:cNvSpPr>
-            <a:spLocks noGrp="1" noChangeArrowheads="1"/>
+          <p:cNvPr id="11" name="Title 3">
+            <a:extLst>
+              <a:ext uri="{FF2B5EF4-FFF2-40B4-BE49-F238E27FC236}">
+                <a16:creationId xmlns:a16="http://schemas.microsoft.com/office/drawing/2014/main" id="{4E604A7F-4B49-4FDE-B247-CED3E88C9DED}"/>
+              </a:ext>
+            </a:extLst>
+          </p:cNvPr>
+          <p:cNvSpPr>
+            <a:spLocks noGrp="1"/>
           </p:cNvSpPr>
           <p:nvPr>
             <p:ph type="title"/>
@@ -5359,50 +5662,30 @@
             <a:off x="0" y="1219199"/>
             <a:ext cx="12192000" cy="1143000"/>
           </a:xfrm>
-          <a:noFill/>
-          <a:ln>
-            <a:noFill/>
-          </a:ln>
-          <a:extLst>
-            <a:ext uri="{909E8E84-426E-40DD-AFC4-6F175D3DCCD1}">
-              <a14:hiddenFill xmlns:a14="http://schemas.microsoft.com/office/drawing/2010/main">
-                <a:solidFill>
-                  <a:srgbClr val="FFFFFF"/>
-                </a:solidFill>
-              </a14:hiddenFill>
-            </a:ext>
-            <a:ext uri="{91240B29-F687-4F45-9708-019B960494DF}">
-              <a14:hiddenLine xmlns:a14="http://schemas.microsoft.com/office/drawing/2010/main" w="9525">
-                <a:solidFill>
-                  <a:srgbClr val="000000"/>
-                </a:solidFill>
-                <a:miter lim="800000"/>
-                <a:headEnd/>
-                <a:tailEnd/>
-              </a14:hiddenLine>
-            </a:ext>
-          </a:extLst>
-        </p:spPr>
-        <p:txBody>
-          <a:bodyPr vert="horz" wrap="square" lIns="91440" tIns="45720" rIns="91440" bIns="45720" numCol="1" anchor="ctr" anchorCtr="0" compatLnSpc="1">
-            <a:prstTxWarp prst="textNoShape">
-              <a:avLst/>
-            </a:prstTxWarp>
-          </a:bodyPr>
-          <a:lstStyle/>
-          <a:p>
-            <a:r>
-              <a:rPr lang="ar-SA" altLang="en-US" dirty="0"/>
-              <a:t>اَللَّهُمَّ صَلِّ عَلٰى مُحَمَّدٍ وَآلِ مُحَمَّدٍ</a:t>
-            </a:r>
-          </a:p>
-        </p:txBody>
-      </p:sp>
-      <p:sp>
-        <p:nvSpPr>
-          <p:cNvPr id="71683" name="Rectangle 3"/>
-          <p:cNvSpPr>
-            <a:spLocks noGrp="1" noChangeArrowheads="1"/>
+        </p:spPr>
+        <p:txBody>
+          <a:bodyPr/>
+          <a:lstStyle/>
+          <a:p>
+            <a:r>
+              <a:rPr lang="ar-SA" dirty="0"/>
+              <a:t>أَللّٰهُمَّ صَلِّ عَلٰى مُحَمَّدٍ وَآلِ مُحَمَّدٍ</a:t>
+            </a:r>
+            <a:endParaRPr lang="en-US" dirty="0"/>
+          </a:p>
+        </p:txBody>
+      </p:sp>
+      <p:sp>
+        <p:nvSpPr>
+          <p:cNvPr id="12" name="Subtitle 4">
+            <a:extLst>
+              <a:ext uri="{FF2B5EF4-FFF2-40B4-BE49-F238E27FC236}">
+                <a16:creationId xmlns:a16="http://schemas.microsoft.com/office/drawing/2014/main" id="{0A3FC473-E56A-4E2F-BE7C-7E2CF70D6289}"/>
+              </a:ext>
+            </a:extLst>
+          </p:cNvPr>
+          <p:cNvSpPr>
+            <a:spLocks noGrp="1"/>
           </p:cNvSpPr>
           <p:nvPr>
             <p:ph type="body" sz="quarter" idx="10"/>
@@ -5420,15 +5703,7 @@
           <a:p>
             <a:r>
               <a:rPr lang="en-US" dirty="0"/>
-              <a:t>O' </a:t>
-            </a:r>
-            <a:r>
-              <a:rPr lang="en-US" dirty="0" err="1"/>
-              <a:t>Alláh</a:t>
-            </a:r>
-            <a:r>
-              <a:rPr lang="en-US" dirty="0"/>
-              <a:t> send Your blessings on Muhammad</a:t>
+              <a:t>O' Allah send Your blessings on Muhammad</a:t>
             </a:r>
           </a:p>
           <a:p>
@@ -5442,16 +5717,25 @@
     </p:spTree>
     <p:extLst>
       <p:ext uri="{BB962C8B-B14F-4D97-AF65-F5344CB8AC3E}">
-        <p14:creationId xmlns:p14="http://schemas.microsoft.com/office/powerpoint/2010/main" val="1006683221"/>
+        <p14:creationId xmlns:p14="http://schemas.microsoft.com/office/powerpoint/2010/main" val="2004479786"/>
       </p:ext>
     </p:extLst>
   </p:cSld>
   <p:clrMapOvr>
     <a:masterClrMapping/>
   </p:clrMapOvr>
-  <p:transition>
-    <p:fade/>
-  </p:transition>
+  <mc:AlternateContent xmlns:mc="http://schemas.openxmlformats.org/markup-compatibility/2006">
+    <mc:Choice xmlns:p14="http://schemas.microsoft.com/office/powerpoint/2010/main" Requires="p14">
+      <p:transition p14:dur="300">
+        <p:fade/>
+      </p:transition>
+    </mc:Choice>
+    <mc:Fallback>
+      <p:transition>
+        <p:fade/>
+      </p:transition>
+    </mc:Fallback>
+  </mc:AlternateContent>
 </p:sld>
 </file>
 
@@ -5545,9 +5829,18 @@
   <p:clrMapOvr>
     <a:masterClrMapping/>
   </p:clrMapOvr>
-  <p:transition>
-    <p:fade/>
-  </p:transition>
+  <mc:AlternateContent xmlns:mc="http://schemas.openxmlformats.org/markup-compatibility/2006">
+    <mc:Choice xmlns:p14="http://schemas.microsoft.com/office/powerpoint/2010/main" Requires="p14">
+      <p:transition p14:dur="300">
+        <p:fade/>
+      </p:transition>
+    </mc:Choice>
+    <mc:Fallback>
+      <p:transition>
+        <p:fade/>
+      </p:transition>
+    </mc:Fallback>
+  </mc:AlternateContent>
 </p:sld>
 </file>
 
@@ -5693,9 +5986,18 @@
   <p:clrMapOvr>
     <a:masterClrMapping/>
   </p:clrMapOvr>
-  <p:transition>
-    <p:fade/>
-  </p:transition>
+  <mc:AlternateContent xmlns:mc="http://schemas.openxmlformats.org/markup-compatibility/2006">
+    <mc:Choice xmlns:p14="http://schemas.microsoft.com/office/powerpoint/2010/main" Requires="p14">
+      <p:transition p14:dur="300">
+        <p:fade/>
+      </p:transition>
+    </mc:Choice>
+    <mc:Fallback>
+      <p:transition>
+        <p:fade/>
+      </p:transition>
+    </mc:Fallback>
+  </mc:AlternateContent>
 </p:sld>
 </file>
 
@@ -5824,9 +6126,18 @@
   <p:clrMapOvr>
     <a:masterClrMapping/>
   </p:clrMapOvr>
-  <p:transition>
-    <p:fade/>
-  </p:transition>
+  <mc:AlternateContent xmlns:mc="http://schemas.openxmlformats.org/markup-compatibility/2006">
+    <mc:Choice xmlns:p14="http://schemas.microsoft.com/office/powerpoint/2010/main" Requires="p14">
+      <p:transition p14:dur="300">
+        <p:fade/>
+      </p:transition>
+    </mc:Choice>
+    <mc:Fallback>
+      <p:transition>
+        <p:fade/>
+      </p:transition>
+    </mc:Fallback>
+  </mc:AlternateContent>
 </p:sld>
 </file>
 
@@ -5947,9 +6258,18 @@
   <p:clrMapOvr>
     <a:masterClrMapping/>
   </p:clrMapOvr>
-  <p:transition>
-    <p:fade/>
-  </p:transition>
+  <mc:AlternateContent xmlns:mc="http://schemas.openxmlformats.org/markup-compatibility/2006">
+    <mc:Choice xmlns:p14="http://schemas.microsoft.com/office/powerpoint/2010/main" Requires="p14">
+      <p:transition p14:dur="300">
+        <p:fade/>
+      </p:transition>
+    </mc:Choice>
+    <mc:Fallback>
+      <p:transition>
+        <p:fade/>
+      </p:transition>
+    </mc:Fallback>
+  </mc:AlternateContent>
 </p:sld>
 </file>
 
@@ -6061,9 +6381,18 @@
   <p:clrMapOvr>
     <a:masterClrMapping/>
   </p:clrMapOvr>
-  <p:transition>
-    <p:fade/>
-  </p:transition>
+  <mc:AlternateContent xmlns:mc="http://schemas.openxmlformats.org/markup-compatibility/2006">
+    <mc:Choice xmlns:p14="http://schemas.microsoft.com/office/powerpoint/2010/main" Requires="p14">
+      <p:transition p14:dur="300">
+        <p:fade/>
+      </p:transition>
+    </mc:Choice>
+    <mc:Fallback>
+      <p:transition>
+        <p:fade/>
+      </p:transition>
+    </mc:Fallback>
+  </mc:AlternateContent>
 </p:sld>
 </file>
 
@@ -6176,9 +6505,18 @@
   <p:clrMapOvr>
     <a:masterClrMapping/>
   </p:clrMapOvr>
-  <p:transition>
-    <p:fade/>
-  </p:transition>
+  <mc:AlternateContent xmlns:mc="http://schemas.openxmlformats.org/markup-compatibility/2006">
+    <mc:Choice xmlns:p14="http://schemas.microsoft.com/office/powerpoint/2010/main" Requires="p14">
+      <p:transition p14:dur="300">
+        <p:fade/>
+      </p:transition>
+    </mc:Choice>
+    <mc:Fallback>
+      <p:transition>
+        <p:fade/>
+      </p:transition>
+    </mc:Fallback>
+  </mc:AlternateContent>
 </p:sld>
 </file>
 
@@ -6291,9 +6629,18 @@
   <p:clrMapOvr>
     <a:masterClrMapping/>
   </p:clrMapOvr>
-  <p:transition>
-    <p:fade/>
-  </p:transition>
+  <mc:AlternateContent xmlns:mc="http://schemas.openxmlformats.org/markup-compatibility/2006">
+    <mc:Choice xmlns:p14="http://schemas.microsoft.com/office/powerpoint/2010/main" Requires="p14">
+      <p:transition p14:dur="300">
+        <p:fade/>
+      </p:transition>
+    </mc:Choice>
+    <mc:Fallback>
+      <p:transition>
+        <p:fade/>
+      </p:transition>
+    </mc:Fallback>
+  </mc:AlternateContent>
 </p:sld>
 </file>
 
@@ -6406,9 +6753,18 @@
   <p:clrMapOvr>
     <a:masterClrMapping/>
   </p:clrMapOvr>
-  <p:transition>
-    <p:fade/>
-  </p:transition>
+  <mc:AlternateContent xmlns:mc="http://schemas.openxmlformats.org/markup-compatibility/2006">
+    <mc:Choice xmlns:p14="http://schemas.microsoft.com/office/powerpoint/2010/main" Requires="p14">
+      <p:transition p14:dur="300">
+        <p:fade/>
+      </p:transition>
+    </mc:Choice>
+    <mc:Fallback>
+      <p:transition>
+        <p:fade/>
+      </p:transition>
+    </mc:Fallback>
+  </mc:AlternateContent>
 </p:sld>
 </file>
 
@@ -6491,15 +6847,7 @@
           <a:p>
             <a:r>
               <a:rPr lang="en-US" dirty="0"/>
-              <a:t>O' </a:t>
-            </a:r>
-            <a:r>
-              <a:rPr lang="en-US" dirty="0" err="1"/>
-              <a:t>Alláh</a:t>
-            </a:r>
-            <a:r>
-              <a:rPr lang="en-US" dirty="0"/>
-              <a:t> send Your blessings on Muhammad</a:t>
+              <a:t>O' Allah send Your blessings on Muhammad</a:t>
             </a:r>
           </a:p>
           <a:p>
@@ -6513,16 +6861,25 @@
     </p:spTree>
     <p:extLst>
       <p:ext uri="{BB962C8B-B14F-4D97-AF65-F5344CB8AC3E}">
-        <p14:creationId xmlns:p14="http://schemas.microsoft.com/office/powerpoint/2010/main" val="2707577324"/>
+        <p14:creationId xmlns:p14="http://schemas.microsoft.com/office/powerpoint/2010/main" val="4261120500"/>
       </p:ext>
     </p:extLst>
   </p:cSld>
   <p:clrMapOvr>
     <a:masterClrMapping/>
   </p:clrMapOvr>
-  <p:transition>
-    <p:fade/>
-  </p:transition>
+  <mc:AlternateContent xmlns:mc="http://schemas.openxmlformats.org/markup-compatibility/2006">
+    <mc:Choice xmlns:p14="http://schemas.microsoft.com/office/powerpoint/2010/main" Requires="p14">
+      <p:transition p14:dur="300">
+        <p:fade/>
+      </p:transition>
+    </mc:Choice>
+    <mc:Fallback>
+      <p:transition>
+        <p:fade/>
+      </p:transition>
+    </mc:Fallback>
+  </mc:AlternateContent>
 </p:sld>
 </file>
 
@@ -6656,9 +7013,18 @@
   <p:clrMapOvr>
     <a:masterClrMapping/>
   </p:clrMapOvr>
-  <p:transition>
-    <p:fade/>
-  </p:transition>
+  <mc:AlternateContent xmlns:mc="http://schemas.openxmlformats.org/markup-compatibility/2006">
+    <mc:Choice xmlns:p14="http://schemas.microsoft.com/office/powerpoint/2010/main" Requires="p14">
+      <p:transition p14:dur="300">
+        <p:fade/>
+      </p:transition>
+    </mc:Choice>
+    <mc:Fallback>
+      <p:transition>
+        <p:fade/>
+      </p:transition>
+    </mc:Fallback>
+  </mc:AlternateContent>
 </p:sld>
 </file>
 
@@ -6803,9 +7169,18 @@
   <p:clrMapOvr>
     <a:masterClrMapping/>
   </p:clrMapOvr>
-  <p:transition>
-    <p:fade/>
-  </p:transition>
+  <mc:AlternateContent xmlns:mc="http://schemas.openxmlformats.org/markup-compatibility/2006">
+    <mc:Choice xmlns:p14="http://schemas.microsoft.com/office/powerpoint/2010/main" Requires="p14">
+      <p:transition p14:dur="300">
+        <p:fade/>
+      </p:transition>
+    </mc:Choice>
+    <mc:Fallback>
+      <p:transition>
+        <p:fade/>
+      </p:transition>
+    </mc:Fallback>
+  </mc:AlternateContent>
 </p:sld>
 </file>
 
@@ -6922,9 +7297,18 @@
   <p:clrMapOvr>
     <a:masterClrMapping/>
   </p:clrMapOvr>
-  <p:transition>
-    <p:fade/>
-  </p:transition>
+  <mc:AlternateContent xmlns:mc="http://schemas.openxmlformats.org/markup-compatibility/2006">
+    <mc:Choice xmlns:p14="http://schemas.microsoft.com/office/powerpoint/2010/main" Requires="p14">
+      <p:transition p14:dur="300">
+        <p:fade/>
+      </p:transition>
+    </mc:Choice>
+    <mc:Fallback>
+      <p:transition>
+        <p:fade/>
+      </p:transition>
+    </mc:Fallback>
+  </mc:AlternateContent>
 </p:sld>
 </file>
 
@@ -7044,9 +7428,18 @@
   <p:clrMapOvr>
     <a:masterClrMapping/>
   </p:clrMapOvr>
-  <p:transition>
-    <p:fade/>
-  </p:transition>
+  <mc:AlternateContent xmlns:mc="http://schemas.openxmlformats.org/markup-compatibility/2006">
+    <mc:Choice xmlns:p14="http://schemas.microsoft.com/office/powerpoint/2010/main" Requires="p14">
+      <p:transition p14:dur="300">
+        <p:fade/>
+      </p:transition>
+    </mc:Choice>
+    <mc:Fallback>
+      <p:transition>
+        <p:fade/>
+      </p:transition>
+    </mc:Fallback>
+  </mc:AlternateContent>
 </p:sld>
 </file>
 
@@ -7175,9 +7568,18 @@
   <p:clrMapOvr>
     <a:masterClrMapping/>
   </p:clrMapOvr>
-  <p:transition>
-    <p:fade/>
-  </p:transition>
+  <mc:AlternateContent xmlns:mc="http://schemas.openxmlformats.org/markup-compatibility/2006">
+    <mc:Choice xmlns:p14="http://schemas.microsoft.com/office/powerpoint/2010/main" Requires="p14">
+      <p:transition p14:dur="300">
+        <p:fade/>
+      </p:transition>
+    </mc:Choice>
+    <mc:Fallback>
+      <p:transition>
+        <p:fade/>
+      </p:transition>
+    </mc:Fallback>
+  </mc:AlternateContent>
 </p:sld>
 </file>
 
@@ -7290,9 +7692,18 @@
   <p:clrMapOvr>
     <a:masterClrMapping/>
   </p:clrMapOvr>
-  <p:transition>
-    <p:fade/>
-  </p:transition>
+  <mc:AlternateContent xmlns:mc="http://schemas.openxmlformats.org/markup-compatibility/2006">
+    <mc:Choice xmlns:p14="http://schemas.microsoft.com/office/powerpoint/2010/main" Requires="p14">
+      <p:transition p14:dur="300">
+        <p:fade/>
+      </p:transition>
+    </mc:Choice>
+    <mc:Fallback>
+      <p:transition>
+        <p:fade/>
+      </p:transition>
+    </mc:Fallback>
+  </mc:AlternateContent>
 </p:sld>
 </file>
 
@@ -7425,9 +7836,18 @@
   <p:clrMapOvr>
     <a:masterClrMapping/>
   </p:clrMapOvr>
-  <p:transition>
-    <p:fade/>
-  </p:transition>
+  <mc:AlternateContent xmlns:mc="http://schemas.openxmlformats.org/markup-compatibility/2006">
+    <mc:Choice xmlns:p14="http://schemas.microsoft.com/office/powerpoint/2010/main" Requires="p14">
+      <p:transition p14:dur="300">
+        <p:fade/>
+      </p:transition>
+    </mc:Choice>
+    <mc:Fallback>
+      <p:transition>
+        <p:fade/>
+      </p:transition>
+    </mc:Fallback>
+  </mc:AlternateContent>
 </p:sld>
 </file>
 
@@ -7568,9 +7988,18 @@
   <p:clrMapOvr>
     <a:masterClrMapping/>
   </p:clrMapOvr>
-  <p:transition>
-    <p:fade/>
-  </p:transition>
+  <mc:AlternateContent xmlns:mc="http://schemas.openxmlformats.org/markup-compatibility/2006">
+    <mc:Choice xmlns:p14="http://schemas.microsoft.com/office/powerpoint/2010/main" Requires="p14">
+      <p:transition p14:dur="300">
+        <p:fade/>
+      </p:transition>
+    </mc:Choice>
+    <mc:Fallback>
+      <p:transition>
+        <p:fade/>
+      </p:transition>
+    </mc:Fallback>
+  </mc:AlternateContent>
 </p:sld>
 </file>
 
@@ -7699,9 +8128,18 @@
   <p:clrMapOvr>
     <a:masterClrMapping/>
   </p:clrMapOvr>
-  <p:transition>
-    <p:fade/>
-  </p:transition>
+  <mc:AlternateContent xmlns:mc="http://schemas.openxmlformats.org/markup-compatibility/2006">
+    <mc:Choice xmlns:p14="http://schemas.microsoft.com/office/powerpoint/2010/main" Requires="p14">
+      <p:transition p14:dur="300">
+        <p:fade/>
+      </p:transition>
+    </mc:Choice>
+    <mc:Fallback>
+      <p:transition>
+        <p:fade/>
+      </p:transition>
+    </mc:Fallback>
+  </mc:AlternateContent>
 </p:sld>
 </file>
 
@@ -7826,9 +8264,18 @@
   <p:clrMapOvr>
     <a:masterClrMapping/>
   </p:clrMapOvr>
-  <p:transition>
-    <p:fade/>
-  </p:transition>
+  <mc:AlternateContent xmlns:mc="http://schemas.openxmlformats.org/markup-compatibility/2006">
+    <mc:Choice xmlns:p14="http://schemas.microsoft.com/office/powerpoint/2010/main" Requires="p14">
+      <p:transition p14:dur="300">
+        <p:fade/>
+      </p:transition>
+    </mc:Choice>
+    <mc:Fallback>
+      <p:transition>
+        <p:fade/>
+      </p:transition>
+    </mc:Fallback>
+  </mc:AlternateContent>
 </p:sld>
 </file>
 
@@ -7851,15 +8298,9 @@
       </p:grpSpPr>
       <p:sp>
         <p:nvSpPr>
-          <p:cNvPr id="11" name="Title 3">
-            <a:extLst>
-              <a:ext uri="{FF2B5EF4-FFF2-40B4-BE49-F238E27FC236}">
-                <a16:creationId xmlns:a16="http://schemas.microsoft.com/office/drawing/2014/main" id="{4E604A7F-4B49-4FDE-B247-CED3E88C9DED}"/>
-              </a:ext>
-            </a:extLst>
-          </p:cNvPr>
-          <p:cNvSpPr>
-            <a:spLocks noGrp="1"/>
+          <p:cNvPr id="5122" name="Rectangle 2"/>
+          <p:cNvSpPr>
+            <a:spLocks noGrp="1" noChangeArrowheads="1"/>
           </p:cNvSpPr>
           <p:nvPr>
             <p:ph type="title"/>
@@ -7870,30 +8311,51 @@
             <a:off x="0" y="1219199"/>
             <a:ext cx="12192000" cy="1143000"/>
           </a:xfrm>
-        </p:spPr>
-        <p:txBody>
-          <a:bodyPr/>
-          <a:lstStyle/>
-          <a:p>
-            <a:r>
-              <a:rPr lang="ar-SA" dirty="0"/>
-              <a:t>بِسْمِ اللّٰهِ الرَّحْمٰنِ الرَّحِيمِ</a:t>
-            </a:r>
-            <a:endParaRPr lang="en-US" dirty="0"/>
-          </a:p>
-        </p:txBody>
-      </p:sp>
-      <p:sp>
-        <p:nvSpPr>
-          <p:cNvPr id="12" name="Subtitle 4">
-            <a:extLst>
-              <a:ext uri="{FF2B5EF4-FFF2-40B4-BE49-F238E27FC236}">
-                <a16:creationId xmlns:a16="http://schemas.microsoft.com/office/drawing/2014/main" id="{0A3FC473-E56A-4E2F-BE7C-7E2CF70D6289}"/>
-              </a:ext>
-            </a:extLst>
-          </p:cNvPr>
-          <p:cNvSpPr>
-            <a:spLocks noGrp="1"/>
+          <a:noFill/>
+          <a:ln>
+            <a:noFill/>
+          </a:ln>
+          <a:extLst>
+            <a:ext uri="{909E8E84-426E-40DD-AFC4-6F175D3DCCD1}">
+              <a14:hiddenFill xmlns:a14="http://schemas.microsoft.com/office/drawing/2010/main">
+                <a:solidFill>
+                  <a:srgbClr val="FFFFFF"/>
+                </a:solidFill>
+              </a14:hiddenFill>
+            </a:ext>
+            <a:ext uri="{91240B29-F687-4F45-9708-019B960494DF}">
+              <a14:hiddenLine xmlns:a14="http://schemas.microsoft.com/office/drawing/2010/main" w="9525">
+                <a:solidFill>
+                  <a:srgbClr val="000000"/>
+                </a:solidFill>
+                <a:miter lim="800000"/>
+                <a:headEnd/>
+                <a:tailEnd/>
+              </a14:hiddenLine>
+            </a:ext>
+          </a:extLst>
+        </p:spPr>
+        <p:txBody>
+          <a:bodyPr vert="horz" wrap="square" lIns="91440" tIns="45720" rIns="91440" bIns="45720" numCol="1" anchor="ctr" anchorCtr="0" compatLnSpc="1">
+            <a:prstTxWarp prst="textNoShape">
+              <a:avLst/>
+            </a:prstTxWarp>
+          </a:bodyPr>
+          <a:lstStyle/>
+          <a:p>
+            <a:r>
+              <a:rPr lang="ar-SA" altLang="en-US" dirty="0"/>
+              <a:t>بِسْمِ اللَّهِ الرَّحْمٰنِ الرَّحِيمِ</a:t>
+            </a:r>
+            <a:endParaRPr lang="en-US" altLang="en-US" dirty="0"/>
+          </a:p>
+        </p:txBody>
+      </p:sp>
+      <p:sp>
+        <p:nvSpPr>
+          <p:cNvPr id="5123" name="Rectangle 70"/>
+          <p:cNvSpPr>
+            <a:spLocks noGrp="1" noChangeArrowheads="1"/>
           </p:cNvSpPr>
           <p:nvPr>
             <p:ph type="body" sz="quarter" idx="10"/>
@@ -7910,21 +8372,13 @@
           <a:lstStyle/>
           <a:p>
             <a:r>
-              <a:rPr lang="en-US" dirty="0"/>
-              <a:t>In the Name of </a:t>
-            </a:r>
-            <a:r>
-              <a:rPr lang="en-US" dirty="0" err="1"/>
-              <a:t>Alláh</a:t>
-            </a:r>
-            <a:r>
-              <a:rPr lang="en-US" dirty="0"/>
-              <a:t>, </a:t>
-            </a:r>
-          </a:p>
-          <a:p>
-            <a:r>
-              <a:rPr lang="en-US" dirty="0"/>
+              <a:rPr lang="en-US" altLang="en-US" dirty="0"/>
+              <a:t>In the Name of Allah, </a:t>
+            </a:r>
+          </a:p>
+          <a:p>
+            <a:r>
+              <a:rPr lang="en-US" altLang="en-US" dirty="0"/>
               <a:t>the All-beneficent, the All-merciful. </a:t>
             </a:r>
           </a:p>
@@ -7935,9 +8389,18 @@
   <p:clrMapOvr>
     <a:masterClrMapping/>
   </p:clrMapOvr>
-  <p:transition>
-    <p:fade/>
-  </p:transition>
+  <mc:AlternateContent xmlns:mc="http://schemas.openxmlformats.org/markup-compatibility/2006">
+    <mc:Choice xmlns:p14="http://schemas.microsoft.com/office/powerpoint/2010/main" Requires="p14">
+      <p:transition p14:dur="300">
+        <p:fade/>
+      </p:transition>
+    </mc:Choice>
+    <mc:Fallback>
+      <p:transition>
+        <p:fade/>
+      </p:transition>
+    </mc:Fallback>
+  </mc:AlternateContent>
 </p:sld>
 </file>
 
@@ -8049,9 +8512,18 @@
   <p:clrMapOvr>
     <a:masterClrMapping/>
   </p:clrMapOvr>
-  <p:transition>
-    <p:fade/>
-  </p:transition>
+  <mc:AlternateContent xmlns:mc="http://schemas.openxmlformats.org/markup-compatibility/2006">
+    <mc:Choice xmlns:p14="http://schemas.microsoft.com/office/powerpoint/2010/main" Requires="p14">
+      <p:transition p14:dur="300">
+        <p:fade/>
+      </p:transition>
+    </mc:Choice>
+    <mc:Fallback>
+      <p:transition>
+        <p:fade/>
+      </p:transition>
+    </mc:Fallback>
+  </mc:AlternateContent>
 </p:sld>
 </file>
 
@@ -8164,9 +8636,18 @@
   <p:clrMapOvr>
     <a:masterClrMapping/>
   </p:clrMapOvr>
-  <p:transition>
-    <p:fade/>
-  </p:transition>
+  <mc:AlternateContent xmlns:mc="http://schemas.openxmlformats.org/markup-compatibility/2006">
+    <mc:Choice xmlns:p14="http://schemas.microsoft.com/office/powerpoint/2010/main" Requires="p14">
+      <p:transition p14:dur="300">
+        <p:fade/>
+      </p:transition>
+    </mc:Choice>
+    <mc:Fallback>
+      <p:transition>
+        <p:fade/>
+      </p:transition>
+    </mc:Fallback>
+  </mc:AlternateContent>
 </p:sld>
 </file>
 
@@ -8279,9 +8760,18 @@
   <p:clrMapOvr>
     <a:masterClrMapping/>
   </p:clrMapOvr>
-  <p:transition>
-    <p:fade/>
-  </p:transition>
+  <mc:AlternateContent xmlns:mc="http://schemas.openxmlformats.org/markup-compatibility/2006">
+    <mc:Choice xmlns:p14="http://schemas.microsoft.com/office/powerpoint/2010/main" Requires="p14">
+      <p:transition p14:dur="300">
+        <p:fade/>
+      </p:transition>
+    </mc:Choice>
+    <mc:Fallback>
+      <p:transition>
+        <p:fade/>
+      </p:transition>
+    </mc:Fallback>
+  </mc:AlternateContent>
 </p:sld>
 </file>
 
@@ -8394,9 +8884,18 @@
   <p:clrMapOvr>
     <a:masterClrMapping/>
   </p:clrMapOvr>
-  <p:transition>
-    <p:fade/>
-  </p:transition>
+  <mc:AlternateContent xmlns:mc="http://schemas.openxmlformats.org/markup-compatibility/2006">
+    <mc:Choice xmlns:p14="http://schemas.microsoft.com/office/powerpoint/2010/main" Requires="p14">
+      <p:transition p14:dur="300">
+        <p:fade/>
+      </p:transition>
+    </mc:Choice>
+    <mc:Fallback>
+      <p:transition>
+        <p:fade/>
+      </p:transition>
+    </mc:Fallback>
+  </mc:AlternateContent>
 </p:sld>
 </file>
 
@@ -8530,9 +9029,18 @@
   <p:clrMapOvr>
     <a:masterClrMapping/>
   </p:clrMapOvr>
-  <p:transition>
-    <p:fade/>
-  </p:transition>
+  <mc:AlternateContent xmlns:mc="http://schemas.openxmlformats.org/markup-compatibility/2006">
+    <mc:Choice xmlns:p14="http://schemas.microsoft.com/office/powerpoint/2010/main" Requires="p14">
+      <p:transition p14:dur="300">
+        <p:fade/>
+      </p:transition>
+    </mc:Choice>
+    <mc:Fallback>
+      <p:transition>
+        <p:fade/>
+      </p:transition>
+    </mc:Fallback>
+  </mc:AlternateContent>
 </p:sld>
 </file>
 
@@ -8693,9 +9201,18 @@
   <p:clrMapOvr>
     <a:masterClrMapping/>
   </p:clrMapOvr>
-  <p:transition>
-    <p:fade/>
-  </p:transition>
+  <mc:AlternateContent xmlns:mc="http://schemas.openxmlformats.org/markup-compatibility/2006">
+    <mc:Choice xmlns:p14="http://schemas.microsoft.com/office/powerpoint/2010/main" Requires="p14">
+      <p:transition p14:dur="300">
+        <p:fade/>
+      </p:transition>
+    </mc:Choice>
+    <mc:Fallback>
+      <p:transition>
+        <p:fade/>
+      </p:transition>
+    </mc:Fallback>
+  </mc:AlternateContent>
 </p:sld>
 </file>
 
@@ -8824,9 +9341,18 @@
   <p:clrMapOvr>
     <a:masterClrMapping/>
   </p:clrMapOvr>
-  <p:transition>
-    <p:fade/>
-  </p:transition>
+  <mc:AlternateContent xmlns:mc="http://schemas.openxmlformats.org/markup-compatibility/2006">
+    <mc:Choice xmlns:p14="http://schemas.microsoft.com/office/powerpoint/2010/main" Requires="p14">
+      <p:transition p14:dur="300">
+        <p:fade/>
+      </p:transition>
+    </mc:Choice>
+    <mc:Fallback>
+      <p:transition>
+        <p:fade/>
+      </p:transition>
+    </mc:Fallback>
+  </mc:AlternateContent>
 </p:sld>
 </file>
 
@@ -8946,9 +9472,18 @@
   <p:clrMapOvr>
     <a:masterClrMapping/>
   </p:clrMapOvr>
-  <p:transition>
-    <p:fade/>
-  </p:transition>
+  <mc:AlternateContent xmlns:mc="http://schemas.openxmlformats.org/markup-compatibility/2006">
+    <mc:Choice xmlns:p14="http://schemas.microsoft.com/office/powerpoint/2010/main" Requires="p14">
+      <p:transition p14:dur="300">
+        <p:fade/>
+      </p:transition>
+    </mc:Choice>
+    <mc:Fallback>
+      <p:transition>
+        <p:fade/>
+      </p:transition>
+    </mc:Fallback>
+  </mc:AlternateContent>
 </p:sld>
 </file>
 
@@ -9060,9 +9595,18 @@
   <p:clrMapOvr>
     <a:masterClrMapping/>
   </p:clrMapOvr>
-  <p:transition>
-    <p:fade/>
-  </p:transition>
+  <mc:AlternateContent xmlns:mc="http://schemas.openxmlformats.org/markup-compatibility/2006">
+    <mc:Choice xmlns:p14="http://schemas.microsoft.com/office/powerpoint/2010/main" Requires="p14">
+      <p:transition p14:dur="300">
+        <p:fade/>
+      </p:transition>
+    </mc:Choice>
+    <mc:Fallback>
+      <p:transition>
+        <p:fade/>
+      </p:transition>
+    </mc:Fallback>
+  </mc:AlternateContent>
 </p:sld>
 </file>
 
@@ -9175,9 +9719,18 @@
   <p:clrMapOvr>
     <a:masterClrMapping/>
   </p:clrMapOvr>
-  <p:transition>
-    <p:fade/>
-  </p:transition>
+  <mc:AlternateContent xmlns:mc="http://schemas.openxmlformats.org/markup-compatibility/2006">
+    <mc:Choice xmlns:p14="http://schemas.microsoft.com/office/powerpoint/2010/main" Requires="p14">
+      <p:transition p14:dur="300">
+        <p:fade/>
+      </p:transition>
+    </mc:Choice>
+    <mc:Fallback>
+      <p:transition>
+        <p:fade/>
+      </p:transition>
+    </mc:Fallback>
+  </mc:AlternateContent>
 </p:sld>
 </file>
 
@@ -9285,9 +9838,18 @@
   <p:clrMapOvr>
     <a:masterClrMapping/>
   </p:clrMapOvr>
-  <p:transition>
-    <p:fade/>
-  </p:transition>
+  <mc:AlternateContent xmlns:mc="http://schemas.openxmlformats.org/markup-compatibility/2006">
+    <mc:Choice xmlns:p14="http://schemas.microsoft.com/office/powerpoint/2010/main" Requires="p14">
+      <p:transition p14:dur="300">
+        <p:fade/>
+      </p:transition>
+    </mc:Choice>
+    <mc:Fallback>
+      <p:transition>
+        <p:fade/>
+      </p:transition>
+    </mc:Fallback>
+  </mc:AlternateContent>
 </p:sld>
 </file>
 
@@ -9400,9 +9962,18 @@
   <p:clrMapOvr>
     <a:masterClrMapping/>
   </p:clrMapOvr>
-  <p:transition>
-    <p:fade/>
-  </p:transition>
+  <mc:AlternateContent xmlns:mc="http://schemas.openxmlformats.org/markup-compatibility/2006">
+    <mc:Choice xmlns:p14="http://schemas.microsoft.com/office/powerpoint/2010/main" Requires="p14">
+      <p:transition p14:dur="300">
+        <p:fade/>
+      </p:transition>
+    </mc:Choice>
+    <mc:Fallback>
+      <p:transition>
+        <p:fade/>
+      </p:transition>
+    </mc:Fallback>
+  </mc:AlternateContent>
 </p:sld>
 </file>
 
@@ -9515,9 +10086,18 @@
   <p:clrMapOvr>
     <a:masterClrMapping/>
   </p:clrMapOvr>
-  <p:transition>
-    <p:fade/>
-  </p:transition>
+  <mc:AlternateContent xmlns:mc="http://schemas.openxmlformats.org/markup-compatibility/2006">
+    <mc:Choice xmlns:p14="http://schemas.microsoft.com/office/powerpoint/2010/main" Requires="p14">
+      <p:transition p14:dur="300">
+        <p:fade/>
+      </p:transition>
+    </mc:Choice>
+    <mc:Fallback>
+      <p:transition>
+        <p:fade/>
+      </p:transition>
+    </mc:Fallback>
+  </mc:AlternateContent>
 </p:sld>
 </file>
 
@@ -9651,9 +10231,18 @@
   <p:clrMapOvr>
     <a:masterClrMapping/>
   </p:clrMapOvr>
-  <p:transition>
-    <p:fade/>
-  </p:transition>
+  <mc:AlternateContent xmlns:mc="http://schemas.openxmlformats.org/markup-compatibility/2006">
+    <mc:Choice xmlns:p14="http://schemas.microsoft.com/office/powerpoint/2010/main" Requires="p14">
+      <p:transition p14:dur="300">
+        <p:fade/>
+      </p:transition>
+    </mc:Choice>
+    <mc:Fallback>
+      <p:transition>
+        <p:fade/>
+      </p:transition>
+    </mc:Fallback>
+  </mc:AlternateContent>
 </p:sld>
 </file>
 
@@ -9806,9 +10395,18 @@
   <p:clrMapOvr>
     <a:masterClrMapping/>
   </p:clrMapOvr>
-  <p:transition>
-    <p:fade/>
-  </p:transition>
+  <mc:AlternateContent xmlns:mc="http://schemas.openxmlformats.org/markup-compatibility/2006">
+    <mc:Choice xmlns:p14="http://schemas.microsoft.com/office/powerpoint/2010/main" Requires="p14">
+      <p:transition p14:dur="300">
+        <p:fade/>
+      </p:transition>
+    </mc:Choice>
+    <mc:Fallback>
+      <p:transition>
+        <p:fade/>
+      </p:transition>
+    </mc:Fallback>
+  </mc:AlternateContent>
 </p:sld>
 </file>
 
@@ -9937,9 +10535,18 @@
   <p:clrMapOvr>
     <a:masterClrMapping/>
   </p:clrMapOvr>
-  <p:transition>
-    <p:fade/>
-  </p:transition>
+  <mc:AlternateContent xmlns:mc="http://schemas.openxmlformats.org/markup-compatibility/2006">
+    <mc:Choice xmlns:p14="http://schemas.microsoft.com/office/powerpoint/2010/main" Requires="p14">
+      <p:transition p14:dur="300">
+        <p:fade/>
+      </p:transition>
+    </mc:Choice>
+    <mc:Fallback>
+      <p:transition>
+        <p:fade/>
+      </p:transition>
+    </mc:Fallback>
+  </mc:AlternateContent>
 </p:sld>
 </file>
 
@@ -10059,9 +10666,18 @@
   <p:clrMapOvr>
     <a:masterClrMapping/>
   </p:clrMapOvr>
-  <p:transition>
-    <p:fade/>
-  </p:transition>
+  <mc:AlternateContent xmlns:mc="http://schemas.openxmlformats.org/markup-compatibility/2006">
+    <mc:Choice xmlns:p14="http://schemas.microsoft.com/office/powerpoint/2010/main" Requires="p14">
+      <p:transition p14:dur="300">
+        <p:fade/>
+      </p:transition>
+    </mc:Choice>
+    <mc:Fallback>
+      <p:transition>
+        <p:fade/>
+      </p:transition>
+    </mc:Fallback>
+  </mc:AlternateContent>
 </p:sld>
 </file>
 
@@ -10173,9 +10789,18 @@
   <p:clrMapOvr>
     <a:masterClrMapping/>
   </p:clrMapOvr>
-  <p:transition>
-    <p:fade/>
-  </p:transition>
+  <mc:AlternateContent xmlns:mc="http://schemas.openxmlformats.org/markup-compatibility/2006">
+    <mc:Choice xmlns:p14="http://schemas.microsoft.com/office/powerpoint/2010/main" Requires="p14">
+      <p:transition p14:dur="300">
+        <p:fade/>
+      </p:transition>
+    </mc:Choice>
+    <mc:Fallback>
+      <p:transition>
+        <p:fade/>
+      </p:transition>
+    </mc:Fallback>
+  </mc:AlternateContent>
 </p:sld>
 </file>
 
@@ -10288,9 +10913,18 @@
   <p:clrMapOvr>
     <a:masterClrMapping/>
   </p:clrMapOvr>
-  <p:transition>
-    <p:fade/>
-  </p:transition>
+  <mc:AlternateContent xmlns:mc="http://schemas.openxmlformats.org/markup-compatibility/2006">
+    <mc:Choice xmlns:p14="http://schemas.microsoft.com/office/powerpoint/2010/main" Requires="p14">
+      <p:transition p14:dur="300">
+        <p:fade/>
+      </p:transition>
+    </mc:Choice>
+    <mc:Fallback>
+      <p:transition>
+        <p:fade/>
+      </p:transition>
+    </mc:Fallback>
+  </mc:AlternateContent>
 </p:sld>
 </file>
 
@@ -10403,9 +11037,18 @@
   <p:clrMapOvr>
     <a:masterClrMapping/>
   </p:clrMapOvr>
-  <p:transition>
-    <p:fade/>
-  </p:transition>
+  <mc:AlternateContent xmlns:mc="http://schemas.openxmlformats.org/markup-compatibility/2006">
+    <mc:Choice xmlns:p14="http://schemas.microsoft.com/office/powerpoint/2010/main" Requires="p14">
+      <p:transition p14:dur="300">
+        <p:fade/>
+      </p:transition>
+    </mc:Choice>
+    <mc:Fallback>
+      <p:transition>
+        <p:fade/>
+      </p:transition>
+    </mc:Fallback>
+  </mc:AlternateContent>
 </p:sld>
 </file>
 
@@ -10518,9 +11161,18 @@
   <p:clrMapOvr>
     <a:masterClrMapping/>
   </p:clrMapOvr>
-  <p:transition>
-    <p:fade/>
-  </p:transition>
+  <mc:AlternateContent xmlns:mc="http://schemas.openxmlformats.org/markup-compatibility/2006">
+    <mc:Choice xmlns:p14="http://schemas.microsoft.com/office/powerpoint/2010/main" Requires="p14">
+      <p:transition p14:dur="300">
+        <p:fade/>
+      </p:transition>
+    </mc:Choice>
+    <mc:Fallback>
+      <p:transition>
+        <p:fade/>
+      </p:transition>
+    </mc:Fallback>
+  </mc:AlternateContent>
 </p:sld>
 </file>
 
@@ -10633,9 +11285,18 @@
   <p:clrMapOvr>
     <a:masterClrMapping/>
   </p:clrMapOvr>
-  <p:transition>
-    <p:fade/>
-  </p:transition>
+  <mc:AlternateContent xmlns:mc="http://schemas.openxmlformats.org/markup-compatibility/2006">
+    <mc:Choice xmlns:p14="http://schemas.microsoft.com/office/powerpoint/2010/main" Requires="p14">
+      <p:transition p14:dur="300">
+        <p:fade/>
+      </p:transition>
+    </mc:Choice>
+    <mc:Fallback>
+      <p:transition>
+        <p:fade/>
+      </p:transition>
+    </mc:Fallback>
+  </mc:AlternateContent>
 </p:sld>
 </file>
 
@@ -10769,9 +11430,18 @@
   <p:clrMapOvr>
     <a:masterClrMapping/>
   </p:clrMapOvr>
-  <p:transition>
-    <p:fade/>
-  </p:transition>
+  <mc:AlternateContent xmlns:mc="http://schemas.openxmlformats.org/markup-compatibility/2006">
+    <mc:Choice xmlns:p14="http://schemas.microsoft.com/office/powerpoint/2010/main" Requires="p14">
+      <p:transition p14:dur="300">
+        <p:fade/>
+      </p:transition>
+    </mc:Choice>
+    <mc:Fallback>
+      <p:transition>
+        <p:fade/>
+      </p:transition>
+    </mc:Fallback>
+  </mc:AlternateContent>
 </p:sld>
 </file>
 
@@ -10920,9 +11590,18 @@
   <p:clrMapOvr>
     <a:masterClrMapping/>
   </p:clrMapOvr>
-  <p:transition>
-    <p:fade/>
-  </p:transition>
+  <mc:AlternateContent xmlns:mc="http://schemas.openxmlformats.org/markup-compatibility/2006">
+    <mc:Choice xmlns:p14="http://schemas.microsoft.com/office/powerpoint/2010/main" Requires="p14">
+      <p:transition p14:dur="300">
+        <p:fade/>
+      </p:transition>
+    </mc:Choice>
+    <mc:Fallback>
+      <p:transition>
+        <p:fade/>
+      </p:transition>
+    </mc:Fallback>
+  </mc:AlternateContent>
 </p:sld>
 </file>
 
@@ -11051,9 +11730,18 @@
   <p:clrMapOvr>
     <a:masterClrMapping/>
   </p:clrMapOvr>
-  <p:transition>
-    <p:fade/>
-  </p:transition>
+  <mc:AlternateContent xmlns:mc="http://schemas.openxmlformats.org/markup-compatibility/2006">
+    <mc:Choice xmlns:p14="http://schemas.microsoft.com/office/powerpoint/2010/main" Requires="p14">
+      <p:transition p14:dur="300">
+        <p:fade/>
+      </p:transition>
+    </mc:Choice>
+    <mc:Fallback>
+      <p:transition>
+        <p:fade/>
+      </p:transition>
+    </mc:Fallback>
+  </mc:AlternateContent>
 </p:sld>
 </file>
 
@@ -11173,9 +11861,18 @@
   <p:clrMapOvr>
     <a:masterClrMapping/>
   </p:clrMapOvr>
-  <p:transition>
-    <p:fade/>
-  </p:transition>
+  <mc:AlternateContent xmlns:mc="http://schemas.openxmlformats.org/markup-compatibility/2006">
+    <mc:Choice xmlns:p14="http://schemas.microsoft.com/office/powerpoint/2010/main" Requires="p14">
+      <p:transition p14:dur="300">
+        <p:fade/>
+      </p:transition>
+    </mc:Choice>
+    <mc:Fallback>
+      <p:transition>
+        <p:fade/>
+      </p:transition>
+    </mc:Fallback>
+  </mc:AlternateContent>
 </p:sld>
 </file>
 
@@ -11287,9 +11984,18 @@
   <p:clrMapOvr>
     <a:masterClrMapping/>
   </p:clrMapOvr>
-  <p:transition>
-    <p:fade/>
-  </p:transition>
+  <mc:AlternateContent xmlns:mc="http://schemas.openxmlformats.org/markup-compatibility/2006">
+    <mc:Choice xmlns:p14="http://schemas.microsoft.com/office/powerpoint/2010/main" Requires="p14">
+      <p:transition p14:dur="300">
+        <p:fade/>
+      </p:transition>
+    </mc:Choice>
+    <mc:Fallback>
+      <p:transition>
+        <p:fade/>
+      </p:transition>
+    </mc:Fallback>
+  </mc:AlternateContent>
 </p:sld>
 </file>
 
@@ -11402,9 +12108,18 @@
   <p:clrMapOvr>
     <a:masterClrMapping/>
   </p:clrMapOvr>
-  <p:transition>
-    <p:fade/>
-  </p:transition>
+  <mc:AlternateContent xmlns:mc="http://schemas.openxmlformats.org/markup-compatibility/2006">
+    <mc:Choice xmlns:p14="http://schemas.microsoft.com/office/powerpoint/2010/main" Requires="p14">
+      <p:transition p14:dur="300">
+        <p:fade/>
+      </p:transition>
+    </mc:Choice>
+    <mc:Fallback>
+      <p:transition>
+        <p:fade/>
+      </p:transition>
+    </mc:Fallback>
+  </mc:AlternateContent>
 </p:sld>
 </file>
 
@@ -11517,9 +12232,18 @@
   <p:clrMapOvr>
     <a:masterClrMapping/>
   </p:clrMapOvr>
-  <p:transition>
-    <p:fade/>
-  </p:transition>
+  <mc:AlternateContent xmlns:mc="http://schemas.openxmlformats.org/markup-compatibility/2006">
+    <mc:Choice xmlns:p14="http://schemas.microsoft.com/office/powerpoint/2010/main" Requires="p14">
+      <p:transition p14:dur="300">
+        <p:fade/>
+      </p:transition>
+    </mc:Choice>
+    <mc:Fallback>
+      <p:transition>
+        <p:fade/>
+      </p:transition>
+    </mc:Fallback>
+  </mc:AlternateContent>
 </p:sld>
 </file>
 
@@ -11632,9 +12356,18 @@
   <p:clrMapOvr>
     <a:masterClrMapping/>
   </p:clrMapOvr>
-  <p:transition>
-    <p:fade/>
-  </p:transition>
+  <mc:AlternateContent xmlns:mc="http://schemas.openxmlformats.org/markup-compatibility/2006">
+    <mc:Choice xmlns:p14="http://schemas.microsoft.com/office/powerpoint/2010/main" Requires="p14">
+      <p:transition p14:dur="300">
+        <p:fade/>
+      </p:transition>
+    </mc:Choice>
+    <mc:Fallback>
+      <p:transition>
+        <p:fade/>
+      </p:transition>
+    </mc:Fallback>
+  </mc:AlternateContent>
 </p:sld>
 </file>
 
@@ -11768,9 +12501,18 @@
   <p:clrMapOvr>
     <a:masterClrMapping/>
   </p:clrMapOvr>
-  <p:transition>
-    <p:fade/>
-  </p:transition>
+  <mc:AlternateContent xmlns:mc="http://schemas.openxmlformats.org/markup-compatibility/2006">
+    <mc:Choice xmlns:p14="http://schemas.microsoft.com/office/powerpoint/2010/main" Requires="p14">
+      <p:transition p14:dur="300">
+        <p:fade/>
+      </p:transition>
+    </mc:Choice>
+    <mc:Fallback>
+      <p:transition>
+        <p:fade/>
+      </p:transition>
+    </mc:Fallback>
+  </mc:AlternateContent>
 </p:sld>
 </file>
 
@@ -11931,9 +12673,18 @@
   <p:clrMapOvr>
     <a:masterClrMapping/>
   </p:clrMapOvr>
-  <p:transition>
-    <p:fade/>
-  </p:transition>
+  <mc:AlternateContent xmlns:mc="http://schemas.openxmlformats.org/markup-compatibility/2006">
+    <mc:Choice xmlns:p14="http://schemas.microsoft.com/office/powerpoint/2010/main" Requires="p14">
+      <p:transition p14:dur="300">
+        <p:fade/>
+      </p:transition>
+    </mc:Choice>
+    <mc:Fallback>
+      <p:transition>
+        <p:fade/>
+      </p:transition>
+    </mc:Fallback>
+  </mc:AlternateContent>
 </p:sld>
 </file>
 
@@ -12050,9 +12801,18 @@
   <p:clrMapOvr>
     <a:masterClrMapping/>
   </p:clrMapOvr>
-  <p:transition>
-    <p:fade/>
-  </p:transition>
+  <mc:AlternateContent xmlns:mc="http://schemas.openxmlformats.org/markup-compatibility/2006">
+    <mc:Choice xmlns:p14="http://schemas.microsoft.com/office/powerpoint/2010/main" Requires="p14">
+      <p:transition p14:dur="300">
+        <p:fade/>
+      </p:transition>
+    </mc:Choice>
+    <mc:Fallback>
+      <p:transition>
+        <p:fade/>
+      </p:transition>
+    </mc:Fallback>
+  </mc:AlternateContent>
 </p:sld>
 </file>
 
@@ -12181,9 +12941,18 @@
   <p:clrMapOvr>
     <a:masterClrMapping/>
   </p:clrMapOvr>
-  <p:transition>
-    <p:fade/>
-  </p:transition>
+  <mc:AlternateContent xmlns:mc="http://schemas.openxmlformats.org/markup-compatibility/2006">
+    <mc:Choice xmlns:p14="http://schemas.microsoft.com/office/powerpoint/2010/main" Requires="p14">
+      <p:transition p14:dur="300">
+        <p:fade/>
+      </p:transition>
+    </mc:Choice>
+    <mc:Fallback>
+      <p:transition>
+        <p:fade/>
+      </p:transition>
+    </mc:Fallback>
+  </mc:AlternateContent>
 </p:sld>
 </file>
 
@@ -12303,9 +13072,18 @@
   <p:clrMapOvr>
     <a:masterClrMapping/>
   </p:clrMapOvr>
-  <p:transition>
-    <p:fade/>
-  </p:transition>
+  <mc:AlternateContent xmlns:mc="http://schemas.openxmlformats.org/markup-compatibility/2006">
+    <mc:Choice xmlns:p14="http://schemas.microsoft.com/office/powerpoint/2010/main" Requires="p14">
+      <p:transition p14:dur="300">
+        <p:fade/>
+      </p:transition>
+    </mc:Choice>
+    <mc:Fallback>
+      <p:transition>
+        <p:fade/>
+      </p:transition>
+    </mc:Fallback>
+  </mc:AlternateContent>
 </p:sld>
 </file>
 
@@ -12417,9 +13195,18 @@
   <p:clrMapOvr>
     <a:masterClrMapping/>
   </p:clrMapOvr>
-  <p:transition>
-    <p:fade/>
-  </p:transition>
+  <mc:AlternateContent xmlns:mc="http://schemas.openxmlformats.org/markup-compatibility/2006">
+    <mc:Choice xmlns:p14="http://schemas.microsoft.com/office/powerpoint/2010/main" Requires="p14">
+      <p:transition p14:dur="300">
+        <p:fade/>
+      </p:transition>
+    </mc:Choice>
+    <mc:Fallback>
+      <p:transition>
+        <p:fade/>
+      </p:transition>
+    </mc:Fallback>
+  </mc:AlternateContent>
 </p:sld>
 </file>
 
@@ -12532,9 +13319,18 @@
   <p:clrMapOvr>
     <a:masterClrMapping/>
   </p:clrMapOvr>
-  <p:transition>
-    <p:fade/>
-  </p:transition>
+  <mc:AlternateContent xmlns:mc="http://schemas.openxmlformats.org/markup-compatibility/2006">
+    <mc:Choice xmlns:p14="http://schemas.microsoft.com/office/powerpoint/2010/main" Requires="p14">
+      <p:transition p14:dur="300">
+        <p:fade/>
+      </p:transition>
+    </mc:Choice>
+    <mc:Fallback>
+      <p:transition>
+        <p:fade/>
+      </p:transition>
+    </mc:Fallback>
+  </mc:AlternateContent>
 </p:sld>
 </file>
 
@@ -12647,9 +13443,18 @@
   <p:clrMapOvr>
     <a:masterClrMapping/>
   </p:clrMapOvr>
-  <p:transition>
-    <p:fade/>
-  </p:transition>
+  <mc:AlternateContent xmlns:mc="http://schemas.openxmlformats.org/markup-compatibility/2006">
+    <mc:Choice xmlns:p14="http://schemas.microsoft.com/office/powerpoint/2010/main" Requires="p14">
+      <p:transition p14:dur="300">
+        <p:fade/>
+      </p:transition>
+    </mc:Choice>
+    <mc:Fallback>
+      <p:transition>
+        <p:fade/>
+      </p:transition>
+    </mc:Fallback>
+  </mc:AlternateContent>
 </p:sld>
 </file>
 
@@ -12762,9 +13567,18 @@
   <p:clrMapOvr>
     <a:masterClrMapping/>
   </p:clrMapOvr>
-  <p:transition>
-    <p:fade/>
-  </p:transition>
+  <mc:AlternateContent xmlns:mc="http://schemas.openxmlformats.org/markup-compatibility/2006">
+    <mc:Choice xmlns:p14="http://schemas.microsoft.com/office/powerpoint/2010/main" Requires="p14">
+      <p:transition p14:dur="300">
+        <p:fade/>
+      </p:transition>
+    </mc:Choice>
+    <mc:Fallback>
+      <p:transition>
+        <p:fade/>
+      </p:transition>
+    </mc:Fallback>
+  </mc:AlternateContent>
 </p:sld>
 </file>
 
@@ -12898,9 +13712,18 @@
   <p:clrMapOvr>
     <a:masterClrMapping/>
   </p:clrMapOvr>
-  <p:transition>
-    <p:fade/>
-  </p:transition>
+  <mc:AlternateContent xmlns:mc="http://schemas.openxmlformats.org/markup-compatibility/2006">
+    <mc:Choice xmlns:p14="http://schemas.microsoft.com/office/powerpoint/2010/main" Requires="p14">
+      <p:transition p14:dur="300">
+        <p:fade/>
+      </p:transition>
+    </mc:Choice>
+    <mc:Fallback>
+      <p:transition>
+        <p:fade/>
+      </p:transition>
+    </mc:Fallback>
+  </mc:AlternateContent>
 </p:sld>
 </file>
 
@@ -13053,9 +13876,18 @@
   <p:clrMapOvr>
     <a:masterClrMapping/>
   </p:clrMapOvr>
-  <p:transition>
-    <p:fade/>
-  </p:transition>
+  <mc:AlternateContent xmlns:mc="http://schemas.openxmlformats.org/markup-compatibility/2006">
+    <mc:Choice xmlns:p14="http://schemas.microsoft.com/office/powerpoint/2010/main" Requires="p14">
+      <p:transition p14:dur="300">
+        <p:fade/>
+      </p:transition>
+    </mc:Choice>
+    <mc:Fallback>
+      <p:transition>
+        <p:fade/>
+      </p:transition>
+    </mc:Fallback>
+  </mc:AlternateContent>
 </p:sld>
 </file>
 
@@ -13184,9 +14016,18 @@
   <p:clrMapOvr>
     <a:masterClrMapping/>
   </p:clrMapOvr>
-  <p:transition>
-    <p:fade/>
-  </p:transition>
+  <mc:AlternateContent xmlns:mc="http://schemas.openxmlformats.org/markup-compatibility/2006">
+    <mc:Choice xmlns:p14="http://schemas.microsoft.com/office/powerpoint/2010/main" Requires="p14">
+      <p:transition p14:dur="300">
+        <p:fade/>
+      </p:transition>
+    </mc:Choice>
+    <mc:Fallback>
+      <p:transition>
+        <p:fade/>
+      </p:transition>
+    </mc:Fallback>
+  </mc:AlternateContent>
 </p:sld>
 </file>
 
@@ -13306,9 +14147,18 @@
   <p:clrMapOvr>
     <a:masterClrMapping/>
   </p:clrMapOvr>
-  <p:transition>
-    <p:fade/>
-  </p:transition>
+  <mc:AlternateContent xmlns:mc="http://schemas.openxmlformats.org/markup-compatibility/2006">
+    <mc:Choice xmlns:p14="http://schemas.microsoft.com/office/powerpoint/2010/main" Requires="p14">
+      <p:transition p14:dur="300">
+        <p:fade/>
+      </p:transition>
+    </mc:Choice>
+    <mc:Fallback>
+      <p:transition>
+        <p:fade/>
+      </p:transition>
+    </mc:Fallback>
+  </mc:AlternateContent>
 </p:sld>
 </file>
 
@@ -13454,9 +14304,18 @@
   <p:clrMapOvr>
     <a:masterClrMapping/>
   </p:clrMapOvr>
-  <p:transition>
-    <p:fade/>
-  </p:transition>
+  <mc:AlternateContent xmlns:mc="http://schemas.openxmlformats.org/markup-compatibility/2006">
+    <mc:Choice xmlns:p14="http://schemas.microsoft.com/office/powerpoint/2010/main" Requires="p14">
+      <p:transition p14:dur="300">
+        <p:fade/>
+      </p:transition>
+    </mc:Choice>
+    <mc:Fallback>
+      <p:transition>
+        <p:fade/>
+      </p:transition>
+    </mc:Fallback>
+  </mc:AlternateContent>
 </p:sld>
 </file>
 
@@ -13568,9 +14427,18 @@
   <p:clrMapOvr>
     <a:masterClrMapping/>
   </p:clrMapOvr>
-  <p:transition>
-    <p:fade/>
-  </p:transition>
+  <mc:AlternateContent xmlns:mc="http://schemas.openxmlformats.org/markup-compatibility/2006">
+    <mc:Choice xmlns:p14="http://schemas.microsoft.com/office/powerpoint/2010/main" Requires="p14">
+      <p:transition p14:dur="300">
+        <p:fade/>
+      </p:transition>
+    </mc:Choice>
+    <mc:Fallback>
+      <p:transition>
+        <p:fade/>
+      </p:transition>
+    </mc:Fallback>
+  </mc:AlternateContent>
 </p:sld>
 </file>
 
@@ -13683,9 +14551,18 @@
   <p:clrMapOvr>
     <a:masterClrMapping/>
   </p:clrMapOvr>
-  <p:transition>
-    <p:fade/>
-  </p:transition>
+  <mc:AlternateContent xmlns:mc="http://schemas.openxmlformats.org/markup-compatibility/2006">
+    <mc:Choice xmlns:p14="http://schemas.microsoft.com/office/powerpoint/2010/main" Requires="p14">
+      <p:transition p14:dur="300">
+        <p:fade/>
+      </p:transition>
+    </mc:Choice>
+    <mc:Fallback>
+      <p:transition>
+        <p:fade/>
+      </p:transition>
+    </mc:Fallback>
+  </mc:AlternateContent>
 </p:sld>
 </file>
 
@@ -13798,9 +14675,18 @@
   <p:clrMapOvr>
     <a:masterClrMapping/>
   </p:clrMapOvr>
-  <p:transition>
-    <p:fade/>
-  </p:transition>
+  <mc:AlternateContent xmlns:mc="http://schemas.openxmlformats.org/markup-compatibility/2006">
+    <mc:Choice xmlns:p14="http://schemas.microsoft.com/office/powerpoint/2010/main" Requires="p14">
+      <p:transition p14:dur="300">
+        <p:fade/>
+      </p:transition>
+    </mc:Choice>
+    <mc:Fallback>
+      <p:transition>
+        <p:fade/>
+      </p:transition>
+    </mc:Fallback>
+  </mc:AlternateContent>
 </p:sld>
 </file>
 
@@ -13913,9 +14799,18 @@
   <p:clrMapOvr>
     <a:masterClrMapping/>
   </p:clrMapOvr>
-  <p:transition>
-    <p:fade/>
-  </p:transition>
+  <mc:AlternateContent xmlns:mc="http://schemas.openxmlformats.org/markup-compatibility/2006">
+    <mc:Choice xmlns:p14="http://schemas.microsoft.com/office/powerpoint/2010/main" Requires="p14">
+      <p:transition p14:dur="300">
+        <p:fade/>
+      </p:transition>
+    </mc:Choice>
+    <mc:Fallback>
+      <p:transition>
+        <p:fade/>
+      </p:transition>
+    </mc:Fallback>
+  </mc:AlternateContent>
 </p:sld>
 </file>
 
@@ -14049,9 +14944,18 @@
   <p:clrMapOvr>
     <a:masterClrMapping/>
   </p:clrMapOvr>
-  <p:transition>
-    <p:fade/>
-  </p:transition>
+  <mc:AlternateContent xmlns:mc="http://schemas.openxmlformats.org/markup-compatibility/2006">
+    <mc:Choice xmlns:p14="http://schemas.microsoft.com/office/powerpoint/2010/main" Requires="p14">
+      <p:transition p14:dur="300">
+        <p:fade/>
+      </p:transition>
+    </mc:Choice>
+    <mc:Fallback>
+      <p:transition>
+        <p:fade/>
+      </p:transition>
+    </mc:Fallback>
+  </mc:AlternateContent>
 </p:sld>
 </file>
 
@@ -14204,9 +15108,18 @@
   <p:clrMapOvr>
     <a:masterClrMapping/>
   </p:clrMapOvr>
-  <p:transition>
-    <p:fade/>
-  </p:transition>
+  <mc:AlternateContent xmlns:mc="http://schemas.openxmlformats.org/markup-compatibility/2006">
+    <mc:Choice xmlns:p14="http://schemas.microsoft.com/office/powerpoint/2010/main" Requires="p14">
+      <p:transition p14:dur="300">
+        <p:fade/>
+      </p:transition>
+    </mc:Choice>
+    <mc:Fallback>
+      <p:transition>
+        <p:fade/>
+      </p:transition>
+    </mc:Fallback>
+  </mc:AlternateContent>
 </p:sld>
 </file>
 
@@ -14335,9 +15248,18 @@
   <p:clrMapOvr>
     <a:masterClrMapping/>
   </p:clrMapOvr>
-  <p:transition>
-    <p:fade/>
-  </p:transition>
+  <mc:AlternateContent xmlns:mc="http://schemas.openxmlformats.org/markup-compatibility/2006">
+    <mc:Choice xmlns:p14="http://schemas.microsoft.com/office/powerpoint/2010/main" Requires="p14">
+      <p:transition p14:dur="300">
+        <p:fade/>
+      </p:transition>
+    </mc:Choice>
+    <mc:Fallback>
+      <p:transition>
+        <p:fade/>
+      </p:transition>
+    </mc:Fallback>
+  </mc:AlternateContent>
 </p:sld>
 </file>
 
@@ -14457,9 +15379,18 @@
   <p:clrMapOvr>
     <a:masterClrMapping/>
   </p:clrMapOvr>
-  <p:transition>
-    <p:fade/>
-  </p:transition>
+  <mc:AlternateContent xmlns:mc="http://schemas.openxmlformats.org/markup-compatibility/2006">
+    <mc:Choice xmlns:p14="http://schemas.microsoft.com/office/powerpoint/2010/main" Requires="p14">
+      <p:transition p14:dur="300">
+        <p:fade/>
+      </p:transition>
+    </mc:Choice>
+    <mc:Fallback>
+      <p:transition>
+        <p:fade/>
+      </p:transition>
+    </mc:Fallback>
+  </mc:AlternateContent>
 </p:sld>
 </file>
 
@@ -14571,9 +15502,18 @@
   <p:clrMapOvr>
     <a:masterClrMapping/>
   </p:clrMapOvr>
-  <p:transition>
-    <p:fade/>
-  </p:transition>
+  <mc:AlternateContent xmlns:mc="http://schemas.openxmlformats.org/markup-compatibility/2006">
+    <mc:Choice xmlns:p14="http://schemas.microsoft.com/office/powerpoint/2010/main" Requires="p14">
+      <p:transition p14:dur="300">
+        <p:fade/>
+      </p:transition>
+    </mc:Choice>
+    <mc:Fallback>
+      <p:transition>
+        <p:fade/>
+      </p:transition>
+    </mc:Fallback>
+  </mc:AlternateContent>
 </p:sld>
 </file>
 
@@ -14686,9 +15626,18 @@
   <p:clrMapOvr>
     <a:masterClrMapping/>
   </p:clrMapOvr>
-  <p:transition>
-    <p:fade/>
-  </p:transition>
+  <mc:AlternateContent xmlns:mc="http://schemas.openxmlformats.org/markup-compatibility/2006">
+    <mc:Choice xmlns:p14="http://schemas.microsoft.com/office/powerpoint/2010/main" Requires="p14">
+      <p:transition p14:dur="300">
+        <p:fade/>
+      </p:transition>
+    </mc:Choice>
+    <mc:Fallback>
+      <p:transition>
+        <p:fade/>
+      </p:transition>
+    </mc:Fallback>
+  </mc:AlternateContent>
 </p:sld>
 </file>
 
@@ -14818,9 +15767,18 @@
   <p:clrMapOvr>
     <a:masterClrMapping/>
   </p:clrMapOvr>
-  <p:transition>
-    <p:fade/>
-  </p:transition>
+  <mc:AlternateContent xmlns:mc="http://schemas.openxmlformats.org/markup-compatibility/2006">
+    <mc:Choice xmlns:p14="http://schemas.microsoft.com/office/powerpoint/2010/main" Requires="p14">
+      <p:transition p14:dur="300">
+        <p:fade/>
+      </p:transition>
+    </mc:Choice>
+    <mc:Fallback>
+      <p:transition>
+        <p:fade/>
+      </p:transition>
+    </mc:Fallback>
+  </mc:AlternateContent>
 </p:sld>
 </file>
 
@@ -14933,9 +15891,18 @@
   <p:clrMapOvr>
     <a:masterClrMapping/>
   </p:clrMapOvr>
-  <p:transition>
-    <p:fade/>
-  </p:transition>
+  <mc:AlternateContent xmlns:mc="http://schemas.openxmlformats.org/markup-compatibility/2006">
+    <mc:Choice xmlns:p14="http://schemas.microsoft.com/office/powerpoint/2010/main" Requires="p14">
+      <p:transition p14:dur="300">
+        <p:fade/>
+      </p:transition>
+    </mc:Choice>
+    <mc:Fallback>
+      <p:transition>
+        <p:fade/>
+      </p:transition>
+    </mc:Fallback>
+  </mc:AlternateContent>
 </p:sld>
 </file>
 
@@ -15048,9 +16015,18 @@
   <p:clrMapOvr>
     <a:masterClrMapping/>
   </p:clrMapOvr>
-  <p:transition>
-    <p:fade/>
-  </p:transition>
+  <mc:AlternateContent xmlns:mc="http://schemas.openxmlformats.org/markup-compatibility/2006">
+    <mc:Choice xmlns:p14="http://schemas.microsoft.com/office/powerpoint/2010/main" Requires="p14">
+      <p:transition p14:dur="300">
+        <p:fade/>
+      </p:transition>
+    </mc:Choice>
+    <mc:Fallback>
+      <p:transition>
+        <p:fade/>
+      </p:transition>
+    </mc:Fallback>
+  </mc:AlternateContent>
 </p:sld>
 </file>
 
@@ -15184,9 +16160,18 @@
   <p:clrMapOvr>
     <a:masterClrMapping/>
   </p:clrMapOvr>
-  <p:transition>
-    <p:fade/>
-  </p:transition>
+  <mc:AlternateContent xmlns:mc="http://schemas.openxmlformats.org/markup-compatibility/2006">
+    <mc:Choice xmlns:p14="http://schemas.microsoft.com/office/powerpoint/2010/main" Requires="p14">
+      <p:transition p14:dur="300">
+        <p:fade/>
+      </p:transition>
+    </mc:Choice>
+    <mc:Fallback>
+      <p:transition>
+        <p:fade/>
+      </p:transition>
+    </mc:Fallback>
+  </mc:AlternateContent>
 </p:sld>
 </file>
 
@@ -15335,9 +16320,18 @@
   <p:clrMapOvr>
     <a:masterClrMapping/>
   </p:clrMapOvr>
-  <p:transition>
-    <p:fade/>
-  </p:transition>
+  <mc:AlternateContent xmlns:mc="http://schemas.openxmlformats.org/markup-compatibility/2006">
+    <mc:Choice xmlns:p14="http://schemas.microsoft.com/office/powerpoint/2010/main" Requires="p14">
+      <p:transition p14:dur="300">
+        <p:fade/>
+      </p:transition>
+    </mc:Choice>
+    <mc:Fallback>
+      <p:transition>
+        <p:fade/>
+      </p:transition>
+    </mc:Fallback>
+  </mc:AlternateContent>
 </p:sld>
 </file>
 
@@ -15474,9 +16468,18 @@
   <p:clrMapOvr>
     <a:masterClrMapping/>
   </p:clrMapOvr>
-  <p:transition>
-    <p:fade/>
-  </p:transition>
+  <mc:AlternateContent xmlns:mc="http://schemas.openxmlformats.org/markup-compatibility/2006">
+    <mc:Choice xmlns:p14="http://schemas.microsoft.com/office/powerpoint/2010/main" Requires="p14">
+      <p:transition p14:dur="300">
+        <p:fade/>
+      </p:transition>
+    </mc:Choice>
+    <mc:Fallback>
+      <p:transition>
+        <p:fade/>
+      </p:transition>
+    </mc:Fallback>
+  </mc:AlternateContent>
 </p:sld>
 </file>
 
@@ -15596,9 +16599,18 @@
   <p:clrMapOvr>
     <a:masterClrMapping/>
   </p:clrMapOvr>
-  <p:transition>
-    <p:fade/>
-  </p:transition>
+  <mc:AlternateContent xmlns:mc="http://schemas.openxmlformats.org/markup-compatibility/2006">
+    <mc:Choice xmlns:p14="http://schemas.microsoft.com/office/powerpoint/2010/main" Requires="p14">
+      <p:transition p14:dur="300">
+        <p:fade/>
+      </p:transition>
+    </mc:Choice>
+    <mc:Fallback>
+      <p:transition>
+        <p:fade/>
+      </p:transition>
+    </mc:Fallback>
+  </mc:AlternateContent>
 </p:sld>
 </file>
 
@@ -15710,9 +16722,18 @@
   <p:clrMapOvr>
     <a:masterClrMapping/>
   </p:clrMapOvr>
-  <p:transition>
-    <p:fade/>
-  </p:transition>
+  <mc:AlternateContent xmlns:mc="http://schemas.openxmlformats.org/markup-compatibility/2006">
+    <mc:Choice xmlns:p14="http://schemas.microsoft.com/office/powerpoint/2010/main" Requires="p14">
+      <p:transition p14:dur="300">
+        <p:fade/>
+      </p:transition>
+    </mc:Choice>
+    <mc:Fallback>
+      <p:transition>
+        <p:fade/>
+      </p:transition>
+    </mc:Fallback>
+  </mc:AlternateContent>
 </p:sld>
 </file>
 
@@ -15825,9 +16846,18 @@
   <p:clrMapOvr>
     <a:masterClrMapping/>
   </p:clrMapOvr>
-  <p:transition>
-    <p:fade/>
-  </p:transition>
+  <mc:AlternateContent xmlns:mc="http://schemas.openxmlformats.org/markup-compatibility/2006">
+    <mc:Choice xmlns:p14="http://schemas.microsoft.com/office/powerpoint/2010/main" Requires="p14">
+      <p:transition p14:dur="300">
+        <p:fade/>
+      </p:transition>
+    </mc:Choice>
+    <mc:Fallback>
+      <p:transition>
+        <p:fade/>
+      </p:transition>
+    </mc:Fallback>
+  </mc:AlternateContent>
 </p:sld>
 </file>
 
@@ -15940,9 +16970,18 @@
   <p:clrMapOvr>
     <a:masterClrMapping/>
   </p:clrMapOvr>
-  <p:transition>
-    <p:fade/>
-  </p:transition>
+  <mc:AlternateContent xmlns:mc="http://schemas.openxmlformats.org/markup-compatibility/2006">
+    <mc:Choice xmlns:p14="http://schemas.microsoft.com/office/powerpoint/2010/main" Requires="p14">
+      <p:transition p14:dur="300">
+        <p:fade/>
+      </p:transition>
+    </mc:Choice>
+    <mc:Fallback>
+      <p:transition>
+        <p:fade/>
+      </p:transition>
+    </mc:Fallback>
+  </mc:AlternateContent>
 </p:sld>
 </file>
 
@@ -16055,9 +17094,18 @@
   <p:clrMapOvr>
     <a:masterClrMapping/>
   </p:clrMapOvr>
-  <p:transition>
-    <p:fade/>
-  </p:transition>
+  <mc:AlternateContent xmlns:mc="http://schemas.openxmlformats.org/markup-compatibility/2006">
+    <mc:Choice xmlns:p14="http://schemas.microsoft.com/office/powerpoint/2010/main" Requires="p14">
+      <p:transition p14:dur="300">
+        <p:fade/>
+      </p:transition>
+    </mc:Choice>
+    <mc:Fallback>
+      <p:transition>
+        <p:fade/>
+      </p:transition>
+    </mc:Fallback>
+  </mc:AlternateContent>
 </p:sld>
 </file>
 
@@ -16170,9 +17218,18 @@
   <p:clrMapOvr>
     <a:masterClrMapping/>
   </p:clrMapOvr>
-  <p:transition>
-    <p:fade/>
-  </p:transition>
+  <mc:AlternateContent xmlns:mc="http://schemas.openxmlformats.org/markup-compatibility/2006">
+    <mc:Choice xmlns:p14="http://schemas.microsoft.com/office/powerpoint/2010/main" Requires="p14">
+      <p:transition p14:dur="300">
+        <p:fade/>
+      </p:transition>
+    </mc:Choice>
+    <mc:Fallback>
+      <p:transition>
+        <p:fade/>
+      </p:transition>
+    </mc:Fallback>
+  </mc:AlternateContent>
 </p:sld>
 </file>
 
@@ -16306,9 +17363,18 @@
   <p:clrMapOvr>
     <a:masterClrMapping/>
   </p:clrMapOvr>
-  <p:transition>
-    <p:fade/>
-  </p:transition>
+  <mc:AlternateContent xmlns:mc="http://schemas.openxmlformats.org/markup-compatibility/2006">
+    <mc:Choice xmlns:p14="http://schemas.microsoft.com/office/powerpoint/2010/main" Requires="p14">
+      <p:transition p14:dur="300">
+        <p:fade/>
+      </p:transition>
+    </mc:Choice>
+    <mc:Fallback>
+      <p:transition>
+        <p:fade/>
+      </p:transition>
+    </mc:Fallback>
+  </mc:AlternateContent>
 </p:sld>
 </file>
 
@@ -16461,9 +17527,18 @@
   <p:clrMapOvr>
     <a:masterClrMapping/>
   </p:clrMapOvr>
-  <p:transition>
-    <p:fade/>
-  </p:transition>
+  <mc:AlternateContent xmlns:mc="http://schemas.openxmlformats.org/markup-compatibility/2006">
+    <mc:Choice xmlns:p14="http://schemas.microsoft.com/office/powerpoint/2010/main" Requires="p14">
+      <p:transition p14:dur="300">
+        <p:fade/>
+      </p:transition>
+    </mc:Choice>
+    <mc:Fallback>
+      <p:transition>
+        <p:fade/>
+      </p:transition>
+    </mc:Fallback>
+  </mc:AlternateContent>
 </p:sld>
 </file>
 
@@ -16600,9 +17675,18 @@
   <p:clrMapOvr>
     <a:masterClrMapping/>
   </p:clrMapOvr>
-  <p:transition>
-    <p:fade/>
-  </p:transition>
+  <mc:AlternateContent xmlns:mc="http://schemas.openxmlformats.org/markup-compatibility/2006">
+    <mc:Choice xmlns:p14="http://schemas.microsoft.com/office/powerpoint/2010/main" Requires="p14">
+      <p:transition p14:dur="300">
+        <p:fade/>
+      </p:transition>
+    </mc:Choice>
+    <mc:Fallback>
+      <p:transition>
+        <p:fade/>
+      </p:transition>
+    </mc:Fallback>
+  </mc:AlternateContent>
 </p:sld>
 </file>
 
@@ -16722,9 +17806,18 @@
   <p:clrMapOvr>
     <a:masterClrMapping/>
   </p:clrMapOvr>
-  <p:transition>
-    <p:fade/>
-  </p:transition>
+  <mc:AlternateContent xmlns:mc="http://schemas.openxmlformats.org/markup-compatibility/2006">
+    <mc:Choice xmlns:p14="http://schemas.microsoft.com/office/powerpoint/2010/main" Requires="p14">
+      <p:transition p14:dur="300">
+        <p:fade/>
+      </p:transition>
+    </mc:Choice>
+    <mc:Fallback>
+      <p:transition>
+        <p:fade/>
+      </p:transition>
+    </mc:Fallback>
+  </mc:AlternateContent>
 </p:sld>
 </file>
 
@@ -16836,9 +17929,18 @@
   <p:clrMapOvr>
     <a:masterClrMapping/>
   </p:clrMapOvr>
-  <p:transition>
-    <p:fade/>
-  </p:transition>
+  <mc:AlternateContent xmlns:mc="http://schemas.openxmlformats.org/markup-compatibility/2006">
+    <mc:Choice xmlns:p14="http://schemas.microsoft.com/office/powerpoint/2010/main" Requires="p14">
+      <p:transition p14:dur="300">
+        <p:fade/>
+      </p:transition>
+    </mc:Choice>
+    <mc:Fallback>
+      <p:transition>
+        <p:fade/>
+      </p:transition>
+    </mc:Fallback>
+  </mc:AlternateContent>
 </p:sld>
 </file>
 
@@ -16951,9 +18053,18 @@
   <p:clrMapOvr>
     <a:masterClrMapping/>
   </p:clrMapOvr>
-  <p:transition>
-    <p:fade/>
-  </p:transition>
+  <mc:AlternateContent xmlns:mc="http://schemas.openxmlformats.org/markup-compatibility/2006">
+    <mc:Choice xmlns:p14="http://schemas.microsoft.com/office/powerpoint/2010/main" Requires="p14">
+      <p:transition p14:dur="300">
+        <p:fade/>
+      </p:transition>
+    </mc:Choice>
+    <mc:Fallback>
+      <p:transition>
+        <p:fade/>
+      </p:transition>
+    </mc:Fallback>
+  </mc:AlternateContent>
 </p:sld>
 </file>
 
@@ -17066,9 +18177,18 @@
   <p:clrMapOvr>
     <a:masterClrMapping/>
   </p:clrMapOvr>
-  <p:transition>
-    <p:fade/>
-  </p:transition>
+  <mc:AlternateContent xmlns:mc="http://schemas.openxmlformats.org/markup-compatibility/2006">
+    <mc:Choice xmlns:p14="http://schemas.microsoft.com/office/powerpoint/2010/main" Requires="p14">
+      <p:transition p14:dur="300">
+        <p:fade/>
+      </p:transition>
+    </mc:Choice>
+    <mc:Fallback>
+      <p:transition>
+        <p:fade/>
+      </p:transition>
+    </mc:Fallback>
+  </mc:AlternateContent>
 </p:sld>
 </file>
 
@@ -17181,9 +18301,18 @@
   <p:clrMapOvr>
     <a:masterClrMapping/>
   </p:clrMapOvr>
-  <p:transition>
-    <p:fade/>
-  </p:transition>
+  <mc:AlternateContent xmlns:mc="http://schemas.openxmlformats.org/markup-compatibility/2006">
+    <mc:Choice xmlns:p14="http://schemas.microsoft.com/office/powerpoint/2010/main" Requires="p14">
+      <p:transition p14:dur="300">
+        <p:fade/>
+      </p:transition>
+    </mc:Choice>
+    <mc:Fallback>
+      <p:transition>
+        <p:fade/>
+      </p:transition>
+    </mc:Fallback>
+  </mc:AlternateContent>
 </p:sld>
 </file>
 
@@ -17317,9 +18446,18 @@
   <p:clrMapOvr>
     <a:masterClrMapping/>
   </p:clrMapOvr>
-  <p:transition>
-    <p:fade/>
-  </p:transition>
+  <mc:AlternateContent xmlns:mc="http://schemas.openxmlformats.org/markup-compatibility/2006">
+    <mc:Choice xmlns:p14="http://schemas.microsoft.com/office/powerpoint/2010/main" Requires="p14">
+      <p:transition p14:dur="300">
+        <p:fade/>
+      </p:transition>
+    </mc:Choice>
+    <mc:Fallback>
+      <p:transition>
+        <p:fade/>
+      </p:transition>
+    </mc:Fallback>
+  </mc:AlternateContent>
 </p:sld>
 </file>
 
@@ -17460,9 +18598,18 @@
   <p:clrMapOvr>
     <a:masterClrMapping/>
   </p:clrMapOvr>
-  <p:transition>
-    <p:fade/>
-  </p:transition>
+  <mc:AlternateContent xmlns:mc="http://schemas.openxmlformats.org/markup-compatibility/2006">
+    <mc:Choice xmlns:p14="http://schemas.microsoft.com/office/powerpoint/2010/main" Requires="p14">
+      <p:transition p14:dur="300">
+        <p:fade/>
+      </p:transition>
+    </mc:Choice>
+    <mc:Fallback>
+      <p:transition>
+        <p:fade/>
+      </p:transition>
+    </mc:Fallback>
+  </mc:AlternateContent>
 </p:sld>
 </file>
 

--- a/PPTs/Aza - Dua Tawassul.pptx
+++ b/PPTs/Aza - Dua Tawassul.pptx
@@ -5,7 +5,7 @@
     <p:sldMasterId id="2147483686" r:id="rId1"/>
   </p:sldMasterIdLst>
   <p:sldIdLst>
-    <p:sldId id="5595" r:id="rId2"/>
+    <p:sldId id="262" r:id="rId2"/>
     <p:sldId id="5597" r:id="rId3"/>
     <p:sldId id="1090" r:id="rId4"/>
     <p:sldId id="3394" r:id="rId5"/>
@@ -367,13 +367,13 @@
   <p:clrMapOvr>
     <a:masterClrMapping/>
   </p:clrMapOvr>
-  <mc:AlternateContent xmlns:mc="http://schemas.openxmlformats.org/markup-compatibility/2006">
-    <mc:Choice xmlns:p14="http://schemas.microsoft.com/office/powerpoint/2010/main" Requires="p14">
+  <mc:AlternateContent xmlns:mc="http://schemas.openxmlformats.org/markup-compatibility/2006" xmlns:p14="http://schemas.microsoft.com/office/powerpoint/2010/main">
+    <mc:Choice Requires="p14">
       <p:transition p14:dur="300">
         <p:fade/>
       </p:transition>
     </mc:Choice>
-    <mc:Fallback>
+    <mc:Fallback xmlns="">
       <p:transition>
         <p:fade/>
       </p:transition>
@@ -474,13 +474,13 @@
   <p:clrMapOvr>
     <a:masterClrMapping/>
   </p:clrMapOvr>
-  <mc:AlternateContent xmlns:mc="http://schemas.openxmlformats.org/markup-compatibility/2006">
-    <mc:Choice xmlns:p14="http://schemas.microsoft.com/office/powerpoint/2010/main" Requires="p14">
+  <mc:AlternateContent xmlns:mc="http://schemas.openxmlformats.org/markup-compatibility/2006" xmlns:p14="http://schemas.microsoft.com/office/powerpoint/2010/main">
+    <mc:Choice Requires="p14">
       <p:transition p14:dur="300">
         <p:fade/>
       </p:transition>
     </mc:Choice>
-    <mc:Fallback>
+    <mc:Fallback xmlns="">
       <p:transition>
         <p:fade/>
       </p:transition>
@@ -652,13 +652,13 @@
   <p:clrMapOvr>
     <a:masterClrMapping/>
   </p:clrMapOvr>
-  <mc:AlternateContent xmlns:mc="http://schemas.openxmlformats.org/markup-compatibility/2006">
-    <mc:Choice xmlns:p14="http://schemas.microsoft.com/office/powerpoint/2010/main" Requires="p14">
+  <mc:AlternateContent xmlns:mc="http://schemas.openxmlformats.org/markup-compatibility/2006" xmlns:p14="http://schemas.microsoft.com/office/powerpoint/2010/main">
+    <mc:Choice Requires="p14">
       <p:transition p14:dur="300">
         <p:fade/>
       </p:transition>
     </mc:Choice>
-    <mc:Fallback>
+    <mc:Fallback xmlns="">
       <p:transition>
         <p:fade/>
       </p:transition>
@@ -913,13 +913,13 @@
     <p:sldLayoutId id="2147483688" r:id="rId2"/>
     <p:sldLayoutId id="2147483689" r:id="rId3"/>
   </p:sldLayoutIdLst>
-  <mc:AlternateContent xmlns:mc="http://schemas.openxmlformats.org/markup-compatibility/2006">
-    <mc:Choice xmlns:p14="http://schemas.microsoft.com/office/powerpoint/2010/main" Requires="p14">
+  <mc:AlternateContent xmlns:mc="http://schemas.openxmlformats.org/markup-compatibility/2006" xmlns:p14="http://schemas.microsoft.com/office/powerpoint/2010/main">
+    <mc:Choice Requires="p14">
       <p:transition p14:dur="300">
         <p:fade/>
       </p:transition>
     </mc:Choice>
-    <mc:Fallback>
+    <mc:Fallback xmlns="">
       <p:transition>
         <p:fade/>
       </p:transition>
@@ -1365,19 +1365,19 @@
             </a:extLst>
           </p:cNvPr>
           <p:cNvPicPr>
-            <a:picLocks noGrp="1" noRot="1" noChangeAspect="1" noMove="1" noResize="1" noEditPoints="1" noAdjustHandles="1" noChangeArrowheads="1" noChangeShapeType="1" noCrop="1"/>
+            <a:picLocks noChangeAspect="1"/>
           </p:cNvPicPr>
           <p:nvPr/>
         </p:nvPicPr>
         <p:blipFill rotWithShape="1">
           <a:blip r:embed="rId2"/>
-          <a:srcRect l="24690" r="27248" b="16665"/>
+          <a:srcRect l="10784" t="12799" r="27248" b="11727"/>
           <a:stretch/>
         </p:blipFill>
         <p:spPr>
           <a:xfrm>
-            <a:off x="7248128" y="-1"/>
-            <a:ext cx="4943872" cy="6858001"/>
+            <a:off x="5162550" y="0"/>
+            <a:ext cx="7029450" cy="6849289"/>
           </a:xfrm>
           <a:prstGeom prst="rect">
             <a:avLst/>
@@ -1720,7 +1720,7 @@
         </p:nvSpPr>
         <p:spPr>
           <a:xfrm>
-            <a:off x="8421468" y="5713181"/>
+            <a:off x="8116059" y="5507547"/>
             <a:ext cx="3328784" cy="781689"/>
           </a:xfrm>
           <a:prstGeom prst="rect">
@@ -1752,7 +1752,7 @@
               <a:defRPr/>
             </a:pPr>
             <a:r>
-              <a:rPr kumimoji="0" lang="ur-PK" sz="2000" b="0" i="0" u="none" strike="noStrike" kern="1200" cap="none" spc="0" normalizeH="0" baseline="0" noProof="0" dirty="0">
+              <a:rPr kumimoji="0" lang="ur-PK" sz="2000" b="0" i="0" u="none" strike="noStrike" kern="1200" cap="none" spc="0" normalizeH="0" baseline="0" noProof="0" dirty="0" err="1">
                 <a:ln>
                   <a:noFill/>
                 </a:ln>
@@ -1766,7 +1766,143 @@
                 <a:ea typeface="+mn-ea"/>
                 <a:cs typeface="Abbas" panose="02000000000000000000" pitchFamily="2" charset="-78"/>
               </a:rPr>
-              <a:t>إِنَّهُمْ يَرَوْنَهُ بَعِيداً وَنَرَاهُ قَرِيباً</a:t>
+              <a:t>إِنَّهُمْ</a:t>
+            </a:r>
+            <a:r>
+              <a:rPr kumimoji="0" lang="ur-PK" sz="2000" b="0" i="0" u="none" strike="noStrike" kern="1200" cap="none" spc="0" normalizeH="0" baseline="0" noProof="0" dirty="0">
+                <a:ln>
+                  <a:noFill/>
+                </a:ln>
+                <a:solidFill>
+                  <a:srgbClr val="F4E1C4"/>
+                </a:solidFill>
+                <a:effectLst/>
+                <a:uLnTx/>
+                <a:uFillTx/>
+                <a:latin typeface="Abbas" panose="02000000000000000000" pitchFamily="2" charset="-78"/>
+                <a:ea typeface="+mn-ea"/>
+                <a:cs typeface="Abbas" panose="02000000000000000000" pitchFamily="2" charset="-78"/>
+              </a:rPr>
+              <a:t> </a:t>
+            </a:r>
+            <a:r>
+              <a:rPr kumimoji="0" lang="ur-PK" sz="2000" b="0" i="0" u="none" strike="noStrike" kern="1200" cap="none" spc="0" normalizeH="0" baseline="0" noProof="0" dirty="0" err="1">
+                <a:ln>
+                  <a:noFill/>
+                </a:ln>
+                <a:solidFill>
+                  <a:srgbClr val="F4E1C4"/>
+                </a:solidFill>
+                <a:effectLst/>
+                <a:uLnTx/>
+                <a:uFillTx/>
+                <a:latin typeface="Abbas" panose="02000000000000000000" pitchFamily="2" charset="-78"/>
+                <a:ea typeface="+mn-ea"/>
+                <a:cs typeface="Abbas" panose="02000000000000000000" pitchFamily="2" charset="-78"/>
+              </a:rPr>
+              <a:t>يَرَوْنَهُ</a:t>
+            </a:r>
+            <a:r>
+              <a:rPr kumimoji="0" lang="ur-PK" sz="2000" b="0" i="0" u="none" strike="noStrike" kern="1200" cap="none" spc="0" normalizeH="0" baseline="0" noProof="0" dirty="0">
+                <a:ln>
+                  <a:noFill/>
+                </a:ln>
+                <a:solidFill>
+                  <a:srgbClr val="F4E1C4"/>
+                </a:solidFill>
+                <a:effectLst/>
+                <a:uLnTx/>
+                <a:uFillTx/>
+                <a:latin typeface="Abbas" panose="02000000000000000000" pitchFamily="2" charset="-78"/>
+                <a:ea typeface="+mn-ea"/>
+                <a:cs typeface="Abbas" panose="02000000000000000000" pitchFamily="2" charset="-78"/>
+              </a:rPr>
+              <a:t> </a:t>
+            </a:r>
+            <a:r>
+              <a:rPr kumimoji="0" lang="ur-PK" sz="2000" b="0" i="0" u="none" strike="noStrike" kern="1200" cap="none" spc="0" normalizeH="0" baseline="0" noProof="0" dirty="0" err="1">
+                <a:ln>
+                  <a:noFill/>
+                </a:ln>
+                <a:solidFill>
+                  <a:srgbClr val="F4E1C4"/>
+                </a:solidFill>
+                <a:effectLst/>
+                <a:uLnTx/>
+                <a:uFillTx/>
+                <a:latin typeface="Abbas" panose="02000000000000000000" pitchFamily="2" charset="-78"/>
+                <a:ea typeface="+mn-ea"/>
+                <a:cs typeface="Abbas" panose="02000000000000000000" pitchFamily="2" charset="-78"/>
+              </a:rPr>
+              <a:t>بَعِيداً</a:t>
+            </a:r>
+            <a:r>
+              <a:rPr kumimoji="0" lang="ur-PK" sz="2000" b="0" i="0" u="none" strike="noStrike" kern="1200" cap="none" spc="0" normalizeH="0" baseline="0" noProof="0" dirty="0">
+                <a:ln>
+                  <a:noFill/>
+                </a:ln>
+                <a:solidFill>
+                  <a:srgbClr val="F4E1C4"/>
+                </a:solidFill>
+                <a:effectLst/>
+                <a:uLnTx/>
+                <a:uFillTx/>
+                <a:latin typeface="Abbas" panose="02000000000000000000" pitchFamily="2" charset="-78"/>
+                <a:ea typeface="+mn-ea"/>
+                <a:cs typeface="Abbas" panose="02000000000000000000" pitchFamily="2" charset="-78"/>
+              </a:rPr>
+              <a:t> </a:t>
+            </a:r>
+            <a:r>
+              <a:rPr kumimoji="0" lang="ur-PK" sz="2000" b="0" i="0" u="none" strike="noStrike" kern="1200" cap="none" spc="0" normalizeH="0" baseline="0" noProof="0" dirty="0" err="1">
+                <a:ln>
+                  <a:noFill/>
+                </a:ln>
+                <a:solidFill>
+                  <a:srgbClr val="F4E1C4"/>
+                </a:solidFill>
+                <a:effectLst/>
+                <a:uLnTx/>
+                <a:uFillTx/>
+                <a:latin typeface="Abbas" panose="02000000000000000000" pitchFamily="2" charset="-78"/>
+                <a:ea typeface="+mn-ea"/>
+                <a:cs typeface="Abbas" panose="02000000000000000000" pitchFamily="2" charset="-78"/>
+              </a:rPr>
+              <a:t>وَنَرَاهُ</a:t>
+            </a:r>
+            <a:r>
+              <a:rPr kumimoji="0" lang="ur-PK" sz="2000" b="0" i="0" u="none" strike="noStrike" kern="1200" cap="none" spc="0" normalizeH="0" baseline="0" noProof="0" dirty="0">
+                <a:ln>
+                  <a:noFill/>
+                </a:ln>
+                <a:solidFill>
+                  <a:srgbClr val="F4E1C4"/>
+                </a:solidFill>
+                <a:effectLst/>
+                <a:uLnTx/>
+                <a:uFillTx/>
+                <a:latin typeface="Abbas" panose="02000000000000000000" pitchFamily="2" charset="-78"/>
+                <a:ea typeface="+mn-ea"/>
+                <a:cs typeface="Abbas" panose="02000000000000000000" pitchFamily="2" charset="-78"/>
+              </a:rPr>
+              <a:t> </a:t>
+            </a:r>
+            <a:r>
+              <a:rPr kumimoji="0" lang="ur-PK" sz="2000" b="0" i="0" u="none" strike="noStrike" kern="1200" cap="none" spc="0" normalizeH="0" baseline="0" noProof="0" dirty="0" err="1">
+                <a:ln>
+                  <a:noFill/>
+                </a:ln>
+                <a:solidFill>
+                  <a:srgbClr val="F4E1C4"/>
+                </a:solidFill>
+                <a:effectLst/>
+                <a:uLnTx/>
+                <a:uFillTx/>
+                <a:latin typeface="Abbas" panose="02000000000000000000" pitchFamily="2" charset="-78"/>
+                <a:ea typeface="+mn-ea"/>
+                <a:cs typeface="Abbas" panose="02000000000000000000" pitchFamily="2" charset="-78"/>
+              </a:rPr>
+              <a:t>قَرِيباً</a:t>
             </a:r>
             <a:endParaRPr kumimoji="0" lang="en-CA" sz="2000" b="0" i="0" u="none" strike="noStrike" kern="1200" cap="none" spc="0" normalizeH="0" baseline="0" noProof="0" dirty="0">
               <a:ln>
@@ -1855,20 +1991,20 @@
     </p:spTree>
     <p:extLst>
       <p:ext uri="{BB962C8B-B14F-4D97-AF65-F5344CB8AC3E}">
-        <p14:creationId xmlns:p14="http://schemas.microsoft.com/office/powerpoint/2010/main" val="1633471537"/>
+        <p14:creationId xmlns:p14="http://schemas.microsoft.com/office/powerpoint/2010/main" val="2415886631"/>
       </p:ext>
     </p:extLst>
   </p:cSld>
   <p:clrMapOvr>
     <a:masterClrMapping/>
   </p:clrMapOvr>
-  <mc:AlternateContent xmlns:mc="http://schemas.openxmlformats.org/markup-compatibility/2006">
-    <mc:Choice xmlns:p14="http://schemas.microsoft.com/office/powerpoint/2010/main" Requires="p14">
+  <mc:AlternateContent xmlns:mc="http://schemas.openxmlformats.org/markup-compatibility/2006" xmlns:p14="http://schemas.microsoft.com/office/powerpoint/2010/main">
+    <mc:Choice Requires="p14">
       <p:transition p14:dur="300">
         <p:fade/>
       </p:transition>
     </mc:Choice>
-    <mc:Fallback>
+    <mc:Fallback xmlns="">
       <p:transition>
         <p:fade/>
       </p:transition>
@@ -1986,13 +2122,13 @@
   <p:clrMapOvr>
     <a:masterClrMapping/>
   </p:clrMapOvr>
-  <mc:AlternateContent xmlns:mc="http://schemas.openxmlformats.org/markup-compatibility/2006">
-    <mc:Choice xmlns:p14="http://schemas.microsoft.com/office/powerpoint/2010/main" Requires="p14">
+  <mc:AlternateContent xmlns:mc="http://schemas.openxmlformats.org/markup-compatibility/2006" xmlns:p14="http://schemas.microsoft.com/office/powerpoint/2010/main">
+    <mc:Choice Requires="p14">
       <p:transition p14:dur="300">
         <p:fade/>
       </p:transition>
     </mc:Choice>
-    <mc:Fallback>
+    <mc:Fallback xmlns="">
       <p:transition>
         <p:fade/>
       </p:transition>
@@ -2134,13 +2270,13 @@
   <p:clrMapOvr>
     <a:masterClrMapping/>
   </p:clrMapOvr>
-  <mc:AlternateContent xmlns:mc="http://schemas.openxmlformats.org/markup-compatibility/2006">
-    <mc:Choice xmlns:p14="http://schemas.microsoft.com/office/powerpoint/2010/main" Requires="p14">
+  <mc:AlternateContent xmlns:mc="http://schemas.openxmlformats.org/markup-compatibility/2006" xmlns:p14="http://schemas.microsoft.com/office/powerpoint/2010/main">
+    <mc:Choice Requires="p14">
       <p:transition p14:dur="300">
         <p:fade/>
       </p:transition>
     </mc:Choice>
-    <mc:Fallback>
+    <mc:Fallback xmlns="">
       <p:transition>
         <p:fade/>
       </p:transition>
@@ -2265,13 +2401,13 @@
   <p:clrMapOvr>
     <a:masterClrMapping/>
   </p:clrMapOvr>
-  <mc:AlternateContent xmlns:mc="http://schemas.openxmlformats.org/markup-compatibility/2006">
-    <mc:Choice xmlns:p14="http://schemas.microsoft.com/office/powerpoint/2010/main" Requires="p14">
+  <mc:AlternateContent xmlns:mc="http://schemas.openxmlformats.org/markup-compatibility/2006" xmlns:p14="http://schemas.microsoft.com/office/powerpoint/2010/main">
+    <mc:Choice Requires="p14">
       <p:transition p14:dur="300">
         <p:fade/>
       </p:transition>
     </mc:Choice>
-    <mc:Fallback>
+    <mc:Fallback xmlns="">
       <p:transition>
         <p:fade/>
       </p:transition>
@@ -2388,13 +2524,13 @@
   <p:clrMapOvr>
     <a:masterClrMapping/>
   </p:clrMapOvr>
-  <mc:AlternateContent xmlns:mc="http://schemas.openxmlformats.org/markup-compatibility/2006">
-    <mc:Choice xmlns:p14="http://schemas.microsoft.com/office/powerpoint/2010/main" Requires="p14">
+  <mc:AlternateContent xmlns:mc="http://schemas.openxmlformats.org/markup-compatibility/2006" xmlns:p14="http://schemas.microsoft.com/office/powerpoint/2010/main">
+    <mc:Choice Requires="p14">
       <p:transition p14:dur="300">
         <p:fade/>
       </p:transition>
     </mc:Choice>
-    <mc:Fallback>
+    <mc:Fallback xmlns="">
       <p:transition>
         <p:fade/>
       </p:transition>
@@ -2512,13 +2648,13 @@
   <p:clrMapOvr>
     <a:masterClrMapping/>
   </p:clrMapOvr>
-  <mc:AlternateContent xmlns:mc="http://schemas.openxmlformats.org/markup-compatibility/2006">
-    <mc:Choice xmlns:p14="http://schemas.microsoft.com/office/powerpoint/2010/main" Requires="p14">
+  <mc:AlternateContent xmlns:mc="http://schemas.openxmlformats.org/markup-compatibility/2006" xmlns:p14="http://schemas.microsoft.com/office/powerpoint/2010/main">
+    <mc:Choice Requires="p14">
       <p:transition p14:dur="300">
         <p:fade/>
       </p:transition>
     </mc:Choice>
-    <mc:Fallback>
+    <mc:Fallback xmlns="">
       <p:transition>
         <p:fade/>
       </p:transition>
@@ -2636,13 +2772,13 @@
   <p:clrMapOvr>
     <a:masterClrMapping/>
   </p:clrMapOvr>
-  <mc:AlternateContent xmlns:mc="http://schemas.openxmlformats.org/markup-compatibility/2006">
-    <mc:Choice xmlns:p14="http://schemas.microsoft.com/office/powerpoint/2010/main" Requires="p14">
+  <mc:AlternateContent xmlns:mc="http://schemas.openxmlformats.org/markup-compatibility/2006" xmlns:p14="http://schemas.microsoft.com/office/powerpoint/2010/main">
+    <mc:Choice Requires="p14">
       <p:transition p14:dur="300">
         <p:fade/>
       </p:transition>
     </mc:Choice>
-    <mc:Fallback>
+    <mc:Fallback xmlns="">
       <p:transition>
         <p:fade/>
       </p:transition>
@@ -2760,13 +2896,13 @@
   <p:clrMapOvr>
     <a:masterClrMapping/>
   </p:clrMapOvr>
-  <mc:AlternateContent xmlns:mc="http://schemas.openxmlformats.org/markup-compatibility/2006">
-    <mc:Choice xmlns:p14="http://schemas.microsoft.com/office/powerpoint/2010/main" Requires="p14">
+  <mc:AlternateContent xmlns:mc="http://schemas.openxmlformats.org/markup-compatibility/2006" xmlns:p14="http://schemas.microsoft.com/office/powerpoint/2010/main">
+    <mc:Choice Requires="p14">
       <p:transition p14:dur="300">
         <p:fade/>
       </p:transition>
     </mc:Choice>
-    <mc:Fallback>
+    <mc:Fallback xmlns="">
       <p:transition>
         <p:fade/>
       </p:transition>
@@ -2905,13 +3041,13 @@
   <p:clrMapOvr>
     <a:masterClrMapping/>
   </p:clrMapOvr>
-  <mc:AlternateContent xmlns:mc="http://schemas.openxmlformats.org/markup-compatibility/2006">
-    <mc:Choice xmlns:p14="http://schemas.microsoft.com/office/powerpoint/2010/main" Requires="p14">
+  <mc:AlternateContent xmlns:mc="http://schemas.openxmlformats.org/markup-compatibility/2006" xmlns:p14="http://schemas.microsoft.com/office/powerpoint/2010/main">
+    <mc:Choice Requires="p14">
       <p:transition p14:dur="300">
         <p:fade/>
       </p:transition>
     </mc:Choice>
-    <mc:Fallback>
+    <mc:Fallback xmlns="">
       <p:transition>
         <p:fade/>
       </p:transition>
@@ -3062,13 +3198,13 @@
   <p:clrMapOvr>
     <a:masterClrMapping/>
   </p:clrMapOvr>
-  <mc:AlternateContent xmlns:mc="http://schemas.openxmlformats.org/markup-compatibility/2006">
-    <mc:Choice xmlns:p14="http://schemas.microsoft.com/office/powerpoint/2010/main" Requires="p14">
+  <mc:AlternateContent xmlns:mc="http://schemas.openxmlformats.org/markup-compatibility/2006" xmlns:p14="http://schemas.microsoft.com/office/powerpoint/2010/main">
+    <mc:Choice Requires="p14">
       <p:transition p14:dur="300">
         <p:fade/>
       </p:transition>
     </mc:Choice>
-    <mc:Fallback>
+    <mc:Fallback xmlns="">
       <p:transition>
         <p:fade/>
       </p:transition>
@@ -3210,13 +3346,13 @@
   <p:clrMapOvr>
     <a:masterClrMapping/>
   </p:clrMapOvr>
-  <mc:AlternateContent xmlns:mc="http://schemas.openxmlformats.org/markup-compatibility/2006">
-    <mc:Choice xmlns:p14="http://schemas.microsoft.com/office/powerpoint/2010/main" Requires="p14">
+  <mc:AlternateContent xmlns:mc="http://schemas.openxmlformats.org/markup-compatibility/2006" xmlns:p14="http://schemas.microsoft.com/office/powerpoint/2010/main">
+    <mc:Choice Requires="p14">
       <p:transition p14:dur="300">
         <p:fade/>
       </p:transition>
     </mc:Choice>
-    <mc:Fallback>
+    <mc:Fallback xmlns="">
       <p:transition>
         <p:fade/>
       </p:transition>
@@ -3341,13 +3477,13 @@
   <p:clrMapOvr>
     <a:masterClrMapping/>
   </p:clrMapOvr>
-  <mc:AlternateContent xmlns:mc="http://schemas.openxmlformats.org/markup-compatibility/2006">
-    <mc:Choice xmlns:p14="http://schemas.microsoft.com/office/powerpoint/2010/main" Requires="p14">
+  <mc:AlternateContent xmlns:mc="http://schemas.openxmlformats.org/markup-compatibility/2006" xmlns:p14="http://schemas.microsoft.com/office/powerpoint/2010/main">
+    <mc:Choice Requires="p14">
       <p:transition p14:dur="300">
         <p:fade/>
       </p:transition>
     </mc:Choice>
-    <mc:Fallback>
+    <mc:Fallback xmlns="">
       <p:transition>
         <p:fade/>
       </p:transition>
@@ -3465,13 +3601,13 @@
   <p:clrMapOvr>
     <a:masterClrMapping/>
   </p:clrMapOvr>
-  <mc:AlternateContent xmlns:mc="http://schemas.openxmlformats.org/markup-compatibility/2006">
-    <mc:Choice xmlns:p14="http://schemas.microsoft.com/office/powerpoint/2010/main" Requires="p14">
+  <mc:AlternateContent xmlns:mc="http://schemas.openxmlformats.org/markup-compatibility/2006" xmlns:p14="http://schemas.microsoft.com/office/powerpoint/2010/main">
+    <mc:Choice Requires="p14">
       <p:transition p14:dur="300">
         <p:fade/>
       </p:transition>
     </mc:Choice>
-    <mc:Fallback>
+    <mc:Fallback xmlns="">
       <p:transition>
         <p:fade/>
       </p:transition>
@@ -3588,13 +3724,13 @@
   <p:clrMapOvr>
     <a:masterClrMapping/>
   </p:clrMapOvr>
-  <mc:AlternateContent xmlns:mc="http://schemas.openxmlformats.org/markup-compatibility/2006">
-    <mc:Choice xmlns:p14="http://schemas.microsoft.com/office/powerpoint/2010/main" Requires="p14">
+  <mc:AlternateContent xmlns:mc="http://schemas.openxmlformats.org/markup-compatibility/2006" xmlns:p14="http://schemas.microsoft.com/office/powerpoint/2010/main">
+    <mc:Choice Requires="p14">
       <p:transition p14:dur="300">
         <p:fade/>
       </p:transition>
     </mc:Choice>
-    <mc:Fallback>
+    <mc:Fallback xmlns="">
       <p:transition>
         <p:fade/>
       </p:transition>
@@ -3712,13 +3848,13 @@
   <p:clrMapOvr>
     <a:masterClrMapping/>
   </p:clrMapOvr>
-  <mc:AlternateContent xmlns:mc="http://schemas.openxmlformats.org/markup-compatibility/2006">
-    <mc:Choice xmlns:p14="http://schemas.microsoft.com/office/powerpoint/2010/main" Requires="p14">
+  <mc:AlternateContent xmlns:mc="http://schemas.openxmlformats.org/markup-compatibility/2006" xmlns:p14="http://schemas.microsoft.com/office/powerpoint/2010/main">
+    <mc:Choice Requires="p14">
       <p:transition p14:dur="300">
         <p:fade/>
       </p:transition>
     </mc:Choice>
-    <mc:Fallback>
+    <mc:Fallback xmlns="">
       <p:transition>
         <p:fade/>
       </p:transition>
@@ -3836,13 +3972,13 @@
   <p:clrMapOvr>
     <a:masterClrMapping/>
   </p:clrMapOvr>
-  <mc:AlternateContent xmlns:mc="http://schemas.openxmlformats.org/markup-compatibility/2006">
-    <mc:Choice xmlns:p14="http://schemas.microsoft.com/office/powerpoint/2010/main" Requires="p14">
+  <mc:AlternateContent xmlns:mc="http://schemas.openxmlformats.org/markup-compatibility/2006" xmlns:p14="http://schemas.microsoft.com/office/powerpoint/2010/main">
+    <mc:Choice Requires="p14">
       <p:transition p14:dur="300">
         <p:fade/>
       </p:transition>
     </mc:Choice>
-    <mc:Fallback>
+    <mc:Fallback xmlns="">
       <p:transition>
         <p:fade/>
       </p:transition>
@@ -3960,13 +4096,13 @@
   <p:clrMapOvr>
     <a:masterClrMapping/>
   </p:clrMapOvr>
-  <mc:AlternateContent xmlns:mc="http://schemas.openxmlformats.org/markup-compatibility/2006">
-    <mc:Choice xmlns:p14="http://schemas.microsoft.com/office/powerpoint/2010/main" Requires="p14">
+  <mc:AlternateContent xmlns:mc="http://schemas.openxmlformats.org/markup-compatibility/2006" xmlns:p14="http://schemas.microsoft.com/office/powerpoint/2010/main">
+    <mc:Choice Requires="p14">
       <p:transition p14:dur="300">
         <p:fade/>
       </p:transition>
     </mc:Choice>
-    <mc:Fallback>
+    <mc:Fallback xmlns="">
       <p:transition>
         <p:fade/>
       </p:transition>
@@ -4105,13 +4241,13 @@
   <p:clrMapOvr>
     <a:masterClrMapping/>
   </p:clrMapOvr>
-  <mc:AlternateContent xmlns:mc="http://schemas.openxmlformats.org/markup-compatibility/2006">
-    <mc:Choice xmlns:p14="http://schemas.microsoft.com/office/powerpoint/2010/main" Requires="p14">
+  <mc:AlternateContent xmlns:mc="http://schemas.openxmlformats.org/markup-compatibility/2006" xmlns:p14="http://schemas.microsoft.com/office/powerpoint/2010/main">
+    <mc:Choice Requires="p14">
       <p:transition p14:dur="300">
         <p:fade/>
       </p:transition>
     </mc:Choice>
-    <mc:Fallback>
+    <mc:Fallback xmlns="">
       <p:transition>
         <p:fade/>
       </p:transition>
@@ -4206,13 +4342,13 @@
   <p:clrMapOvr>
     <a:masterClrMapping/>
   </p:clrMapOvr>
-  <mc:AlternateContent xmlns:mc="http://schemas.openxmlformats.org/markup-compatibility/2006">
-    <mc:Choice xmlns:p14="http://schemas.microsoft.com/office/powerpoint/2010/main" Requires="p14">
+  <mc:AlternateContent xmlns:mc="http://schemas.openxmlformats.org/markup-compatibility/2006" xmlns:p14="http://schemas.microsoft.com/office/powerpoint/2010/main">
+    <mc:Choice Requires="p14">
       <p:transition p14:dur="300">
         <p:fade/>
       </p:transition>
     </mc:Choice>
-    <mc:Fallback>
+    <mc:Fallback xmlns="">
       <p:transition>
         <p:fade/>
       </p:transition>
@@ -4343,13 +4479,13 @@
   <p:clrMapOvr>
     <a:masterClrMapping/>
   </p:clrMapOvr>
-  <mc:AlternateContent xmlns:mc="http://schemas.openxmlformats.org/markup-compatibility/2006">
-    <mc:Choice xmlns:p14="http://schemas.microsoft.com/office/powerpoint/2010/main" Requires="p14">
+  <mc:AlternateContent xmlns:mc="http://schemas.openxmlformats.org/markup-compatibility/2006" xmlns:p14="http://schemas.microsoft.com/office/powerpoint/2010/main">
+    <mc:Choice Requires="p14">
       <p:transition p14:dur="300">
         <p:fade/>
       </p:transition>
     </mc:Choice>
-    <mc:Fallback>
+    <mc:Fallback xmlns="">
       <p:transition>
         <p:fade/>
       </p:transition>
@@ -4494,13 +4630,13 @@
   <p:clrMapOvr>
     <a:masterClrMapping/>
   </p:clrMapOvr>
-  <mc:AlternateContent xmlns:mc="http://schemas.openxmlformats.org/markup-compatibility/2006">
-    <mc:Choice xmlns:p14="http://schemas.microsoft.com/office/powerpoint/2010/main" Requires="p14">
+  <mc:AlternateContent xmlns:mc="http://schemas.openxmlformats.org/markup-compatibility/2006" xmlns:p14="http://schemas.microsoft.com/office/powerpoint/2010/main">
+    <mc:Choice Requires="p14">
       <p:transition p14:dur="300">
         <p:fade/>
       </p:transition>
     </mc:Choice>
-    <mc:Fallback>
+    <mc:Fallback xmlns="">
       <p:transition>
         <p:fade/>
       </p:transition>
@@ -4638,13 +4774,13 @@
   <p:clrMapOvr>
     <a:masterClrMapping/>
   </p:clrMapOvr>
-  <mc:AlternateContent xmlns:mc="http://schemas.openxmlformats.org/markup-compatibility/2006">
-    <mc:Choice xmlns:p14="http://schemas.microsoft.com/office/powerpoint/2010/main" Requires="p14">
+  <mc:AlternateContent xmlns:mc="http://schemas.openxmlformats.org/markup-compatibility/2006" xmlns:p14="http://schemas.microsoft.com/office/powerpoint/2010/main">
+    <mc:Choice Requires="p14">
       <p:transition p14:dur="300">
         <p:fade/>
       </p:transition>
     </mc:Choice>
-    <mc:Fallback>
+    <mc:Fallback xmlns="">
       <p:transition>
         <p:fade/>
       </p:transition>
@@ -4782,13 +4918,13 @@
   <p:clrMapOvr>
     <a:masterClrMapping/>
   </p:clrMapOvr>
-  <mc:AlternateContent xmlns:mc="http://schemas.openxmlformats.org/markup-compatibility/2006">
-    <mc:Choice xmlns:p14="http://schemas.microsoft.com/office/powerpoint/2010/main" Requires="p14">
+  <mc:AlternateContent xmlns:mc="http://schemas.openxmlformats.org/markup-compatibility/2006" xmlns:p14="http://schemas.microsoft.com/office/powerpoint/2010/main">
+    <mc:Choice Requires="p14">
       <p:transition p14:dur="300">
         <p:fade/>
       </p:transition>
     </mc:Choice>
-    <mc:Fallback>
+    <mc:Fallback xmlns="">
       <p:transition>
         <p:fade/>
       </p:transition>
@@ -4927,13 +5063,13 @@
   <p:clrMapOvr>
     <a:masterClrMapping/>
   </p:clrMapOvr>
-  <mc:AlternateContent xmlns:mc="http://schemas.openxmlformats.org/markup-compatibility/2006">
-    <mc:Choice xmlns:p14="http://schemas.microsoft.com/office/powerpoint/2010/main" Requires="p14">
+  <mc:AlternateContent xmlns:mc="http://schemas.openxmlformats.org/markup-compatibility/2006" xmlns:p14="http://schemas.microsoft.com/office/powerpoint/2010/main">
+    <mc:Choice Requires="p14">
       <p:transition p14:dur="300">
         <p:fade/>
       </p:transition>
     </mc:Choice>
-    <mc:Fallback>
+    <mc:Fallback xmlns="">
       <p:transition>
         <p:fade/>
       </p:transition>
@@ -5061,13 +5197,13 @@
   <p:clrMapOvr>
     <a:masterClrMapping/>
   </p:clrMapOvr>
-  <mc:AlternateContent xmlns:mc="http://schemas.openxmlformats.org/markup-compatibility/2006">
-    <mc:Choice xmlns:p14="http://schemas.microsoft.com/office/powerpoint/2010/main" Requires="p14">
+  <mc:AlternateContent xmlns:mc="http://schemas.openxmlformats.org/markup-compatibility/2006" xmlns:p14="http://schemas.microsoft.com/office/powerpoint/2010/main">
+    <mc:Choice Requires="p14">
       <p:transition p14:dur="300">
         <p:fade/>
       </p:transition>
     </mc:Choice>
-    <mc:Fallback>
+    <mc:Fallback xmlns="">
       <p:transition>
         <p:fade/>
       </p:transition>
@@ -5205,13 +5341,13 @@
   <p:clrMapOvr>
     <a:masterClrMapping/>
   </p:clrMapOvr>
-  <mc:AlternateContent xmlns:mc="http://schemas.openxmlformats.org/markup-compatibility/2006">
-    <mc:Choice xmlns:p14="http://schemas.microsoft.com/office/powerpoint/2010/main" Requires="p14">
+  <mc:AlternateContent xmlns:mc="http://schemas.openxmlformats.org/markup-compatibility/2006" xmlns:p14="http://schemas.microsoft.com/office/powerpoint/2010/main">
+    <mc:Choice Requires="p14">
       <p:transition p14:dur="300">
         <p:fade/>
       </p:transition>
     </mc:Choice>
-    <mc:Fallback>
+    <mc:Fallback xmlns="">
       <p:transition>
         <p:fade/>
       </p:transition>
@@ -5328,13 +5464,13 @@
   <p:clrMapOvr>
     <a:masterClrMapping/>
   </p:clrMapOvr>
-  <mc:AlternateContent xmlns:mc="http://schemas.openxmlformats.org/markup-compatibility/2006">
-    <mc:Choice xmlns:p14="http://schemas.microsoft.com/office/powerpoint/2010/main" Requires="p14">
+  <mc:AlternateContent xmlns:mc="http://schemas.openxmlformats.org/markup-compatibility/2006" xmlns:p14="http://schemas.microsoft.com/office/powerpoint/2010/main">
+    <mc:Choice Requires="p14">
       <p:transition p14:dur="300">
         <p:fade/>
       </p:transition>
     </mc:Choice>
-    <mc:Fallback>
+    <mc:Fallback xmlns="">
       <p:transition>
         <p:fade/>
       </p:transition>
@@ -5486,13 +5622,13 @@
   <p:clrMapOvr>
     <a:masterClrMapping/>
   </p:clrMapOvr>
-  <mc:AlternateContent xmlns:mc="http://schemas.openxmlformats.org/markup-compatibility/2006">
-    <mc:Choice xmlns:p14="http://schemas.microsoft.com/office/powerpoint/2010/main" Requires="p14">
+  <mc:AlternateContent xmlns:mc="http://schemas.openxmlformats.org/markup-compatibility/2006" xmlns:p14="http://schemas.microsoft.com/office/powerpoint/2010/main">
+    <mc:Choice Requires="p14">
       <p:transition p14:dur="300">
         <p:fade/>
       </p:transition>
     </mc:Choice>
-    <mc:Fallback>
+    <mc:Fallback xmlns="">
       <p:transition>
         <p:fade/>
       </p:transition>
@@ -5609,13 +5745,13 @@
   <p:clrMapOvr>
     <a:masterClrMapping/>
   </p:clrMapOvr>
-  <mc:AlternateContent xmlns:mc="http://schemas.openxmlformats.org/markup-compatibility/2006">
-    <mc:Choice xmlns:p14="http://schemas.microsoft.com/office/powerpoint/2010/main" Requires="p14">
+  <mc:AlternateContent xmlns:mc="http://schemas.openxmlformats.org/markup-compatibility/2006" xmlns:p14="http://schemas.microsoft.com/office/powerpoint/2010/main">
+    <mc:Choice Requires="p14">
       <p:transition p14:dur="300">
         <p:fade/>
       </p:transition>
     </mc:Choice>
-    <mc:Fallback>
+    <mc:Fallback xmlns="">
       <p:transition>
         <p:fade/>
       </p:transition>
@@ -5724,13 +5860,13 @@
   <p:clrMapOvr>
     <a:masterClrMapping/>
   </p:clrMapOvr>
-  <mc:AlternateContent xmlns:mc="http://schemas.openxmlformats.org/markup-compatibility/2006">
-    <mc:Choice xmlns:p14="http://schemas.microsoft.com/office/powerpoint/2010/main" Requires="p14">
+  <mc:AlternateContent xmlns:mc="http://schemas.openxmlformats.org/markup-compatibility/2006" xmlns:p14="http://schemas.microsoft.com/office/powerpoint/2010/main">
+    <mc:Choice Requires="p14">
       <p:transition p14:dur="300">
         <p:fade/>
       </p:transition>
     </mc:Choice>
-    <mc:Fallback>
+    <mc:Fallback xmlns="">
       <p:transition>
         <p:fade/>
       </p:transition>
@@ -5829,13 +5965,13 @@
   <p:clrMapOvr>
     <a:masterClrMapping/>
   </p:clrMapOvr>
-  <mc:AlternateContent xmlns:mc="http://schemas.openxmlformats.org/markup-compatibility/2006">
-    <mc:Choice xmlns:p14="http://schemas.microsoft.com/office/powerpoint/2010/main" Requires="p14">
+  <mc:AlternateContent xmlns:mc="http://schemas.openxmlformats.org/markup-compatibility/2006" xmlns:p14="http://schemas.microsoft.com/office/powerpoint/2010/main">
+    <mc:Choice Requires="p14">
       <p:transition p14:dur="300">
         <p:fade/>
       </p:transition>
     </mc:Choice>
-    <mc:Fallback>
+    <mc:Fallback xmlns="">
       <p:transition>
         <p:fade/>
       </p:transition>
@@ -5986,13 +6122,13 @@
   <p:clrMapOvr>
     <a:masterClrMapping/>
   </p:clrMapOvr>
-  <mc:AlternateContent xmlns:mc="http://schemas.openxmlformats.org/markup-compatibility/2006">
-    <mc:Choice xmlns:p14="http://schemas.microsoft.com/office/powerpoint/2010/main" Requires="p14">
+  <mc:AlternateContent xmlns:mc="http://schemas.openxmlformats.org/markup-compatibility/2006" xmlns:p14="http://schemas.microsoft.com/office/powerpoint/2010/main">
+    <mc:Choice Requires="p14">
       <p:transition p14:dur="300">
         <p:fade/>
       </p:transition>
     </mc:Choice>
-    <mc:Fallback>
+    <mc:Fallback xmlns="">
       <p:transition>
         <p:fade/>
       </p:transition>
@@ -6126,13 +6262,13 @@
   <p:clrMapOvr>
     <a:masterClrMapping/>
   </p:clrMapOvr>
-  <mc:AlternateContent xmlns:mc="http://schemas.openxmlformats.org/markup-compatibility/2006">
-    <mc:Choice xmlns:p14="http://schemas.microsoft.com/office/powerpoint/2010/main" Requires="p14">
+  <mc:AlternateContent xmlns:mc="http://schemas.openxmlformats.org/markup-compatibility/2006" xmlns:p14="http://schemas.microsoft.com/office/powerpoint/2010/main">
+    <mc:Choice Requires="p14">
       <p:transition p14:dur="300">
         <p:fade/>
       </p:transition>
     </mc:Choice>
-    <mc:Fallback>
+    <mc:Fallback xmlns="">
       <p:transition>
         <p:fade/>
       </p:transition>
@@ -6258,13 +6394,13 @@
   <p:clrMapOvr>
     <a:masterClrMapping/>
   </p:clrMapOvr>
-  <mc:AlternateContent xmlns:mc="http://schemas.openxmlformats.org/markup-compatibility/2006">
-    <mc:Choice xmlns:p14="http://schemas.microsoft.com/office/powerpoint/2010/main" Requires="p14">
+  <mc:AlternateContent xmlns:mc="http://schemas.openxmlformats.org/markup-compatibility/2006" xmlns:p14="http://schemas.microsoft.com/office/powerpoint/2010/main">
+    <mc:Choice Requires="p14">
       <p:transition p14:dur="300">
         <p:fade/>
       </p:transition>
     </mc:Choice>
-    <mc:Fallback>
+    <mc:Fallback xmlns="">
       <p:transition>
         <p:fade/>
       </p:transition>
@@ -6381,13 +6517,13 @@
   <p:clrMapOvr>
     <a:masterClrMapping/>
   </p:clrMapOvr>
-  <mc:AlternateContent xmlns:mc="http://schemas.openxmlformats.org/markup-compatibility/2006">
-    <mc:Choice xmlns:p14="http://schemas.microsoft.com/office/powerpoint/2010/main" Requires="p14">
+  <mc:AlternateContent xmlns:mc="http://schemas.openxmlformats.org/markup-compatibility/2006" xmlns:p14="http://schemas.microsoft.com/office/powerpoint/2010/main">
+    <mc:Choice Requires="p14">
       <p:transition p14:dur="300">
         <p:fade/>
       </p:transition>
     </mc:Choice>
-    <mc:Fallback>
+    <mc:Fallback xmlns="">
       <p:transition>
         <p:fade/>
       </p:transition>
@@ -6505,13 +6641,13 @@
   <p:clrMapOvr>
     <a:masterClrMapping/>
   </p:clrMapOvr>
-  <mc:AlternateContent xmlns:mc="http://schemas.openxmlformats.org/markup-compatibility/2006">
-    <mc:Choice xmlns:p14="http://schemas.microsoft.com/office/powerpoint/2010/main" Requires="p14">
+  <mc:AlternateContent xmlns:mc="http://schemas.openxmlformats.org/markup-compatibility/2006" xmlns:p14="http://schemas.microsoft.com/office/powerpoint/2010/main">
+    <mc:Choice Requires="p14">
       <p:transition p14:dur="300">
         <p:fade/>
       </p:transition>
     </mc:Choice>
-    <mc:Fallback>
+    <mc:Fallback xmlns="">
       <p:transition>
         <p:fade/>
       </p:transition>
@@ -6629,13 +6765,13 @@
   <p:clrMapOvr>
     <a:masterClrMapping/>
   </p:clrMapOvr>
-  <mc:AlternateContent xmlns:mc="http://schemas.openxmlformats.org/markup-compatibility/2006">
-    <mc:Choice xmlns:p14="http://schemas.microsoft.com/office/powerpoint/2010/main" Requires="p14">
+  <mc:AlternateContent xmlns:mc="http://schemas.openxmlformats.org/markup-compatibility/2006" xmlns:p14="http://schemas.microsoft.com/office/powerpoint/2010/main">
+    <mc:Choice Requires="p14">
       <p:transition p14:dur="300">
         <p:fade/>
       </p:transition>
     </mc:Choice>
-    <mc:Fallback>
+    <mc:Fallback xmlns="">
       <p:transition>
         <p:fade/>
       </p:transition>
@@ -6753,13 +6889,13 @@
   <p:clrMapOvr>
     <a:masterClrMapping/>
   </p:clrMapOvr>
-  <mc:AlternateContent xmlns:mc="http://schemas.openxmlformats.org/markup-compatibility/2006">
-    <mc:Choice xmlns:p14="http://schemas.microsoft.com/office/powerpoint/2010/main" Requires="p14">
+  <mc:AlternateContent xmlns:mc="http://schemas.openxmlformats.org/markup-compatibility/2006" xmlns:p14="http://schemas.microsoft.com/office/powerpoint/2010/main">
+    <mc:Choice Requires="p14">
       <p:transition p14:dur="300">
         <p:fade/>
       </p:transition>
     </mc:Choice>
-    <mc:Fallback>
+    <mc:Fallback xmlns="">
       <p:transition>
         <p:fade/>
       </p:transition>
@@ -6868,13 +7004,13 @@
   <p:clrMapOvr>
     <a:masterClrMapping/>
   </p:clrMapOvr>
-  <mc:AlternateContent xmlns:mc="http://schemas.openxmlformats.org/markup-compatibility/2006">
-    <mc:Choice xmlns:p14="http://schemas.microsoft.com/office/powerpoint/2010/main" Requires="p14">
+  <mc:AlternateContent xmlns:mc="http://schemas.openxmlformats.org/markup-compatibility/2006" xmlns:p14="http://schemas.microsoft.com/office/powerpoint/2010/main">
+    <mc:Choice Requires="p14">
       <p:transition p14:dur="300">
         <p:fade/>
       </p:transition>
     </mc:Choice>
-    <mc:Fallback>
+    <mc:Fallback xmlns="">
       <p:transition>
         <p:fade/>
       </p:transition>
@@ -7013,13 +7149,13 @@
   <p:clrMapOvr>
     <a:masterClrMapping/>
   </p:clrMapOvr>
-  <mc:AlternateContent xmlns:mc="http://schemas.openxmlformats.org/markup-compatibility/2006">
-    <mc:Choice xmlns:p14="http://schemas.microsoft.com/office/powerpoint/2010/main" Requires="p14">
+  <mc:AlternateContent xmlns:mc="http://schemas.openxmlformats.org/markup-compatibility/2006" xmlns:p14="http://schemas.microsoft.com/office/powerpoint/2010/main">
+    <mc:Choice Requires="p14">
       <p:transition p14:dur="300">
         <p:fade/>
       </p:transition>
     </mc:Choice>
-    <mc:Fallback>
+    <mc:Fallback xmlns="">
       <p:transition>
         <p:fade/>
       </p:transition>
@@ -7169,13 +7305,13 @@
   <p:clrMapOvr>
     <a:masterClrMapping/>
   </p:clrMapOvr>
-  <mc:AlternateContent xmlns:mc="http://schemas.openxmlformats.org/markup-compatibility/2006">
-    <mc:Choice xmlns:p14="http://schemas.microsoft.com/office/powerpoint/2010/main" Requires="p14">
+  <mc:AlternateContent xmlns:mc="http://schemas.openxmlformats.org/markup-compatibility/2006" xmlns:p14="http://schemas.microsoft.com/office/powerpoint/2010/main">
+    <mc:Choice Requires="p14">
       <p:transition p14:dur="300">
         <p:fade/>
       </p:transition>
     </mc:Choice>
-    <mc:Fallback>
+    <mc:Fallback xmlns="">
       <p:transition>
         <p:fade/>
       </p:transition>
@@ -7297,13 +7433,13 @@
   <p:clrMapOvr>
     <a:masterClrMapping/>
   </p:clrMapOvr>
-  <mc:AlternateContent xmlns:mc="http://schemas.openxmlformats.org/markup-compatibility/2006">
-    <mc:Choice xmlns:p14="http://schemas.microsoft.com/office/powerpoint/2010/main" Requires="p14">
+  <mc:AlternateContent xmlns:mc="http://schemas.openxmlformats.org/markup-compatibility/2006" xmlns:p14="http://schemas.microsoft.com/office/powerpoint/2010/main">
+    <mc:Choice Requires="p14">
       <p:transition p14:dur="300">
         <p:fade/>
       </p:transition>
     </mc:Choice>
-    <mc:Fallback>
+    <mc:Fallback xmlns="">
       <p:transition>
         <p:fade/>
       </p:transition>
@@ -7428,13 +7564,13 @@
   <p:clrMapOvr>
     <a:masterClrMapping/>
   </p:clrMapOvr>
-  <mc:AlternateContent xmlns:mc="http://schemas.openxmlformats.org/markup-compatibility/2006">
-    <mc:Choice xmlns:p14="http://schemas.microsoft.com/office/powerpoint/2010/main" Requires="p14">
+  <mc:AlternateContent xmlns:mc="http://schemas.openxmlformats.org/markup-compatibility/2006" xmlns:p14="http://schemas.microsoft.com/office/powerpoint/2010/main">
+    <mc:Choice Requires="p14">
       <p:transition p14:dur="300">
         <p:fade/>
       </p:transition>
     </mc:Choice>
-    <mc:Fallback>
+    <mc:Fallback xmlns="">
       <p:transition>
         <p:fade/>
       </p:transition>
@@ -7568,13 +7704,13 @@
   <p:clrMapOvr>
     <a:masterClrMapping/>
   </p:clrMapOvr>
-  <mc:AlternateContent xmlns:mc="http://schemas.openxmlformats.org/markup-compatibility/2006">
-    <mc:Choice xmlns:p14="http://schemas.microsoft.com/office/powerpoint/2010/main" Requires="p14">
+  <mc:AlternateContent xmlns:mc="http://schemas.openxmlformats.org/markup-compatibility/2006" xmlns:p14="http://schemas.microsoft.com/office/powerpoint/2010/main">
+    <mc:Choice Requires="p14">
       <p:transition p14:dur="300">
         <p:fade/>
       </p:transition>
     </mc:Choice>
-    <mc:Fallback>
+    <mc:Fallback xmlns="">
       <p:transition>
         <p:fade/>
       </p:transition>
@@ -7692,13 +7828,13 @@
   <p:clrMapOvr>
     <a:masterClrMapping/>
   </p:clrMapOvr>
-  <mc:AlternateContent xmlns:mc="http://schemas.openxmlformats.org/markup-compatibility/2006">
-    <mc:Choice xmlns:p14="http://schemas.microsoft.com/office/powerpoint/2010/main" Requires="p14">
+  <mc:AlternateContent xmlns:mc="http://schemas.openxmlformats.org/markup-compatibility/2006" xmlns:p14="http://schemas.microsoft.com/office/powerpoint/2010/main">
+    <mc:Choice Requires="p14">
       <p:transition p14:dur="300">
         <p:fade/>
       </p:transition>
     </mc:Choice>
-    <mc:Fallback>
+    <mc:Fallback xmlns="">
       <p:transition>
         <p:fade/>
       </p:transition>
@@ -7836,13 +7972,13 @@
   <p:clrMapOvr>
     <a:masterClrMapping/>
   </p:clrMapOvr>
-  <mc:AlternateContent xmlns:mc="http://schemas.openxmlformats.org/markup-compatibility/2006">
-    <mc:Choice xmlns:p14="http://schemas.microsoft.com/office/powerpoint/2010/main" Requires="p14">
+  <mc:AlternateContent xmlns:mc="http://schemas.openxmlformats.org/markup-compatibility/2006" xmlns:p14="http://schemas.microsoft.com/office/powerpoint/2010/main">
+    <mc:Choice Requires="p14">
       <p:transition p14:dur="300">
         <p:fade/>
       </p:transition>
     </mc:Choice>
-    <mc:Fallback>
+    <mc:Fallback xmlns="">
       <p:transition>
         <p:fade/>
       </p:transition>
@@ -7988,13 +8124,13 @@
   <p:clrMapOvr>
     <a:masterClrMapping/>
   </p:clrMapOvr>
-  <mc:AlternateContent xmlns:mc="http://schemas.openxmlformats.org/markup-compatibility/2006">
-    <mc:Choice xmlns:p14="http://schemas.microsoft.com/office/powerpoint/2010/main" Requires="p14">
+  <mc:AlternateContent xmlns:mc="http://schemas.openxmlformats.org/markup-compatibility/2006" xmlns:p14="http://schemas.microsoft.com/office/powerpoint/2010/main">
+    <mc:Choice Requires="p14">
       <p:transition p14:dur="300">
         <p:fade/>
       </p:transition>
     </mc:Choice>
-    <mc:Fallback>
+    <mc:Fallback xmlns="">
       <p:transition>
         <p:fade/>
       </p:transition>
@@ -8128,13 +8264,13 @@
   <p:clrMapOvr>
     <a:masterClrMapping/>
   </p:clrMapOvr>
-  <mc:AlternateContent xmlns:mc="http://schemas.openxmlformats.org/markup-compatibility/2006">
-    <mc:Choice xmlns:p14="http://schemas.microsoft.com/office/powerpoint/2010/main" Requires="p14">
+  <mc:AlternateContent xmlns:mc="http://schemas.openxmlformats.org/markup-compatibility/2006" xmlns:p14="http://schemas.microsoft.com/office/powerpoint/2010/main">
+    <mc:Choice Requires="p14">
       <p:transition p14:dur="300">
         <p:fade/>
       </p:transition>
     </mc:Choice>
-    <mc:Fallback>
+    <mc:Fallback xmlns="">
       <p:transition>
         <p:fade/>
       </p:transition>
@@ -8264,13 +8400,13 @@
   <p:clrMapOvr>
     <a:masterClrMapping/>
   </p:clrMapOvr>
-  <mc:AlternateContent xmlns:mc="http://schemas.openxmlformats.org/markup-compatibility/2006">
-    <mc:Choice xmlns:p14="http://schemas.microsoft.com/office/powerpoint/2010/main" Requires="p14">
+  <mc:AlternateContent xmlns:mc="http://schemas.openxmlformats.org/markup-compatibility/2006" xmlns:p14="http://schemas.microsoft.com/office/powerpoint/2010/main">
+    <mc:Choice Requires="p14">
       <p:transition p14:dur="300">
         <p:fade/>
       </p:transition>
     </mc:Choice>
-    <mc:Fallback>
+    <mc:Fallback xmlns="">
       <p:transition>
         <p:fade/>
       </p:transition>
@@ -8389,13 +8525,13 @@
   <p:clrMapOvr>
     <a:masterClrMapping/>
   </p:clrMapOvr>
-  <mc:AlternateContent xmlns:mc="http://schemas.openxmlformats.org/markup-compatibility/2006">
-    <mc:Choice xmlns:p14="http://schemas.microsoft.com/office/powerpoint/2010/main" Requires="p14">
+  <mc:AlternateContent xmlns:mc="http://schemas.openxmlformats.org/markup-compatibility/2006" xmlns:p14="http://schemas.microsoft.com/office/powerpoint/2010/main">
+    <mc:Choice Requires="p14">
       <p:transition p14:dur="300">
         <p:fade/>
       </p:transition>
     </mc:Choice>
-    <mc:Fallback>
+    <mc:Fallback xmlns="">
       <p:transition>
         <p:fade/>
       </p:transition>
@@ -8512,13 +8648,13 @@
   <p:clrMapOvr>
     <a:masterClrMapping/>
   </p:clrMapOvr>
-  <mc:AlternateContent xmlns:mc="http://schemas.openxmlformats.org/markup-compatibility/2006">
-    <mc:Choice xmlns:p14="http://schemas.microsoft.com/office/powerpoint/2010/main" Requires="p14">
+  <mc:AlternateContent xmlns:mc="http://schemas.openxmlformats.org/markup-compatibility/2006" xmlns:p14="http://schemas.microsoft.com/office/powerpoint/2010/main">
+    <mc:Choice Requires="p14">
       <p:transition p14:dur="300">
         <p:fade/>
       </p:transition>
     </mc:Choice>
-    <mc:Fallback>
+    <mc:Fallback xmlns="">
       <p:transition>
         <p:fade/>
       </p:transition>
@@ -8636,13 +8772,13 @@
   <p:clrMapOvr>
     <a:masterClrMapping/>
   </p:clrMapOvr>
-  <mc:AlternateContent xmlns:mc="http://schemas.openxmlformats.org/markup-compatibility/2006">
-    <mc:Choice xmlns:p14="http://schemas.microsoft.com/office/powerpoint/2010/main" Requires="p14">
+  <mc:AlternateContent xmlns:mc="http://schemas.openxmlformats.org/markup-compatibility/2006" xmlns:p14="http://schemas.microsoft.com/office/powerpoint/2010/main">
+    <mc:Choice Requires="p14">
       <p:transition p14:dur="300">
         <p:fade/>
       </p:transition>
     </mc:Choice>
-    <mc:Fallback>
+    <mc:Fallback xmlns="">
       <p:transition>
         <p:fade/>
       </p:transition>
@@ -8760,13 +8896,13 @@
   <p:clrMapOvr>
     <a:masterClrMapping/>
   </p:clrMapOvr>
-  <mc:AlternateContent xmlns:mc="http://schemas.openxmlformats.org/markup-compatibility/2006">
-    <mc:Choice xmlns:p14="http://schemas.microsoft.com/office/powerpoint/2010/main" Requires="p14">
+  <mc:AlternateContent xmlns:mc="http://schemas.openxmlformats.org/markup-compatibility/2006" xmlns:p14="http://schemas.microsoft.com/office/powerpoint/2010/main">
+    <mc:Choice Requires="p14">
       <p:transition p14:dur="300">
         <p:fade/>
       </p:transition>
     </mc:Choice>
-    <mc:Fallback>
+    <mc:Fallback xmlns="">
       <p:transition>
         <p:fade/>
       </p:transition>
@@ -8884,13 +9020,13 @@
   <p:clrMapOvr>
     <a:masterClrMapping/>
   </p:clrMapOvr>
-  <mc:AlternateContent xmlns:mc="http://schemas.openxmlformats.org/markup-compatibility/2006">
-    <mc:Choice xmlns:p14="http://schemas.microsoft.com/office/powerpoint/2010/main" Requires="p14">
+  <mc:AlternateContent xmlns:mc="http://schemas.openxmlformats.org/markup-compatibility/2006" xmlns:p14="http://schemas.microsoft.com/office/powerpoint/2010/main">
+    <mc:Choice Requires="p14">
       <p:transition p14:dur="300">
         <p:fade/>
       </p:transition>
     </mc:Choice>
-    <mc:Fallback>
+    <mc:Fallback xmlns="">
       <p:transition>
         <p:fade/>
       </p:transition>
@@ -9029,13 +9165,13 @@
   <p:clrMapOvr>
     <a:masterClrMapping/>
   </p:clrMapOvr>
-  <mc:AlternateContent xmlns:mc="http://schemas.openxmlformats.org/markup-compatibility/2006">
-    <mc:Choice xmlns:p14="http://schemas.microsoft.com/office/powerpoint/2010/main" Requires="p14">
+  <mc:AlternateContent xmlns:mc="http://schemas.openxmlformats.org/markup-compatibility/2006" xmlns:p14="http://schemas.microsoft.com/office/powerpoint/2010/main">
+    <mc:Choice Requires="p14">
       <p:transition p14:dur="300">
         <p:fade/>
       </p:transition>
     </mc:Choice>
-    <mc:Fallback>
+    <mc:Fallback xmlns="">
       <p:transition>
         <p:fade/>
       </p:transition>
@@ -9201,13 +9337,13 @@
   <p:clrMapOvr>
     <a:masterClrMapping/>
   </p:clrMapOvr>
-  <mc:AlternateContent xmlns:mc="http://schemas.openxmlformats.org/markup-compatibility/2006">
-    <mc:Choice xmlns:p14="http://schemas.microsoft.com/office/powerpoint/2010/main" Requires="p14">
+  <mc:AlternateContent xmlns:mc="http://schemas.openxmlformats.org/markup-compatibility/2006" xmlns:p14="http://schemas.microsoft.com/office/powerpoint/2010/main">
+    <mc:Choice Requires="p14">
       <p:transition p14:dur="300">
         <p:fade/>
       </p:transition>
     </mc:Choice>
-    <mc:Fallback>
+    <mc:Fallback xmlns="">
       <p:transition>
         <p:fade/>
       </p:transition>
@@ -9341,13 +9477,13 @@
   <p:clrMapOvr>
     <a:masterClrMapping/>
   </p:clrMapOvr>
-  <mc:AlternateContent xmlns:mc="http://schemas.openxmlformats.org/markup-compatibility/2006">
-    <mc:Choice xmlns:p14="http://schemas.microsoft.com/office/powerpoint/2010/main" Requires="p14">
+  <mc:AlternateContent xmlns:mc="http://schemas.openxmlformats.org/markup-compatibility/2006" xmlns:p14="http://schemas.microsoft.com/office/powerpoint/2010/main">
+    <mc:Choice Requires="p14">
       <p:transition p14:dur="300">
         <p:fade/>
       </p:transition>
     </mc:Choice>
-    <mc:Fallback>
+    <mc:Fallback xmlns="">
       <p:transition>
         <p:fade/>
       </p:transition>
@@ -9472,13 +9608,13 @@
   <p:clrMapOvr>
     <a:masterClrMapping/>
   </p:clrMapOvr>
-  <mc:AlternateContent xmlns:mc="http://schemas.openxmlformats.org/markup-compatibility/2006">
-    <mc:Choice xmlns:p14="http://schemas.microsoft.com/office/powerpoint/2010/main" Requires="p14">
+  <mc:AlternateContent xmlns:mc="http://schemas.openxmlformats.org/markup-compatibility/2006" xmlns:p14="http://schemas.microsoft.com/office/powerpoint/2010/main">
+    <mc:Choice Requires="p14">
       <p:transition p14:dur="300">
         <p:fade/>
       </p:transition>
     </mc:Choice>
-    <mc:Fallback>
+    <mc:Fallback xmlns="">
       <p:transition>
         <p:fade/>
       </p:transition>
@@ -9595,13 +9731,13 @@
   <p:clrMapOvr>
     <a:masterClrMapping/>
   </p:clrMapOvr>
-  <mc:AlternateContent xmlns:mc="http://schemas.openxmlformats.org/markup-compatibility/2006">
-    <mc:Choice xmlns:p14="http://schemas.microsoft.com/office/powerpoint/2010/main" Requires="p14">
+  <mc:AlternateContent xmlns:mc="http://schemas.openxmlformats.org/markup-compatibility/2006" xmlns:p14="http://schemas.microsoft.com/office/powerpoint/2010/main">
+    <mc:Choice Requires="p14">
       <p:transition p14:dur="300">
         <p:fade/>
       </p:transition>
     </mc:Choice>
-    <mc:Fallback>
+    <mc:Fallback xmlns="">
       <p:transition>
         <p:fade/>
       </p:transition>
@@ -9719,13 +9855,13 @@
   <p:clrMapOvr>
     <a:masterClrMapping/>
   </p:clrMapOvr>
-  <mc:AlternateContent xmlns:mc="http://schemas.openxmlformats.org/markup-compatibility/2006">
-    <mc:Choice xmlns:p14="http://schemas.microsoft.com/office/powerpoint/2010/main" Requires="p14">
+  <mc:AlternateContent xmlns:mc="http://schemas.openxmlformats.org/markup-compatibility/2006" xmlns:p14="http://schemas.microsoft.com/office/powerpoint/2010/main">
+    <mc:Choice Requires="p14">
       <p:transition p14:dur="300">
         <p:fade/>
       </p:transition>
     </mc:Choice>
-    <mc:Fallback>
+    <mc:Fallback xmlns="">
       <p:transition>
         <p:fade/>
       </p:transition>
@@ -9838,13 +9974,13 @@
   <p:clrMapOvr>
     <a:masterClrMapping/>
   </p:clrMapOvr>
-  <mc:AlternateContent xmlns:mc="http://schemas.openxmlformats.org/markup-compatibility/2006">
-    <mc:Choice xmlns:p14="http://schemas.microsoft.com/office/powerpoint/2010/main" Requires="p14">
+  <mc:AlternateContent xmlns:mc="http://schemas.openxmlformats.org/markup-compatibility/2006" xmlns:p14="http://schemas.microsoft.com/office/powerpoint/2010/main">
+    <mc:Choice Requires="p14">
       <p:transition p14:dur="300">
         <p:fade/>
       </p:transition>
     </mc:Choice>
-    <mc:Fallback>
+    <mc:Fallback xmlns="">
       <p:transition>
         <p:fade/>
       </p:transition>
@@ -9962,13 +10098,13 @@
   <p:clrMapOvr>
     <a:masterClrMapping/>
   </p:clrMapOvr>
-  <mc:AlternateContent xmlns:mc="http://schemas.openxmlformats.org/markup-compatibility/2006">
-    <mc:Choice xmlns:p14="http://schemas.microsoft.com/office/powerpoint/2010/main" Requires="p14">
+  <mc:AlternateContent xmlns:mc="http://schemas.openxmlformats.org/markup-compatibility/2006" xmlns:p14="http://schemas.microsoft.com/office/powerpoint/2010/main">
+    <mc:Choice Requires="p14">
       <p:transition p14:dur="300">
         <p:fade/>
       </p:transition>
     </mc:Choice>
-    <mc:Fallback>
+    <mc:Fallback xmlns="">
       <p:transition>
         <p:fade/>
       </p:transition>
@@ -10086,13 +10222,13 @@
   <p:clrMapOvr>
     <a:masterClrMapping/>
   </p:clrMapOvr>
-  <mc:AlternateContent xmlns:mc="http://schemas.openxmlformats.org/markup-compatibility/2006">
-    <mc:Choice xmlns:p14="http://schemas.microsoft.com/office/powerpoint/2010/main" Requires="p14">
+  <mc:AlternateContent xmlns:mc="http://schemas.openxmlformats.org/markup-compatibility/2006" xmlns:p14="http://schemas.microsoft.com/office/powerpoint/2010/main">
+    <mc:Choice Requires="p14">
       <p:transition p14:dur="300">
         <p:fade/>
       </p:transition>
     </mc:Choice>
-    <mc:Fallback>
+    <mc:Fallback xmlns="">
       <p:transition>
         <p:fade/>
       </p:transition>
@@ -10231,13 +10367,13 @@
   <p:clrMapOvr>
     <a:masterClrMapping/>
   </p:clrMapOvr>
-  <mc:AlternateContent xmlns:mc="http://schemas.openxmlformats.org/markup-compatibility/2006">
-    <mc:Choice xmlns:p14="http://schemas.microsoft.com/office/powerpoint/2010/main" Requires="p14">
+  <mc:AlternateContent xmlns:mc="http://schemas.openxmlformats.org/markup-compatibility/2006" xmlns:p14="http://schemas.microsoft.com/office/powerpoint/2010/main">
+    <mc:Choice Requires="p14">
       <p:transition p14:dur="300">
         <p:fade/>
       </p:transition>
     </mc:Choice>
-    <mc:Fallback>
+    <mc:Fallback xmlns="">
       <p:transition>
         <p:fade/>
       </p:transition>
@@ -10395,13 +10531,13 @@
   <p:clrMapOvr>
     <a:masterClrMapping/>
   </p:clrMapOvr>
-  <mc:AlternateContent xmlns:mc="http://schemas.openxmlformats.org/markup-compatibility/2006">
-    <mc:Choice xmlns:p14="http://schemas.microsoft.com/office/powerpoint/2010/main" Requires="p14">
+  <mc:AlternateContent xmlns:mc="http://schemas.openxmlformats.org/markup-compatibility/2006" xmlns:p14="http://schemas.microsoft.com/office/powerpoint/2010/main">
+    <mc:Choice Requires="p14">
       <p:transition p14:dur="300">
         <p:fade/>
       </p:transition>
     </mc:Choice>
-    <mc:Fallback>
+    <mc:Fallback xmlns="">
       <p:transition>
         <p:fade/>
       </p:transition>
@@ -10535,13 +10671,13 @@
   <p:clrMapOvr>
     <a:masterClrMapping/>
   </p:clrMapOvr>
-  <mc:AlternateContent xmlns:mc="http://schemas.openxmlformats.org/markup-compatibility/2006">
-    <mc:Choice xmlns:p14="http://schemas.microsoft.com/office/powerpoint/2010/main" Requires="p14">
+  <mc:AlternateContent xmlns:mc="http://schemas.openxmlformats.org/markup-compatibility/2006" xmlns:p14="http://schemas.microsoft.com/office/powerpoint/2010/main">
+    <mc:Choice Requires="p14">
       <p:transition p14:dur="300">
         <p:fade/>
       </p:transition>
     </mc:Choice>
-    <mc:Fallback>
+    <mc:Fallback xmlns="">
       <p:transition>
         <p:fade/>
       </p:transition>
@@ -10666,13 +10802,13 @@
   <p:clrMapOvr>
     <a:masterClrMapping/>
   </p:clrMapOvr>
-  <mc:AlternateContent xmlns:mc="http://schemas.openxmlformats.org/markup-compatibility/2006">
-    <mc:Choice xmlns:p14="http://schemas.microsoft.com/office/powerpoint/2010/main" Requires="p14">
+  <mc:AlternateContent xmlns:mc="http://schemas.openxmlformats.org/markup-compatibility/2006" xmlns:p14="http://schemas.microsoft.com/office/powerpoint/2010/main">
+    <mc:Choice Requires="p14">
       <p:transition p14:dur="300">
         <p:fade/>
       </p:transition>
     </mc:Choice>
-    <mc:Fallback>
+    <mc:Fallback xmlns="">
       <p:transition>
         <p:fade/>
       </p:transition>
@@ -10789,13 +10925,13 @@
   <p:clrMapOvr>
     <a:masterClrMapping/>
   </p:clrMapOvr>
-  <mc:AlternateContent xmlns:mc="http://schemas.openxmlformats.org/markup-compatibility/2006">
-    <mc:Choice xmlns:p14="http://schemas.microsoft.com/office/powerpoint/2010/main" Requires="p14">
+  <mc:AlternateContent xmlns:mc="http://schemas.openxmlformats.org/markup-compatibility/2006" xmlns:p14="http://schemas.microsoft.com/office/powerpoint/2010/main">
+    <mc:Choice Requires="p14">
       <p:transition p14:dur="300">
         <p:fade/>
       </p:transition>
     </mc:Choice>
-    <mc:Fallback>
+    <mc:Fallback xmlns="">
       <p:transition>
         <p:fade/>
       </p:transition>
@@ -10913,13 +11049,13 @@
   <p:clrMapOvr>
     <a:masterClrMapping/>
   </p:clrMapOvr>
-  <mc:AlternateContent xmlns:mc="http://schemas.openxmlformats.org/markup-compatibility/2006">
-    <mc:Choice xmlns:p14="http://schemas.microsoft.com/office/powerpoint/2010/main" Requires="p14">
+  <mc:AlternateContent xmlns:mc="http://schemas.openxmlformats.org/markup-compatibility/2006" xmlns:p14="http://schemas.microsoft.com/office/powerpoint/2010/main">
+    <mc:Choice Requires="p14">
       <p:transition p14:dur="300">
         <p:fade/>
       </p:transition>
     </mc:Choice>
-    <mc:Fallback>
+    <mc:Fallback xmlns="">
       <p:transition>
         <p:fade/>
       </p:transition>
@@ -11037,13 +11173,13 @@
   <p:clrMapOvr>
     <a:masterClrMapping/>
   </p:clrMapOvr>
-  <mc:AlternateContent xmlns:mc="http://schemas.openxmlformats.org/markup-compatibility/2006">
-    <mc:Choice xmlns:p14="http://schemas.microsoft.com/office/powerpoint/2010/main" Requires="p14">
+  <mc:AlternateContent xmlns:mc="http://schemas.openxmlformats.org/markup-compatibility/2006" xmlns:p14="http://schemas.microsoft.com/office/powerpoint/2010/main">
+    <mc:Choice Requires="p14">
       <p:transition p14:dur="300">
         <p:fade/>
       </p:transition>
     </mc:Choice>
-    <mc:Fallback>
+    <mc:Fallback xmlns="">
       <p:transition>
         <p:fade/>
       </p:transition>
@@ -11161,13 +11297,13 @@
   <p:clrMapOvr>
     <a:masterClrMapping/>
   </p:clrMapOvr>
-  <mc:AlternateContent xmlns:mc="http://schemas.openxmlformats.org/markup-compatibility/2006">
-    <mc:Choice xmlns:p14="http://schemas.microsoft.com/office/powerpoint/2010/main" Requires="p14">
+  <mc:AlternateContent xmlns:mc="http://schemas.openxmlformats.org/markup-compatibility/2006" xmlns:p14="http://schemas.microsoft.com/office/powerpoint/2010/main">
+    <mc:Choice Requires="p14">
       <p:transition p14:dur="300">
         <p:fade/>
       </p:transition>
     </mc:Choice>
-    <mc:Fallback>
+    <mc:Fallback xmlns="">
       <p:transition>
         <p:fade/>
       </p:transition>
@@ -11285,13 +11421,13 @@
   <p:clrMapOvr>
     <a:masterClrMapping/>
   </p:clrMapOvr>
-  <mc:AlternateContent xmlns:mc="http://schemas.openxmlformats.org/markup-compatibility/2006">
-    <mc:Choice xmlns:p14="http://schemas.microsoft.com/office/powerpoint/2010/main" Requires="p14">
+  <mc:AlternateContent xmlns:mc="http://schemas.openxmlformats.org/markup-compatibility/2006" xmlns:p14="http://schemas.microsoft.com/office/powerpoint/2010/main">
+    <mc:Choice Requires="p14">
       <p:transition p14:dur="300">
         <p:fade/>
       </p:transition>
     </mc:Choice>
-    <mc:Fallback>
+    <mc:Fallback xmlns="">
       <p:transition>
         <p:fade/>
       </p:transition>
@@ -11430,13 +11566,13 @@
   <p:clrMapOvr>
     <a:masterClrMapping/>
   </p:clrMapOvr>
-  <mc:AlternateContent xmlns:mc="http://schemas.openxmlformats.org/markup-compatibility/2006">
-    <mc:Choice xmlns:p14="http://schemas.microsoft.com/office/powerpoint/2010/main" Requires="p14">
+  <mc:AlternateContent xmlns:mc="http://schemas.openxmlformats.org/markup-compatibility/2006" xmlns:p14="http://schemas.microsoft.com/office/powerpoint/2010/main">
+    <mc:Choice Requires="p14">
       <p:transition p14:dur="300">
         <p:fade/>
       </p:transition>
     </mc:Choice>
-    <mc:Fallback>
+    <mc:Fallback xmlns="">
       <p:transition>
         <p:fade/>
       </p:transition>
@@ -11590,13 +11726,13 @@
   <p:clrMapOvr>
     <a:masterClrMapping/>
   </p:clrMapOvr>
-  <mc:AlternateContent xmlns:mc="http://schemas.openxmlformats.org/markup-compatibility/2006">
-    <mc:Choice xmlns:p14="http://schemas.microsoft.com/office/powerpoint/2010/main" Requires="p14">
+  <mc:AlternateContent xmlns:mc="http://schemas.openxmlformats.org/markup-compatibility/2006" xmlns:p14="http://schemas.microsoft.com/office/powerpoint/2010/main">
+    <mc:Choice Requires="p14">
       <p:transition p14:dur="300">
         <p:fade/>
       </p:transition>
     </mc:Choice>
-    <mc:Fallback>
+    <mc:Fallback xmlns="">
       <p:transition>
         <p:fade/>
       </p:transition>
@@ -11730,13 +11866,13 @@
   <p:clrMapOvr>
     <a:masterClrMapping/>
   </p:clrMapOvr>
-  <mc:AlternateContent xmlns:mc="http://schemas.openxmlformats.org/markup-compatibility/2006">
-    <mc:Choice xmlns:p14="http://schemas.microsoft.com/office/powerpoint/2010/main" Requires="p14">
+  <mc:AlternateContent xmlns:mc="http://schemas.openxmlformats.org/markup-compatibility/2006" xmlns:p14="http://schemas.microsoft.com/office/powerpoint/2010/main">
+    <mc:Choice Requires="p14">
       <p:transition p14:dur="300">
         <p:fade/>
       </p:transition>
     </mc:Choice>
-    <mc:Fallback>
+    <mc:Fallback xmlns="">
       <p:transition>
         <p:fade/>
       </p:transition>
@@ -11861,13 +11997,13 @@
   <p:clrMapOvr>
     <a:masterClrMapping/>
   </p:clrMapOvr>
-  <mc:AlternateContent xmlns:mc="http://schemas.openxmlformats.org/markup-compatibility/2006">
-    <mc:Choice xmlns:p14="http://schemas.microsoft.com/office/powerpoint/2010/main" Requires="p14">
+  <mc:AlternateContent xmlns:mc="http://schemas.openxmlformats.org/markup-compatibility/2006" xmlns:p14="http://schemas.microsoft.com/office/powerpoint/2010/main">
+    <mc:Choice Requires="p14">
       <p:transition p14:dur="300">
         <p:fade/>
       </p:transition>
     </mc:Choice>
-    <mc:Fallback>
+    <mc:Fallback xmlns="">
       <p:transition>
         <p:fade/>
       </p:transition>
@@ -11984,13 +12120,13 @@
   <p:clrMapOvr>
     <a:masterClrMapping/>
   </p:clrMapOvr>
-  <mc:AlternateContent xmlns:mc="http://schemas.openxmlformats.org/markup-compatibility/2006">
-    <mc:Choice xmlns:p14="http://schemas.microsoft.com/office/powerpoint/2010/main" Requires="p14">
+  <mc:AlternateContent xmlns:mc="http://schemas.openxmlformats.org/markup-compatibility/2006" xmlns:p14="http://schemas.microsoft.com/office/powerpoint/2010/main">
+    <mc:Choice Requires="p14">
       <p:transition p14:dur="300">
         <p:fade/>
       </p:transition>
     </mc:Choice>
-    <mc:Fallback>
+    <mc:Fallback xmlns="">
       <p:transition>
         <p:fade/>
       </p:transition>
@@ -12108,13 +12244,13 @@
   <p:clrMapOvr>
     <a:masterClrMapping/>
   </p:clrMapOvr>
-  <mc:AlternateContent xmlns:mc="http://schemas.openxmlformats.org/markup-compatibility/2006">
-    <mc:Choice xmlns:p14="http://schemas.microsoft.com/office/powerpoint/2010/main" Requires="p14">
+  <mc:AlternateContent xmlns:mc="http://schemas.openxmlformats.org/markup-compatibility/2006" xmlns:p14="http://schemas.microsoft.com/office/powerpoint/2010/main">
+    <mc:Choice Requires="p14">
       <p:transition p14:dur="300">
         <p:fade/>
       </p:transition>
     </mc:Choice>
-    <mc:Fallback>
+    <mc:Fallback xmlns="">
       <p:transition>
         <p:fade/>
       </p:transition>
@@ -12232,13 +12368,13 @@
   <p:clrMapOvr>
     <a:masterClrMapping/>
   </p:clrMapOvr>
-  <mc:AlternateContent xmlns:mc="http://schemas.openxmlformats.org/markup-compatibility/2006">
-    <mc:Choice xmlns:p14="http://schemas.microsoft.com/office/powerpoint/2010/main" Requires="p14">
+  <mc:AlternateContent xmlns:mc="http://schemas.openxmlformats.org/markup-compatibility/2006" xmlns:p14="http://schemas.microsoft.com/office/powerpoint/2010/main">
+    <mc:Choice Requires="p14">
       <p:transition p14:dur="300">
         <p:fade/>
       </p:transition>
     </mc:Choice>
-    <mc:Fallback>
+    <mc:Fallback xmlns="">
       <p:transition>
         <p:fade/>
       </p:transition>
@@ -12356,13 +12492,13 @@
   <p:clrMapOvr>
     <a:masterClrMapping/>
   </p:clrMapOvr>
-  <mc:AlternateContent xmlns:mc="http://schemas.openxmlformats.org/markup-compatibility/2006">
-    <mc:Choice xmlns:p14="http://schemas.microsoft.com/office/powerpoint/2010/main" Requires="p14">
+  <mc:AlternateContent xmlns:mc="http://schemas.openxmlformats.org/markup-compatibility/2006" xmlns:p14="http://schemas.microsoft.com/office/powerpoint/2010/main">
+    <mc:Choice Requires="p14">
       <p:transition p14:dur="300">
         <p:fade/>
       </p:transition>
     </mc:Choice>
-    <mc:Fallback>
+    <mc:Fallback xmlns="">
       <p:transition>
         <p:fade/>
       </p:transition>
@@ -12501,13 +12637,13 @@
   <p:clrMapOvr>
     <a:masterClrMapping/>
   </p:clrMapOvr>
-  <mc:AlternateContent xmlns:mc="http://schemas.openxmlformats.org/markup-compatibility/2006">
-    <mc:Choice xmlns:p14="http://schemas.microsoft.com/office/powerpoint/2010/main" Requires="p14">
+  <mc:AlternateContent xmlns:mc="http://schemas.openxmlformats.org/markup-compatibility/2006" xmlns:p14="http://schemas.microsoft.com/office/powerpoint/2010/main">
+    <mc:Choice Requires="p14">
       <p:transition p14:dur="300">
         <p:fade/>
       </p:transition>
     </mc:Choice>
-    <mc:Fallback>
+    <mc:Fallback xmlns="">
       <p:transition>
         <p:fade/>
       </p:transition>
@@ -12673,13 +12809,13 @@
   <p:clrMapOvr>
     <a:masterClrMapping/>
   </p:clrMapOvr>
-  <mc:AlternateContent xmlns:mc="http://schemas.openxmlformats.org/markup-compatibility/2006">
-    <mc:Choice xmlns:p14="http://schemas.microsoft.com/office/powerpoint/2010/main" Requires="p14">
+  <mc:AlternateContent xmlns:mc="http://schemas.openxmlformats.org/markup-compatibility/2006" xmlns:p14="http://schemas.microsoft.com/office/powerpoint/2010/main">
+    <mc:Choice Requires="p14">
       <p:transition p14:dur="300">
         <p:fade/>
       </p:transition>
     </mc:Choice>
-    <mc:Fallback>
+    <mc:Fallback xmlns="">
       <p:transition>
         <p:fade/>
       </p:transition>
@@ -12801,13 +12937,13 @@
   <p:clrMapOvr>
     <a:masterClrMapping/>
   </p:clrMapOvr>
-  <mc:AlternateContent xmlns:mc="http://schemas.openxmlformats.org/markup-compatibility/2006">
-    <mc:Choice xmlns:p14="http://schemas.microsoft.com/office/powerpoint/2010/main" Requires="p14">
+  <mc:AlternateContent xmlns:mc="http://schemas.openxmlformats.org/markup-compatibility/2006" xmlns:p14="http://schemas.microsoft.com/office/powerpoint/2010/main">
+    <mc:Choice Requires="p14">
       <p:transition p14:dur="300">
         <p:fade/>
       </p:transition>
     </mc:Choice>
-    <mc:Fallback>
+    <mc:Fallback xmlns="">
       <p:transition>
         <p:fade/>
       </p:transition>
@@ -12941,13 +13077,13 @@
   <p:clrMapOvr>
     <a:masterClrMapping/>
   </p:clrMapOvr>
-  <mc:AlternateContent xmlns:mc="http://schemas.openxmlformats.org/markup-compatibility/2006">
-    <mc:Choice xmlns:p14="http://schemas.microsoft.com/office/powerpoint/2010/main" Requires="p14">
+  <mc:AlternateContent xmlns:mc="http://schemas.openxmlformats.org/markup-compatibility/2006" xmlns:p14="http://schemas.microsoft.com/office/powerpoint/2010/main">
+    <mc:Choice Requires="p14">
       <p:transition p14:dur="300">
         <p:fade/>
       </p:transition>
     </mc:Choice>
-    <mc:Fallback>
+    <mc:Fallback xmlns="">
       <p:transition>
         <p:fade/>
       </p:transition>
@@ -13072,13 +13208,13 @@
   <p:clrMapOvr>
     <a:masterClrMapping/>
   </p:clrMapOvr>
-  <mc:AlternateContent xmlns:mc="http://schemas.openxmlformats.org/markup-compatibility/2006">
-    <mc:Choice xmlns:p14="http://schemas.microsoft.com/office/powerpoint/2010/main" Requires="p14">
+  <mc:AlternateContent xmlns:mc="http://schemas.openxmlformats.org/markup-compatibility/2006" xmlns:p14="http://schemas.microsoft.com/office/powerpoint/2010/main">
+    <mc:Choice Requires="p14">
       <p:transition p14:dur="300">
         <p:fade/>
       </p:transition>
     </mc:Choice>
-    <mc:Fallback>
+    <mc:Fallback xmlns="">
       <p:transition>
         <p:fade/>
       </p:transition>
@@ -13195,13 +13331,13 @@
   <p:clrMapOvr>
     <a:masterClrMapping/>
   </p:clrMapOvr>
-  <mc:AlternateContent xmlns:mc="http://schemas.openxmlformats.org/markup-compatibility/2006">
-    <mc:Choice xmlns:p14="http://schemas.microsoft.com/office/powerpoint/2010/main" Requires="p14">
+  <mc:AlternateContent xmlns:mc="http://schemas.openxmlformats.org/markup-compatibility/2006" xmlns:p14="http://schemas.microsoft.com/office/powerpoint/2010/main">
+    <mc:Choice Requires="p14">
       <p:transition p14:dur="300">
         <p:fade/>
       </p:transition>
     </mc:Choice>
-    <mc:Fallback>
+    <mc:Fallback xmlns="">
       <p:transition>
         <p:fade/>
       </p:transition>
@@ -13319,13 +13455,13 @@
   <p:clrMapOvr>
     <a:masterClrMapping/>
   </p:clrMapOvr>
-  <mc:AlternateContent xmlns:mc="http://schemas.openxmlformats.org/markup-compatibility/2006">
-    <mc:Choice xmlns:p14="http://schemas.microsoft.com/office/powerpoint/2010/main" Requires="p14">
+  <mc:AlternateContent xmlns:mc="http://schemas.openxmlformats.org/markup-compatibility/2006" xmlns:p14="http://schemas.microsoft.com/office/powerpoint/2010/main">
+    <mc:Choice Requires="p14">
       <p:transition p14:dur="300">
         <p:fade/>
       </p:transition>
     </mc:Choice>
-    <mc:Fallback>
+    <mc:Fallback xmlns="">
       <p:transition>
         <p:fade/>
       </p:transition>
@@ -13443,13 +13579,13 @@
   <p:clrMapOvr>
     <a:masterClrMapping/>
   </p:clrMapOvr>
-  <mc:AlternateContent xmlns:mc="http://schemas.openxmlformats.org/markup-compatibility/2006">
-    <mc:Choice xmlns:p14="http://schemas.microsoft.com/office/powerpoint/2010/main" Requires="p14">
+  <mc:AlternateContent xmlns:mc="http://schemas.openxmlformats.org/markup-compatibility/2006" xmlns:p14="http://schemas.microsoft.com/office/powerpoint/2010/main">
+    <mc:Choice Requires="p14">
       <p:transition p14:dur="300">
         <p:fade/>
       </p:transition>
     </mc:Choice>
-    <mc:Fallback>
+    <mc:Fallback xmlns="">
       <p:transition>
         <p:fade/>
       </p:transition>
@@ -13567,13 +13703,13 @@
   <p:clrMapOvr>
     <a:masterClrMapping/>
   </p:clrMapOvr>
-  <mc:AlternateContent xmlns:mc="http://schemas.openxmlformats.org/markup-compatibility/2006">
-    <mc:Choice xmlns:p14="http://schemas.microsoft.com/office/powerpoint/2010/main" Requires="p14">
+  <mc:AlternateContent xmlns:mc="http://schemas.openxmlformats.org/markup-compatibility/2006" xmlns:p14="http://schemas.microsoft.com/office/powerpoint/2010/main">
+    <mc:Choice Requires="p14">
       <p:transition p14:dur="300">
         <p:fade/>
       </p:transition>
     </mc:Choice>
-    <mc:Fallback>
+    <mc:Fallback xmlns="">
       <p:transition>
         <p:fade/>
       </p:transition>
@@ -13712,13 +13848,13 @@
   <p:clrMapOvr>
     <a:masterClrMapping/>
   </p:clrMapOvr>
-  <mc:AlternateContent xmlns:mc="http://schemas.openxmlformats.org/markup-compatibility/2006">
-    <mc:Choice xmlns:p14="http://schemas.microsoft.com/office/powerpoint/2010/main" Requires="p14">
+  <mc:AlternateContent xmlns:mc="http://schemas.openxmlformats.org/markup-compatibility/2006" xmlns:p14="http://schemas.microsoft.com/office/powerpoint/2010/main">
+    <mc:Choice Requires="p14">
       <p:transition p14:dur="300">
         <p:fade/>
       </p:transition>
     </mc:Choice>
-    <mc:Fallback>
+    <mc:Fallback xmlns="">
       <p:transition>
         <p:fade/>
       </p:transition>
@@ -13876,13 +14012,13 @@
   <p:clrMapOvr>
     <a:masterClrMapping/>
   </p:clrMapOvr>
-  <mc:AlternateContent xmlns:mc="http://schemas.openxmlformats.org/markup-compatibility/2006">
-    <mc:Choice xmlns:p14="http://schemas.microsoft.com/office/powerpoint/2010/main" Requires="p14">
+  <mc:AlternateContent xmlns:mc="http://schemas.openxmlformats.org/markup-compatibility/2006" xmlns:p14="http://schemas.microsoft.com/office/powerpoint/2010/main">
+    <mc:Choice Requires="p14">
       <p:transition p14:dur="300">
         <p:fade/>
       </p:transition>
     </mc:Choice>
-    <mc:Fallback>
+    <mc:Fallback xmlns="">
       <p:transition>
         <p:fade/>
       </p:transition>
@@ -14016,13 +14152,13 @@
   <p:clrMapOvr>
     <a:masterClrMapping/>
   </p:clrMapOvr>
-  <mc:AlternateContent xmlns:mc="http://schemas.openxmlformats.org/markup-compatibility/2006">
-    <mc:Choice xmlns:p14="http://schemas.microsoft.com/office/powerpoint/2010/main" Requires="p14">
+  <mc:AlternateContent xmlns:mc="http://schemas.openxmlformats.org/markup-compatibility/2006" xmlns:p14="http://schemas.microsoft.com/office/powerpoint/2010/main">
+    <mc:Choice Requires="p14">
       <p:transition p14:dur="300">
         <p:fade/>
       </p:transition>
     </mc:Choice>
-    <mc:Fallback>
+    <mc:Fallback xmlns="">
       <p:transition>
         <p:fade/>
       </p:transition>
@@ -14147,13 +14283,13 @@
   <p:clrMapOvr>
     <a:masterClrMapping/>
   </p:clrMapOvr>
-  <mc:AlternateContent xmlns:mc="http://schemas.openxmlformats.org/markup-compatibility/2006">
-    <mc:Choice xmlns:p14="http://schemas.microsoft.com/office/powerpoint/2010/main" Requires="p14">
+  <mc:AlternateContent xmlns:mc="http://schemas.openxmlformats.org/markup-compatibility/2006" xmlns:p14="http://schemas.microsoft.com/office/powerpoint/2010/main">
+    <mc:Choice Requires="p14">
       <p:transition p14:dur="300">
         <p:fade/>
       </p:transition>
     </mc:Choice>
-    <mc:Fallback>
+    <mc:Fallback xmlns="">
       <p:transition>
         <p:fade/>
       </p:transition>
@@ -14304,13 +14440,13 @@
   <p:clrMapOvr>
     <a:masterClrMapping/>
   </p:clrMapOvr>
-  <mc:AlternateContent xmlns:mc="http://schemas.openxmlformats.org/markup-compatibility/2006">
-    <mc:Choice xmlns:p14="http://schemas.microsoft.com/office/powerpoint/2010/main" Requires="p14">
+  <mc:AlternateContent xmlns:mc="http://schemas.openxmlformats.org/markup-compatibility/2006" xmlns:p14="http://schemas.microsoft.com/office/powerpoint/2010/main">
+    <mc:Choice Requires="p14">
       <p:transition p14:dur="300">
         <p:fade/>
       </p:transition>
     </mc:Choice>
-    <mc:Fallback>
+    <mc:Fallback xmlns="">
       <p:transition>
         <p:fade/>
       </p:transition>
@@ -14427,13 +14563,13 @@
   <p:clrMapOvr>
     <a:masterClrMapping/>
   </p:clrMapOvr>
-  <mc:AlternateContent xmlns:mc="http://schemas.openxmlformats.org/markup-compatibility/2006">
-    <mc:Choice xmlns:p14="http://schemas.microsoft.com/office/powerpoint/2010/main" Requires="p14">
+  <mc:AlternateContent xmlns:mc="http://schemas.openxmlformats.org/markup-compatibility/2006" xmlns:p14="http://schemas.microsoft.com/office/powerpoint/2010/main">
+    <mc:Choice Requires="p14">
       <p:transition p14:dur="300">
         <p:fade/>
       </p:transition>
     </mc:Choice>
-    <mc:Fallback>
+    <mc:Fallback xmlns="">
       <p:transition>
         <p:fade/>
       </p:transition>
@@ -14551,13 +14687,13 @@
   <p:clrMapOvr>
     <a:masterClrMapping/>
   </p:clrMapOvr>
-  <mc:AlternateContent xmlns:mc="http://schemas.openxmlformats.org/markup-compatibility/2006">
-    <mc:Choice xmlns:p14="http://schemas.microsoft.com/office/powerpoint/2010/main" Requires="p14">
+  <mc:AlternateContent xmlns:mc="http://schemas.openxmlformats.org/markup-compatibility/2006" xmlns:p14="http://schemas.microsoft.com/office/powerpoint/2010/main">
+    <mc:Choice Requires="p14">
       <p:transition p14:dur="300">
         <p:fade/>
       </p:transition>
     </mc:Choice>
-    <mc:Fallback>
+    <mc:Fallback xmlns="">
       <p:transition>
         <p:fade/>
       </p:transition>
@@ -14675,13 +14811,13 @@
   <p:clrMapOvr>
     <a:masterClrMapping/>
   </p:clrMapOvr>
-  <mc:AlternateContent xmlns:mc="http://schemas.openxmlformats.org/markup-compatibility/2006">
-    <mc:Choice xmlns:p14="http://schemas.microsoft.com/office/powerpoint/2010/main" Requires="p14">
+  <mc:AlternateContent xmlns:mc="http://schemas.openxmlformats.org/markup-compatibility/2006" xmlns:p14="http://schemas.microsoft.com/office/powerpoint/2010/main">
+    <mc:Choice Requires="p14">
       <p:transition p14:dur="300">
         <p:fade/>
       </p:transition>
     </mc:Choice>
-    <mc:Fallback>
+    <mc:Fallback xmlns="">
       <p:transition>
         <p:fade/>
       </p:transition>
@@ -14799,13 +14935,13 @@
   <p:clrMapOvr>
     <a:masterClrMapping/>
   </p:clrMapOvr>
-  <mc:AlternateContent xmlns:mc="http://schemas.openxmlformats.org/markup-compatibility/2006">
-    <mc:Choice xmlns:p14="http://schemas.microsoft.com/office/powerpoint/2010/main" Requires="p14">
+  <mc:AlternateContent xmlns:mc="http://schemas.openxmlformats.org/markup-compatibility/2006" xmlns:p14="http://schemas.microsoft.com/office/powerpoint/2010/main">
+    <mc:Choice Requires="p14">
       <p:transition p14:dur="300">
         <p:fade/>
       </p:transition>
     </mc:Choice>
-    <mc:Fallback>
+    <mc:Fallback xmlns="">
       <p:transition>
         <p:fade/>
       </p:transition>
@@ -14944,13 +15080,13 @@
   <p:clrMapOvr>
     <a:masterClrMapping/>
   </p:clrMapOvr>
-  <mc:AlternateContent xmlns:mc="http://schemas.openxmlformats.org/markup-compatibility/2006">
-    <mc:Choice xmlns:p14="http://schemas.microsoft.com/office/powerpoint/2010/main" Requires="p14">
+  <mc:AlternateContent xmlns:mc="http://schemas.openxmlformats.org/markup-compatibility/2006" xmlns:p14="http://schemas.microsoft.com/office/powerpoint/2010/main">
+    <mc:Choice Requires="p14">
       <p:transition p14:dur="300">
         <p:fade/>
       </p:transition>
     </mc:Choice>
-    <mc:Fallback>
+    <mc:Fallback xmlns="">
       <p:transition>
         <p:fade/>
       </p:transition>
@@ -15108,13 +15244,13 @@
   <p:clrMapOvr>
     <a:masterClrMapping/>
   </p:clrMapOvr>
-  <mc:AlternateContent xmlns:mc="http://schemas.openxmlformats.org/markup-compatibility/2006">
-    <mc:Choice xmlns:p14="http://schemas.microsoft.com/office/powerpoint/2010/main" Requires="p14">
+  <mc:AlternateContent xmlns:mc="http://schemas.openxmlformats.org/markup-compatibility/2006" xmlns:p14="http://schemas.microsoft.com/office/powerpoint/2010/main">
+    <mc:Choice Requires="p14">
       <p:transition p14:dur="300">
         <p:fade/>
       </p:transition>
     </mc:Choice>
-    <mc:Fallback>
+    <mc:Fallback xmlns="">
       <p:transition>
         <p:fade/>
       </p:transition>
@@ -15248,13 +15384,13 @@
   <p:clrMapOvr>
     <a:masterClrMapping/>
   </p:clrMapOvr>
-  <mc:AlternateContent xmlns:mc="http://schemas.openxmlformats.org/markup-compatibility/2006">
-    <mc:Choice xmlns:p14="http://schemas.microsoft.com/office/powerpoint/2010/main" Requires="p14">
+  <mc:AlternateContent xmlns:mc="http://schemas.openxmlformats.org/markup-compatibility/2006" xmlns:p14="http://schemas.microsoft.com/office/powerpoint/2010/main">
+    <mc:Choice Requires="p14">
       <p:transition p14:dur="300">
         <p:fade/>
       </p:transition>
     </mc:Choice>
-    <mc:Fallback>
+    <mc:Fallback xmlns="">
       <p:transition>
         <p:fade/>
       </p:transition>
@@ -15379,13 +15515,13 @@
   <p:clrMapOvr>
     <a:masterClrMapping/>
   </p:clrMapOvr>
-  <mc:AlternateContent xmlns:mc="http://schemas.openxmlformats.org/markup-compatibility/2006">
-    <mc:Choice xmlns:p14="http://schemas.microsoft.com/office/powerpoint/2010/main" Requires="p14">
+  <mc:AlternateContent xmlns:mc="http://schemas.openxmlformats.org/markup-compatibility/2006" xmlns:p14="http://schemas.microsoft.com/office/powerpoint/2010/main">
+    <mc:Choice Requires="p14">
       <p:transition p14:dur="300">
         <p:fade/>
       </p:transition>
     </mc:Choice>
-    <mc:Fallback>
+    <mc:Fallback xmlns="">
       <p:transition>
         <p:fade/>
       </p:transition>
@@ -15502,13 +15638,13 @@
   <p:clrMapOvr>
     <a:masterClrMapping/>
   </p:clrMapOvr>
-  <mc:AlternateContent xmlns:mc="http://schemas.openxmlformats.org/markup-compatibility/2006">
-    <mc:Choice xmlns:p14="http://schemas.microsoft.com/office/powerpoint/2010/main" Requires="p14">
+  <mc:AlternateContent xmlns:mc="http://schemas.openxmlformats.org/markup-compatibility/2006" xmlns:p14="http://schemas.microsoft.com/office/powerpoint/2010/main">
+    <mc:Choice Requires="p14">
       <p:transition p14:dur="300">
         <p:fade/>
       </p:transition>
     </mc:Choice>
-    <mc:Fallback>
+    <mc:Fallback xmlns="">
       <p:transition>
         <p:fade/>
       </p:transition>
@@ -15626,13 +15762,13 @@
   <p:clrMapOvr>
     <a:masterClrMapping/>
   </p:clrMapOvr>
-  <mc:AlternateContent xmlns:mc="http://schemas.openxmlformats.org/markup-compatibility/2006">
-    <mc:Choice xmlns:p14="http://schemas.microsoft.com/office/powerpoint/2010/main" Requires="p14">
+  <mc:AlternateContent xmlns:mc="http://schemas.openxmlformats.org/markup-compatibility/2006" xmlns:p14="http://schemas.microsoft.com/office/powerpoint/2010/main">
+    <mc:Choice Requires="p14">
       <p:transition p14:dur="300">
         <p:fade/>
       </p:transition>
     </mc:Choice>
-    <mc:Fallback>
+    <mc:Fallback xmlns="">
       <p:transition>
         <p:fade/>
       </p:transition>
@@ -15767,13 +15903,13 @@
   <p:clrMapOvr>
     <a:masterClrMapping/>
   </p:clrMapOvr>
-  <mc:AlternateContent xmlns:mc="http://schemas.openxmlformats.org/markup-compatibility/2006">
-    <mc:Choice xmlns:p14="http://schemas.microsoft.com/office/powerpoint/2010/main" Requires="p14">
+  <mc:AlternateContent xmlns:mc="http://schemas.openxmlformats.org/markup-compatibility/2006" xmlns:p14="http://schemas.microsoft.com/office/powerpoint/2010/main">
+    <mc:Choice Requires="p14">
       <p:transition p14:dur="300">
         <p:fade/>
       </p:transition>
     </mc:Choice>
-    <mc:Fallback>
+    <mc:Fallback xmlns="">
       <p:transition>
         <p:fade/>
       </p:transition>
@@ -15891,13 +16027,13 @@
   <p:clrMapOvr>
     <a:masterClrMapping/>
   </p:clrMapOvr>
-  <mc:AlternateContent xmlns:mc="http://schemas.openxmlformats.org/markup-compatibility/2006">
-    <mc:Choice xmlns:p14="http://schemas.microsoft.com/office/powerpoint/2010/main" Requires="p14">
+  <mc:AlternateContent xmlns:mc="http://schemas.openxmlformats.org/markup-compatibility/2006" xmlns:p14="http://schemas.microsoft.com/office/powerpoint/2010/main">
+    <mc:Choice Requires="p14">
       <p:transition p14:dur="300">
         <p:fade/>
       </p:transition>
     </mc:Choice>
-    <mc:Fallback>
+    <mc:Fallback xmlns="">
       <p:transition>
         <p:fade/>
       </p:transition>
@@ -16015,13 +16151,13 @@
   <p:clrMapOvr>
     <a:masterClrMapping/>
   </p:clrMapOvr>
-  <mc:AlternateContent xmlns:mc="http://schemas.openxmlformats.org/markup-compatibility/2006">
-    <mc:Choice xmlns:p14="http://schemas.microsoft.com/office/powerpoint/2010/main" Requires="p14">
+  <mc:AlternateContent xmlns:mc="http://schemas.openxmlformats.org/markup-compatibility/2006" xmlns:p14="http://schemas.microsoft.com/office/powerpoint/2010/main">
+    <mc:Choice Requires="p14">
       <p:transition p14:dur="300">
         <p:fade/>
       </p:transition>
     </mc:Choice>
-    <mc:Fallback>
+    <mc:Fallback xmlns="">
       <p:transition>
         <p:fade/>
       </p:transition>
@@ -16160,13 +16296,13 @@
   <p:clrMapOvr>
     <a:masterClrMapping/>
   </p:clrMapOvr>
-  <mc:AlternateContent xmlns:mc="http://schemas.openxmlformats.org/markup-compatibility/2006">
-    <mc:Choice xmlns:p14="http://schemas.microsoft.com/office/powerpoint/2010/main" Requires="p14">
+  <mc:AlternateContent xmlns:mc="http://schemas.openxmlformats.org/markup-compatibility/2006" xmlns:p14="http://schemas.microsoft.com/office/powerpoint/2010/main">
+    <mc:Choice Requires="p14">
       <p:transition p14:dur="300">
         <p:fade/>
       </p:transition>
     </mc:Choice>
-    <mc:Fallback>
+    <mc:Fallback xmlns="">
       <p:transition>
         <p:fade/>
       </p:transition>
@@ -16320,13 +16456,13 @@
   <p:clrMapOvr>
     <a:masterClrMapping/>
   </p:clrMapOvr>
-  <mc:AlternateContent xmlns:mc="http://schemas.openxmlformats.org/markup-compatibility/2006">
-    <mc:Choice xmlns:p14="http://schemas.microsoft.com/office/powerpoint/2010/main" Requires="p14">
+  <mc:AlternateContent xmlns:mc="http://schemas.openxmlformats.org/markup-compatibility/2006" xmlns:p14="http://schemas.microsoft.com/office/powerpoint/2010/main">
+    <mc:Choice Requires="p14">
       <p:transition p14:dur="300">
         <p:fade/>
       </p:transition>
     </mc:Choice>
-    <mc:Fallback>
+    <mc:Fallback xmlns="">
       <p:transition>
         <p:fade/>
       </p:transition>
@@ -16468,13 +16604,13 @@
   <p:clrMapOvr>
     <a:masterClrMapping/>
   </p:clrMapOvr>
-  <mc:AlternateContent xmlns:mc="http://schemas.openxmlformats.org/markup-compatibility/2006">
-    <mc:Choice xmlns:p14="http://schemas.microsoft.com/office/powerpoint/2010/main" Requires="p14">
+  <mc:AlternateContent xmlns:mc="http://schemas.openxmlformats.org/markup-compatibility/2006" xmlns:p14="http://schemas.microsoft.com/office/powerpoint/2010/main">
+    <mc:Choice Requires="p14">
       <p:transition p14:dur="300">
         <p:fade/>
       </p:transition>
     </mc:Choice>
-    <mc:Fallback>
+    <mc:Fallback xmlns="">
       <p:transition>
         <p:fade/>
       </p:transition>
@@ -16599,13 +16735,13 @@
   <p:clrMapOvr>
     <a:masterClrMapping/>
   </p:clrMapOvr>
-  <mc:AlternateContent xmlns:mc="http://schemas.openxmlformats.org/markup-compatibility/2006">
-    <mc:Choice xmlns:p14="http://schemas.microsoft.com/office/powerpoint/2010/main" Requires="p14">
+  <mc:AlternateContent xmlns:mc="http://schemas.openxmlformats.org/markup-compatibility/2006" xmlns:p14="http://schemas.microsoft.com/office/powerpoint/2010/main">
+    <mc:Choice Requires="p14">
       <p:transition p14:dur="300">
         <p:fade/>
       </p:transition>
     </mc:Choice>
-    <mc:Fallback>
+    <mc:Fallback xmlns="">
       <p:transition>
         <p:fade/>
       </p:transition>
@@ -16722,13 +16858,13 @@
   <p:clrMapOvr>
     <a:masterClrMapping/>
   </p:clrMapOvr>
-  <mc:AlternateContent xmlns:mc="http://schemas.openxmlformats.org/markup-compatibility/2006">
-    <mc:Choice xmlns:p14="http://schemas.microsoft.com/office/powerpoint/2010/main" Requires="p14">
+  <mc:AlternateContent xmlns:mc="http://schemas.openxmlformats.org/markup-compatibility/2006" xmlns:p14="http://schemas.microsoft.com/office/powerpoint/2010/main">
+    <mc:Choice Requires="p14">
       <p:transition p14:dur="300">
         <p:fade/>
       </p:transition>
     </mc:Choice>
-    <mc:Fallback>
+    <mc:Fallback xmlns="">
       <p:transition>
         <p:fade/>
       </p:transition>
@@ -16846,13 +16982,13 @@
   <p:clrMapOvr>
     <a:masterClrMapping/>
   </p:clrMapOvr>
-  <mc:AlternateContent xmlns:mc="http://schemas.openxmlformats.org/markup-compatibility/2006">
-    <mc:Choice xmlns:p14="http://schemas.microsoft.com/office/powerpoint/2010/main" Requires="p14">
+  <mc:AlternateContent xmlns:mc="http://schemas.openxmlformats.org/markup-compatibility/2006" xmlns:p14="http://schemas.microsoft.com/office/powerpoint/2010/main">
+    <mc:Choice Requires="p14">
       <p:transition p14:dur="300">
         <p:fade/>
       </p:transition>
     </mc:Choice>
-    <mc:Fallback>
+    <mc:Fallback xmlns="">
       <p:transition>
         <p:fade/>
       </p:transition>
@@ -16970,13 +17106,13 @@
   <p:clrMapOvr>
     <a:masterClrMapping/>
   </p:clrMapOvr>
-  <mc:AlternateContent xmlns:mc="http://schemas.openxmlformats.org/markup-compatibility/2006">
-    <mc:Choice xmlns:p14="http://schemas.microsoft.com/office/powerpoint/2010/main" Requires="p14">
+  <mc:AlternateContent xmlns:mc="http://schemas.openxmlformats.org/markup-compatibility/2006" xmlns:p14="http://schemas.microsoft.com/office/powerpoint/2010/main">
+    <mc:Choice Requires="p14">
       <p:transition p14:dur="300">
         <p:fade/>
       </p:transition>
     </mc:Choice>
-    <mc:Fallback>
+    <mc:Fallback xmlns="">
       <p:transition>
         <p:fade/>
       </p:transition>
@@ -17094,13 +17230,13 @@
   <p:clrMapOvr>
     <a:masterClrMapping/>
   </p:clrMapOvr>
-  <mc:AlternateContent xmlns:mc="http://schemas.openxmlformats.org/markup-compatibility/2006">
-    <mc:Choice xmlns:p14="http://schemas.microsoft.com/office/powerpoint/2010/main" Requires="p14">
+  <mc:AlternateContent xmlns:mc="http://schemas.openxmlformats.org/markup-compatibility/2006" xmlns:p14="http://schemas.microsoft.com/office/powerpoint/2010/main">
+    <mc:Choice Requires="p14">
       <p:transition p14:dur="300">
         <p:fade/>
       </p:transition>
     </mc:Choice>
-    <mc:Fallback>
+    <mc:Fallback xmlns="">
       <p:transition>
         <p:fade/>
       </p:transition>
@@ -17218,13 +17354,13 @@
   <p:clrMapOvr>
     <a:masterClrMapping/>
   </p:clrMapOvr>
-  <mc:AlternateContent xmlns:mc="http://schemas.openxmlformats.org/markup-compatibility/2006">
-    <mc:Choice xmlns:p14="http://schemas.microsoft.com/office/powerpoint/2010/main" Requires="p14">
+  <mc:AlternateContent xmlns:mc="http://schemas.openxmlformats.org/markup-compatibility/2006" xmlns:p14="http://schemas.microsoft.com/office/powerpoint/2010/main">
+    <mc:Choice Requires="p14">
       <p:transition p14:dur="300">
         <p:fade/>
       </p:transition>
     </mc:Choice>
-    <mc:Fallback>
+    <mc:Fallback xmlns="">
       <p:transition>
         <p:fade/>
       </p:transition>
@@ -17363,13 +17499,13 @@
   <p:clrMapOvr>
     <a:masterClrMapping/>
   </p:clrMapOvr>
-  <mc:AlternateContent xmlns:mc="http://schemas.openxmlformats.org/markup-compatibility/2006">
-    <mc:Choice xmlns:p14="http://schemas.microsoft.com/office/powerpoint/2010/main" Requires="p14">
+  <mc:AlternateContent xmlns:mc="http://schemas.openxmlformats.org/markup-compatibility/2006" xmlns:p14="http://schemas.microsoft.com/office/powerpoint/2010/main">
+    <mc:Choice Requires="p14">
       <p:transition p14:dur="300">
         <p:fade/>
       </p:transition>
     </mc:Choice>
-    <mc:Fallback>
+    <mc:Fallback xmlns="">
       <p:transition>
         <p:fade/>
       </p:transition>
@@ -17527,13 +17663,13 @@
   <p:clrMapOvr>
     <a:masterClrMapping/>
   </p:clrMapOvr>
-  <mc:AlternateContent xmlns:mc="http://schemas.openxmlformats.org/markup-compatibility/2006">
-    <mc:Choice xmlns:p14="http://schemas.microsoft.com/office/powerpoint/2010/main" Requires="p14">
+  <mc:AlternateContent xmlns:mc="http://schemas.openxmlformats.org/markup-compatibility/2006" xmlns:p14="http://schemas.microsoft.com/office/powerpoint/2010/main">
+    <mc:Choice Requires="p14">
       <p:transition p14:dur="300">
         <p:fade/>
       </p:transition>
     </mc:Choice>
-    <mc:Fallback>
+    <mc:Fallback xmlns="">
       <p:transition>
         <p:fade/>
       </p:transition>
@@ -17675,13 +17811,13 @@
   <p:clrMapOvr>
     <a:masterClrMapping/>
   </p:clrMapOvr>
-  <mc:AlternateContent xmlns:mc="http://schemas.openxmlformats.org/markup-compatibility/2006">
-    <mc:Choice xmlns:p14="http://schemas.microsoft.com/office/powerpoint/2010/main" Requires="p14">
+  <mc:AlternateContent xmlns:mc="http://schemas.openxmlformats.org/markup-compatibility/2006" xmlns:p14="http://schemas.microsoft.com/office/powerpoint/2010/main">
+    <mc:Choice Requires="p14">
       <p:transition p14:dur="300">
         <p:fade/>
       </p:transition>
     </mc:Choice>
-    <mc:Fallback>
+    <mc:Fallback xmlns="">
       <p:transition>
         <p:fade/>
       </p:transition>
@@ -17806,13 +17942,13 @@
   <p:clrMapOvr>
     <a:masterClrMapping/>
   </p:clrMapOvr>
-  <mc:AlternateContent xmlns:mc="http://schemas.openxmlformats.org/markup-compatibility/2006">
-    <mc:Choice xmlns:p14="http://schemas.microsoft.com/office/powerpoint/2010/main" Requires="p14">
+  <mc:AlternateContent xmlns:mc="http://schemas.openxmlformats.org/markup-compatibility/2006" xmlns:p14="http://schemas.microsoft.com/office/powerpoint/2010/main">
+    <mc:Choice Requires="p14">
       <p:transition p14:dur="300">
         <p:fade/>
       </p:transition>
     </mc:Choice>
-    <mc:Fallback>
+    <mc:Fallback xmlns="">
       <p:transition>
         <p:fade/>
       </p:transition>
@@ -17929,13 +18065,13 @@
   <p:clrMapOvr>
     <a:masterClrMapping/>
   </p:clrMapOvr>
-  <mc:AlternateContent xmlns:mc="http://schemas.openxmlformats.org/markup-compatibility/2006">
-    <mc:Choice xmlns:p14="http://schemas.microsoft.com/office/powerpoint/2010/main" Requires="p14">
+  <mc:AlternateContent xmlns:mc="http://schemas.openxmlformats.org/markup-compatibility/2006" xmlns:p14="http://schemas.microsoft.com/office/powerpoint/2010/main">
+    <mc:Choice Requires="p14">
       <p:transition p14:dur="300">
         <p:fade/>
       </p:transition>
     </mc:Choice>
-    <mc:Fallback>
+    <mc:Fallback xmlns="">
       <p:transition>
         <p:fade/>
       </p:transition>
@@ -18053,13 +18189,13 @@
   <p:clrMapOvr>
     <a:masterClrMapping/>
   </p:clrMapOvr>
-  <mc:AlternateContent xmlns:mc="http://schemas.openxmlformats.org/markup-compatibility/2006">
-    <mc:Choice xmlns:p14="http://schemas.microsoft.com/office/powerpoint/2010/main" Requires="p14">
+  <mc:AlternateContent xmlns:mc="http://schemas.openxmlformats.org/markup-compatibility/2006" xmlns:p14="http://schemas.microsoft.com/office/powerpoint/2010/main">
+    <mc:Choice Requires="p14">
       <p:transition p14:dur="300">
         <p:fade/>
       </p:transition>
     </mc:Choice>
-    <mc:Fallback>
+    <mc:Fallback xmlns="">
       <p:transition>
         <p:fade/>
       </p:transition>
@@ -18177,13 +18313,13 @@
   <p:clrMapOvr>
     <a:masterClrMapping/>
   </p:clrMapOvr>
-  <mc:AlternateContent xmlns:mc="http://schemas.openxmlformats.org/markup-compatibility/2006">
-    <mc:Choice xmlns:p14="http://schemas.microsoft.com/office/powerpoint/2010/main" Requires="p14">
+  <mc:AlternateContent xmlns:mc="http://schemas.openxmlformats.org/markup-compatibility/2006" xmlns:p14="http://schemas.microsoft.com/office/powerpoint/2010/main">
+    <mc:Choice Requires="p14">
       <p:transition p14:dur="300">
         <p:fade/>
       </p:transition>
     </mc:Choice>
-    <mc:Fallback>
+    <mc:Fallback xmlns="">
       <p:transition>
         <p:fade/>
       </p:transition>
@@ -18301,13 +18437,13 @@
   <p:clrMapOvr>
     <a:masterClrMapping/>
   </p:clrMapOvr>
-  <mc:AlternateContent xmlns:mc="http://schemas.openxmlformats.org/markup-compatibility/2006">
-    <mc:Choice xmlns:p14="http://schemas.microsoft.com/office/powerpoint/2010/main" Requires="p14">
+  <mc:AlternateContent xmlns:mc="http://schemas.openxmlformats.org/markup-compatibility/2006" xmlns:p14="http://schemas.microsoft.com/office/powerpoint/2010/main">
+    <mc:Choice Requires="p14">
       <p:transition p14:dur="300">
         <p:fade/>
       </p:transition>
     </mc:Choice>
-    <mc:Fallback>
+    <mc:Fallback xmlns="">
       <p:transition>
         <p:fade/>
       </p:transition>
@@ -18446,13 +18582,13 @@
   <p:clrMapOvr>
     <a:masterClrMapping/>
   </p:clrMapOvr>
-  <mc:AlternateContent xmlns:mc="http://schemas.openxmlformats.org/markup-compatibility/2006">
-    <mc:Choice xmlns:p14="http://schemas.microsoft.com/office/powerpoint/2010/main" Requires="p14">
+  <mc:AlternateContent xmlns:mc="http://schemas.openxmlformats.org/markup-compatibility/2006" xmlns:p14="http://schemas.microsoft.com/office/powerpoint/2010/main">
+    <mc:Choice Requires="p14">
       <p:transition p14:dur="300">
         <p:fade/>
       </p:transition>
     </mc:Choice>
-    <mc:Fallback>
+    <mc:Fallback xmlns="">
       <p:transition>
         <p:fade/>
       </p:transition>
@@ -18598,13 +18734,13 @@
   <p:clrMapOvr>
     <a:masterClrMapping/>
   </p:clrMapOvr>
-  <mc:AlternateContent xmlns:mc="http://schemas.openxmlformats.org/markup-compatibility/2006">
-    <mc:Choice xmlns:p14="http://schemas.microsoft.com/office/powerpoint/2010/main" Requires="p14">
+  <mc:AlternateContent xmlns:mc="http://schemas.openxmlformats.org/markup-compatibility/2006" xmlns:p14="http://schemas.microsoft.com/office/powerpoint/2010/main">
+    <mc:Choice Requires="p14">
       <p:transition p14:dur="300">
         <p:fade/>
       </p:transition>
     </mc:Choice>
-    <mc:Fallback>
+    <mc:Fallback xmlns="">
       <p:transition>
         <p:fade/>
       </p:transition>
